--- a/Presentations/2018-05-16-ChevyChase/70-535-Compute.pptx
+++ b/Presentations/2018-05-16-ChevyChase/70-535-Compute.pptx
@@ -5,58 +5,52 @@
     <p:sldMasterId id="2147483660" r:id="rId1"/>
   </p:sldMasterIdLst>
   <p:notesMasterIdLst>
-    <p:notesMasterId r:id="rId7"/>
+    <p:notesMasterId r:id="rId6"/>
   </p:notesMasterIdLst>
   <p:handoutMasterIdLst>
-    <p:handoutMasterId r:id="rId8"/>
+    <p:handoutMasterId r:id="rId7"/>
   </p:handoutMasterIdLst>
   <p:sldIdLst>
-    <p:sldId id="313" r:id="rId2"/>
-    <p:sldId id="314" r:id="rId3"/>
-    <p:sldId id="311" r:id="rId4"/>
-    <p:sldId id="312" r:id="rId5"/>
-    <p:sldId id="315" r:id="rId6"/>
+    <p:sldId id="314" r:id="rId2"/>
+    <p:sldId id="311" r:id="rId3"/>
+    <p:sldId id="312" r:id="rId4"/>
+    <p:sldId id="315" r:id="rId5"/>
   </p:sldIdLst>
   <p:sldSz cx="9144000" cy="6858000" type="screen4x3"/>
   <p:notesSz cx="6858000" cy="9144000"/>
   <p:embeddedFontLst>
     <p:embeddedFont>
+      <p:font typeface="Segoe UI" panose="020B0502040204020203" pitchFamily="34" charset="0"/>
+      <p:regular r:id="rId8"/>
+      <p:bold r:id="rId9"/>
+      <p:italic r:id="rId10"/>
+      <p:boldItalic r:id="rId11"/>
+    </p:embeddedFont>
+    <p:embeddedFont>
+      <p:font typeface="Verdana" panose="020B0604030504040204" pitchFamily="34" charset="0"/>
+      <p:regular r:id="rId12"/>
+      <p:bold r:id="rId13"/>
+      <p:italic r:id="rId14"/>
+      <p:boldItalic r:id="rId15"/>
+    </p:embeddedFont>
+    <p:embeddedFont>
+      <p:font typeface="Segoe UI Light" panose="020B0502040204020203" pitchFamily="34" charset="0"/>
+      <p:regular r:id="rId16"/>
+      <p:italic r:id="rId17"/>
+    </p:embeddedFont>
+    <p:embeddedFont>
       <p:font typeface="Calibri" panose="020F0502020204030204" pitchFamily="34" charset="0"/>
-      <p:regular r:id="rId9"/>
-      <p:bold r:id="rId10"/>
-      <p:italic r:id="rId11"/>
-      <p:boldItalic r:id="rId12"/>
+      <p:regular r:id="rId18"/>
+      <p:bold r:id="rId19"/>
+      <p:italic r:id="rId20"/>
+      <p:boldItalic r:id="rId21"/>
     </p:embeddedFont>
     <p:embeddedFont>
       <p:font typeface="Consolas" panose="020B0609020204030204" pitchFamily="49" charset="0"/>
-      <p:regular r:id="rId13"/>
-      <p:bold r:id="rId14"/>
-      <p:italic r:id="rId15"/>
-      <p:boldItalic r:id="rId16"/>
-    </p:embeddedFont>
-    <p:embeddedFont>
-      <p:font typeface="Segoe UI" panose="020B0502040204020203" pitchFamily="34" charset="0"/>
-      <p:regular r:id="rId17"/>
-      <p:bold r:id="rId18"/>
-      <p:italic r:id="rId19"/>
-      <p:boldItalic r:id="rId20"/>
-    </p:embeddedFont>
-    <p:embeddedFont>
-      <p:font typeface="Calibri Light" panose="020F0302020204030204" pitchFamily="34" charset="0"/>
-      <p:regular r:id="rId21"/>
-      <p:italic r:id="rId22"/>
-    </p:embeddedFont>
-    <p:embeddedFont>
-      <p:font typeface="Verdana" panose="020B0604030504040204" pitchFamily="34" charset="0"/>
-      <p:regular r:id="rId23"/>
-      <p:bold r:id="rId24"/>
-      <p:italic r:id="rId25"/>
-      <p:boldItalic r:id="rId26"/>
-    </p:embeddedFont>
-    <p:embeddedFont>
-      <p:font typeface="Segoe UI Light" panose="020B0502040204020203" pitchFamily="34" charset="0"/>
-      <p:regular r:id="rId27"/>
-      <p:italic r:id="rId28"/>
+      <p:regular r:id="rId22"/>
+      <p:bold r:id="rId23"/>
+      <p:italic r:id="rId24"/>
+      <p:boldItalic r:id="rId25"/>
     </p:embeddedFont>
   </p:embeddedFontLst>
   <p:defaultTextStyle>
@@ -189,7 +183,6 @@
       <p14:sectionLst xmlns:p14="http://schemas.microsoft.com/office/powerpoint/2010/main">
         <p14:section name="Default Section" id="{6D02174B-784A-434E-834A-4FC2579EC5AD}">
           <p14:sldIdLst>
-            <p14:sldId id="313"/>
             <p14:sldId id="314"/>
           </p14:sldIdLst>
         </p14:section>
@@ -314,7 +307,7 @@
           <a:p>
             <a:fld id="{7D784404-57E5-4341-9230-5EC072B8C3C5}" type="datetimeFigureOut">
               <a:rPr lang="en-US" smtClean="0"/>
-              <a:t>5/14/2018</a:t>
+              <a:t>5/16/2018</a:t>
             </a:fld>
             <a:endParaRPr lang="en-US"/>
           </a:p>
@@ -491,7 +484,7 @@
           <a:p>
             <a:fld id="{9933EFA3-31EF-403B-8080-9776000D59FF}" type="datetimeFigureOut">
               <a:rPr lang="en-US" smtClean="0"/>
-              <a:t>5/14/2018</a:t>
+              <a:t>5/16/2018</a:t>
             </a:fld>
             <a:endParaRPr lang="en-US" dirty="0"/>
           </a:p>
@@ -828,7 +821,7 @@
           <a:p>
             <a:fld id="{F19E9337-0361-41F3-9C17-1F4FFD1214BA}" type="slidenum">
               <a:rPr lang="en-US" smtClean="0"/>
-              <a:t>3</a:t>
+              <a:t>2</a:t>
             </a:fld>
             <a:endParaRPr lang="en-US" dirty="0"/>
           </a:p>
@@ -917,7 +910,7 @@
           <a:p>
             <a:fld id="{F19E9337-0361-41F3-9C17-1F4FFD1214BA}" type="slidenum">
               <a:rPr lang="en-US" smtClean="0"/>
-              <a:t>4</a:t>
+              <a:t>3</a:t>
             </a:fld>
             <a:endParaRPr lang="en-US" dirty="0"/>
           </a:p>
@@ -10473,7 +10466,7 @@
 </file>
 
 <file path=ppt/slides/slide1.xml><?xml version="1.0" encoding="utf-8"?>
-<p:sld xmlns:a="http://schemas.openxmlformats.org/drawingml/2006/main" xmlns:r="http://schemas.openxmlformats.org/officeDocument/2006/relationships" xmlns:p="http://schemas.openxmlformats.org/presentationml/2006/main" show="0">
+<p:sld xmlns:a="http://schemas.openxmlformats.org/drawingml/2006/main" xmlns:r="http://schemas.openxmlformats.org/officeDocument/2006/relationships" xmlns:p="http://schemas.openxmlformats.org/presentationml/2006/main">
   <p:cSld>
     <p:spTree>
       <p:nvGrpSpPr>
@@ -10491,10 +10484,10 @@
       </p:grpSpPr>
       <p:sp>
         <p:nvSpPr>
-          <p:cNvPr id="6" name="Title 5">
+          <p:cNvPr id="2" name="Title 1">
             <a:extLst>
               <a:ext uri="{FF2B5EF4-FFF2-40B4-BE49-F238E27FC236}">
-                <a16:creationId xmlns:a16="http://schemas.microsoft.com/office/drawing/2014/main" id="{CE9D1C08-ABF2-4178-9600-F70D7803A73A}"/>
+                <a16:creationId xmlns:a16="http://schemas.microsoft.com/office/drawing/2014/main" id="{CDFD4CD9-4330-4B7F-B215-A7BED91ED4D2}"/>
               </a:ext>
             </a:extLst>
           </p:cNvPr>
@@ -10502,7 +10495,7 @@
             <a:spLocks noGrp="1"/>
           </p:cNvSpPr>
           <p:nvPr>
-            <p:ph type="title"/>
+            <p:ph type="ctrTitle" sz="quarter"/>
           </p:nvPr>
         </p:nvSpPr>
         <p:spPr/>
@@ -10511,25 +10504,46 @@
           <a:lstStyle/>
           <a:p>
             <a:r>
-              <a:rPr lang="en-US" dirty="0"/>
-              <a:t>Agenda and Logistics</a:t>
+              <a:rPr lang="en-US" sz="1500" dirty="0">
+                <a:solidFill>
+                  <a:srgbClr val="FFFFFF"/>
+                </a:solidFill>
+              </a:rPr>
+              <a:t>Exam</a:t>
+            </a:r>
+            <a:r>
+              <a:rPr lang="en-US" sz="2700" dirty="0">
+                <a:solidFill>
+                  <a:srgbClr val="FFFFFF"/>
+                </a:solidFill>
+              </a:rPr>
+              <a:t> 70-535 Architecting Microsoft Azure Solutions</a:t>
             </a:r>
             <a:br>
-              <a:rPr lang="en-US" dirty="0"/>
+              <a:rPr lang="en-US" sz="2700" dirty="0">
+                <a:solidFill>
+                  <a:srgbClr val="FFFFFF"/>
+                </a:solidFill>
+              </a:rPr>
             </a:br>
             <a:r>
-              <a:rPr lang="en-US" dirty="0"/>
-              <a:t>70-535 Architecting Azure Solutions</a:t>
-            </a:r>
-          </a:p>
-        </p:txBody>
-      </p:sp>
-      <p:sp>
-        <p:nvSpPr>
-          <p:cNvPr id="7" name="Text Placeholder 6">
+              <a:rPr lang="en-US" sz="1800" dirty="0">
+                <a:solidFill>
+                  <a:srgbClr val="FFFFFF"/>
+                </a:solidFill>
+              </a:rPr>
+              <a:t>Data &amp; Cloud Skill Up Workshop - Azure Fundamentals </a:t>
+            </a:r>
+            <a:endParaRPr lang="en-US" dirty="0"/>
+          </a:p>
+        </p:txBody>
+      </p:sp>
+      <p:sp>
+        <p:nvSpPr>
+          <p:cNvPr id="3" name="Subtitle 2">
             <a:extLst>
               <a:ext uri="{FF2B5EF4-FFF2-40B4-BE49-F238E27FC236}">
-                <a16:creationId xmlns:a16="http://schemas.microsoft.com/office/drawing/2014/main" id="{0759DD94-2A1B-4404-ACE7-1951FAB3EFAD}"/>
+                <a16:creationId xmlns:a16="http://schemas.microsoft.com/office/drawing/2014/main" id="{A4C07415-3D36-4383-9226-03906D63414E}"/>
               </a:ext>
             </a:extLst>
           </p:cNvPr>
@@ -10537,87 +10551,64 @@
             <a:spLocks noGrp="1"/>
           </p:cNvSpPr>
           <p:nvPr>
-            <p:ph sz="half" idx="1"/>
+            <p:ph type="subTitle" sz="quarter" idx="1"/>
           </p:nvPr>
         </p:nvSpPr>
-        <p:spPr>
-          <a:xfrm>
-            <a:off x="261189" y="2308185"/>
-            <a:ext cx="3996488" cy="3137690"/>
-          </a:xfrm>
-        </p:spPr>
+        <p:spPr/>
         <p:txBody>
           <a:bodyPr/>
           <a:lstStyle/>
           <a:p>
-            <a:pPr marL="0" indent="0">
-              <a:buNone/>
-            </a:pPr>
-            <a:r>
-              <a:rPr lang="en-US" altLang="en-US" dirty="0">
+            <a:r>
+              <a:rPr lang="en-US" dirty="0">
                 <a:solidFill>
-                  <a:srgbClr val="2F5496"/>
+                  <a:srgbClr val="FFC000"/>
                 </a:solidFill>
-                <a:latin typeface="Calibri Light" panose="020F0302020204030204" pitchFamily="34" charset="0"/>
-                <a:ea typeface="Times New Roman" panose="02020603050405020304" pitchFamily="18" charset="0"/>
-                <a:cs typeface="Times New Roman" panose="02020603050405020304" pitchFamily="18" charset="0"/>
               </a:rPr>
-              <a:t>Day 1:  Monday, May 14, 2018</a:t>
-            </a:r>
+              <a:t>Design Compute Infrastructure (20-25%)</a:t>
+            </a:r>
+          </a:p>
+          <a:p>
+            <a:r>
+              <a:rPr lang="en-US" dirty="0"/>
+              <a:t>Design Data Implementation (15-20%)</a:t>
+            </a:r>
+          </a:p>
+          <a:p>
+            <a:r>
+              <a:rPr lang="en-US" dirty="0"/>
+              <a:t>Design Networking Implementation (15-20%)</a:t>
+            </a:r>
+          </a:p>
+          <a:p>
+            <a:r>
+              <a:rPr lang="en-US" dirty="0"/>
+              <a:t>Design Security and Identity Solutions (20-25%)</a:t>
+            </a:r>
+          </a:p>
+          <a:p>
+            <a:r>
+              <a:rPr lang="en-US" dirty="0"/>
+              <a:t>Design Solutions by using Platform Services (10-15%)</a:t>
+            </a:r>
+          </a:p>
+          <a:p>
+            <a:r>
+              <a:rPr lang="en-US" dirty="0"/>
+              <a:t>Design for Operations (10-15%)</a:t>
+            </a:r>
+          </a:p>
+          <a:p>
             <a:endParaRPr lang="en-US" dirty="0"/>
           </a:p>
         </p:txBody>
       </p:sp>
       <p:sp>
         <p:nvSpPr>
-          <p:cNvPr id="2" name="Content Placeholder 1">
+          <p:cNvPr id="6" name="Text Placeholder 5">
             <a:extLst>
               <a:ext uri="{FF2B5EF4-FFF2-40B4-BE49-F238E27FC236}">
-                <a16:creationId xmlns:a16="http://schemas.microsoft.com/office/drawing/2014/main" id="{9BA3A437-D097-4F9D-AB53-99AE664BFD7A}"/>
-              </a:ext>
-            </a:extLst>
-          </p:cNvPr>
-          <p:cNvSpPr>
-            <a:spLocks noGrp="1"/>
-          </p:cNvSpPr>
-          <p:nvPr>
-            <p:ph sz="half" idx="2"/>
-          </p:nvPr>
-        </p:nvSpPr>
-        <p:spPr>
-          <a:xfrm>
-            <a:off x="4410076" y="2308185"/>
-            <a:ext cx="3800475" cy="3137690"/>
-          </a:xfrm>
-        </p:spPr>
-        <p:txBody>
-          <a:bodyPr/>
-          <a:lstStyle/>
-          <a:p>
-            <a:pPr marL="0" indent="0">
-              <a:buNone/>
-            </a:pPr>
-            <a:r>
-              <a:rPr lang="en-US" altLang="en-US" dirty="0">
-                <a:solidFill>
-                  <a:srgbClr val="2F5496"/>
-                </a:solidFill>
-                <a:latin typeface="Calibri Light" panose="020F0302020204030204" pitchFamily="34" charset="0"/>
-                <a:ea typeface="Times New Roman" panose="02020603050405020304" pitchFamily="18" charset="0"/>
-                <a:cs typeface="Times New Roman" panose="02020603050405020304" pitchFamily="18" charset="0"/>
-              </a:rPr>
-              <a:t>Day 2:  Tuesday, May 15, 2018</a:t>
-            </a:r>
-            <a:endParaRPr lang="en-US" dirty="0"/>
-          </a:p>
-        </p:txBody>
-      </p:sp>
-      <p:sp>
-        <p:nvSpPr>
-          <p:cNvPr id="5" name="Text Placeholder 4">
-            <a:extLst>
-              <a:ext uri="{FF2B5EF4-FFF2-40B4-BE49-F238E27FC236}">
-                <a16:creationId xmlns:a16="http://schemas.microsoft.com/office/drawing/2014/main" id="{1597504A-3771-4074-B4AF-E06D8FB05A9B}"/>
+                <a16:creationId xmlns:a16="http://schemas.microsoft.com/office/drawing/2014/main" id="{FD83C38F-72C4-4C08-A352-C7000E3A0429}"/>
               </a:ext>
             </a:extLst>
           </p:cNvPr>
@@ -10633,7153 +10624,39 @@
           <a:bodyPr/>
           <a:lstStyle/>
           <a:p>
-            <a:r>
-              <a:rPr lang="en-US" dirty="0">
-                <a:latin typeface="Calibri" panose="020F0502020204030204" pitchFamily="34" charset="0"/>
-                <a:ea typeface="Calibri" panose="020F0502020204030204" pitchFamily="34" charset="0"/>
-                <a:cs typeface="Times New Roman" panose="02020603050405020304" pitchFamily="18" charset="0"/>
-              </a:rPr>
-              <a:t>Evaluation Link: </a:t>
-            </a:r>
-            <a:r>
-              <a:rPr lang="en-US" u="sng" dirty="0">
-                <a:hlinkClick r:id="rId2"/>
-              </a:rPr>
-              <a:t>https://tinyurl.com/510GA535</a:t>
-            </a:r>
-            <a:r>
-              <a:rPr lang="en-US" dirty="0"/>
-              <a:t> </a:t>
-            </a:r>
-            <a:r>
-              <a:rPr lang="en-US" dirty="0">
-                <a:latin typeface="Calibri" panose="020F0502020204030204" pitchFamily="34" charset="0"/>
-                <a:ea typeface="Calibri" panose="020F0502020204030204" pitchFamily="34" charset="0"/>
-                <a:cs typeface="Times New Roman" panose="02020603050405020304" pitchFamily="18" charset="0"/>
-              </a:rPr>
-              <a:t> </a:t>
-            </a:r>
-            <a:endParaRPr lang="en-US" sz="900" dirty="0">
-              <a:latin typeface="Calibri" panose="020F0502020204030204" pitchFamily="34" charset="0"/>
-              <a:ea typeface="Calibri" panose="020F0502020204030204" pitchFamily="34" charset="0"/>
-              <a:cs typeface="Times New Roman" panose="02020603050405020304" pitchFamily="18" charset="0"/>
-            </a:endParaRPr>
-          </a:p>
-        </p:txBody>
-      </p:sp>
-      <p:graphicFrame>
-        <p:nvGraphicFramePr>
-          <p:cNvPr id="8" name="Table 7">
+            <a:endParaRPr lang="en-US"/>
+          </a:p>
+        </p:txBody>
+      </p:sp>
+      <p:sp>
+        <p:nvSpPr>
+          <p:cNvPr id="7" name="Text Placeholder 6">
             <a:extLst>
               <a:ext uri="{FF2B5EF4-FFF2-40B4-BE49-F238E27FC236}">
-                <a16:creationId xmlns:a16="http://schemas.microsoft.com/office/drawing/2014/main" id="{01518F6D-9E26-48C6-8EF4-A9D1CC82A56B}"/>
-              </a:ext>
-            </a:extLst>
-          </p:cNvPr>
-          <p:cNvGraphicFramePr>
-            <a:graphicFrameLocks noGrp="1"/>
-          </p:cNvGraphicFramePr>
-          <p:nvPr>
-            <p:extLst>
-              <p:ext uri="{D42A27DB-BD31-4B8C-83A1-F6EECF244321}">
-                <p14:modId xmlns:p14="http://schemas.microsoft.com/office/powerpoint/2010/main" val="256872096"/>
-              </p:ext>
-            </p:extLst>
-          </p:nvPr>
-        </p:nvGraphicFramePr>
-        <p:xfrm>
-          <a:off x="261188" y="2748511"/>
-          <a:ext cx="4126043" cy="2982620"/>
-        </p:xfrm>
-        <a:graphic>
-          <a:graphicData uri="http://schemas.openxmlformats.org/drawingml/2006/table">
-            <a:tbl>
-              <a:tblPr firstRow="1" firstCol="1" bandRow="1">
-                <a:tableStyleId>{93296810-A885-4BE3-A3E7-6D5BEEA58F35}</a:tableStyleId>
-              </a:tblPr>
-              <a:tblGrid>
-                <a:gridCol w="727946">
-                  <a:extLst>
-                    <a:ext uri="{9D8B030D-6E8A-4147-A177-3AD203B41FA5}">
-                      <a16:colId xmlns:a16="http://schemas.microsoft.com/office/drawing/2014/main" val="4175684789"/>
-                    </a:ext>
-                  </a:extLst>
-                </a:gridCol>
-                <a:gridCol w="2320994">
-                  <a:extLst>
-                    <a:ext uri="{9D8B030D-6E8A-4147-A177-3AD203B41FA5}">
-                      <a16:colId xmlns:a16="http://schemas.microsoft.com/office/drawing/2014/main" val="1461180872"/>
-                    </a:ext>
-                  </a:extLst>
-                </a:gridCol>
-                <a:gridCol w="1077103">
-                  <a:extLst>
-                    <a:ext uri="{9D8B030D-6E8A-4147-A177-3AD203B41FA5}">
-                      <a16:colId xmlns:a16="http://schemas.microsoft.com/office/drawing/2014/main" val="46893290"/>
-                    </a:ext>
-                  </a:extLst>
-                </a:gridCol>
-              </a:tblGrid>
-              <a:tr h="255045">
-                <a:tc>
-                  <a:txBody>
-                    <a:bodyPr/>
-                    <a:lstStyle>
-                      <a:lvl1pPr marL="0" algn="l" defTabSz="914400" rtl="0" eaLnBrk="1" latinLnBrk="0" hangingPunct="1">
-                        <a:defRPr sz="1800" b="1" kern="1200">
-                          <a:solidFill>
-                            <a:schemeClr val="lt1"/>
-                          </a:solidFill>
-                          <a:latin typeface="Calibri" panose="020F0502020204030204"/>
-                        </a:defRPr>
-                      </a:lvl1pPr>
-                      <a:lvl2pPr marL="457200" algn="l" defTabSz="914400" rtl="0" eaLnBrk="1" latinLnBrk="0" hangingPunct="1">
-                        <a:defRPr sz="1800" b="1" kern="1200">
-                          <a:solidFill>
-                            <a:schemeClr val="lt1"/>
-                          </a:solidFill>
-                          <a:latin typeface="Calibri" panose="020F0502020204030204"/>
-                        </a:defRPr>
-                      </a:lvl2pPr>
-                      <a:lvl3pPr marL="914400" algn="l" defTabSz="914400" rtl="0" eaLnBrk="1" latinLnBrk="0" hangingPunct="1">
-                        <a:defRPr sz="1800" b="1" kern="1200">
-                          <a:solidFill>
-                            <a:schemeClr val="lt1"/>
-                          </a:solidFill>
-                          <a:latin typeface="Calibri" panose="020F0502020204030204"/>
-                        </a:defRPr>
-                      </a:lvl3pPr>
-                      <a:lvl4pPr marL="1371600" algn="l" defTabSz="914400" rtl="0" eaLnBrk="1" latinLnBrk="0" hangingPunct="1">
-                        <a:defRPr sz="1800" b="1" kern="1200">
-                          <a:solidFill>
-                            <a:schemeClr val="lt1"/>
-                          </a:solidFill>
-                          <a:latin typeface="Calibri" panose="020F0502020204030204"/>
-                        </a:defRPr>
-                      </a:lvl4pPr>
-                      <a:lvl5pPr marL="1828800" algn="l" defTabSz="914400" rtl="0" eaLnBrk="1" latinLnBrk="0" hangingPunct="1">
-                        <a:defRPr sz="1800" b="1" kern="1200">
-                          <a:solidFill>
-                            <a:schemeClr val="lt1"/>
-                          </a:solidFill>
-                          <a:latin typeface="Calibri" panose="020F0502020204030204"/>
-                        </a:defRPr>
-                      </a:lvl5pPr>
-                      <a:lvl6pPr marL="2286000" algn="l" defTabSz="914400" rtl="0" eaLnBrk="1" latinLnBrk="0" hangingPunct="1">
-                        <a:defRPr sz="1800" b="1" kern="1200">
-                          <a:solidFill>
-                            <a:schemeClr val="lt1"/>
-                          </a:solidFill>
-                          <a:latin typeface="Calibri" panose="020F0502020204030204"/>
-                        </a:defRPr>
-                      </a:lvl6pPr>
-                      <a:lvl7pPr marL="2743200" algn="l" defTabSz="914400" rtl="0" eaLnBrk="1" latinLnBrk="0" hangingPunct="1">
-                        <a:defRPr sz="1800" b="1" kern="1200">
-                          <a:solidFill>
-                            <a:schemeClr val="lt1"/>
-                          </a:solidFill>
-                          <a:latin typeface="Calibri" panose="020F0502020204030204"/>
-                        </a:defRPr>
-                      </a:lvl7pPr>
-                      <a:lvl8pPr marL="3200400" algn="l" defTabSz="914400" rtl="0" eaLnBrk="1" latinLnBrk="0" hangingPunct="1">
-                        <a:defRPr sz="1800" b="1" kern="1200">
-                          <a:solidFill>
-                            <a:schemeClr val="lt1"/>
-                          </a:solidFill>
-                          <a:latin typeface="Calibri" panose="020F0502020204030204"/>
-                        </a:defRPr>
-                      </a:lvl8pPr>
-                      <a:lvl9pPr marL="3657600" algn="l" defTabSz="914400" rtl="0" eaLnBrk="1" latinLnBrk="0" hangingPunct="1">
-                        <a:defRPr sz="1800" b="1" kern="1200">
-                          <a:solidFill>
-                            <a:schemeClr val="lt1"/>
-                          </a:solidFill>
-                          <a:latin typeface="Calibri" panose="020F0502020204030204"/>
-                        </a:defRPr>
-                      </a:lvl9pPr>
-                    </a:lstStyle>
-                    <a:p>
-                      <a:pPr marL="0" marR="0" algn="ctr">
-                        <a:lnSpc>
-                          <a:spcPct val="107000"/>
-                        </a:lnSpc>
-                        <a:spcBef>
-                          <a:spcPts val="0"/>
-                        </a:spcBef>
-                        <a:spcAft>
-                          <a:spcPts val="0"/>
-                        </a:spcAft>
-                      </a:pPr>
-                      <a:r>
-                        <a:rPr lang="en-US" sz="1100" dirty="0">
-                          <a:solidFill>
-                            <a:schemeClr val="tx1"/>
-                          </a:solidFill>
-                          <a:effectLst/>
-                        </a:rPr>
-                        <a:t>Time</a:t>
-                      </a:r>
-                      <a:endParaRPr lang="en-US" sz="1100" dirty="0">
-                        <a:solidFill>
-                          <a:schemeClr val="tx1"/>
-                        </a:solidFill>
-                        <a:effectLst/>
-                        <a:latin typeface="Calibri" panose="020F0502020204030204" pitchFamily="34" charset="0"/>
-                        <a:ea typeface="Calibri" panose="020F0502020204030204" pitchFamily="34" charset="0"/>
-                        <a:cs typeface="Times New Roman" panose="02020603050405020304" pitchFamily="18" charset="0"/>
-                      </a:endParaRPr>
-                    </a:p>
-                  </a:txBody>
-                  <a:tcPr marL="54769" marR="54769" marT="13811" marB="13811" anchor="ctr">
-                    <a:solidFill>
-                      <a:srgbClr val="FFC000"/>
-                    </a:solidFill>
-                  </a:tcPr>
-                </a:tc>
-                <a:tc>
-                  <a:txBody>
-                    <a:bodyPr/>
-                    <a:lstStyle>
-                      <a:lvl1pPr marL="0" algn="l" defTabSz="914400" rtl="0" eaLnBrk="1" latinLnBrk="0" hangingPunct="1">
-                        <a:defRPr sz="1800" b="1" kern="1200">
-                          <a:solidFill>
-                            <a:schemeClr val="lt1"/>
-                          </a:solidFill>
-                          <a:latin typeface="Calibri" panose="020F0502020204030204"/>
-                        </a:defRPr>
-                      </a:lvl1pPr>
-                      <a:lvl2pPr marL="457200" algn="l" defTabSz="914400" rtl="0" eaLnBrk="1" latinLnBrk="0" hangingPunct="1">
-                        <a:defRPr sz="1800" b="1" kern="1200">
-                          <a:solidFill>
-                            <a:schemeClr val="lt1"/>
-                          </a:solidFill>
-                          <a:latin typeface="Calibri" panose="020F0502020204030204"/>
-                        </a:defRPr>
-                      </a:lvl2pPr>
-                      <a:lvl3pPr marL="914400" algn="l" defTabSz="914400" rtl="0" eaLnBrk="1" latinLnBrk="0" hangingPunct="1">
-                        <a:defRPr sz="1800" b="1" kern="1200">
-                          <a:solidFill>
-                            <a:schemeClr val="lt1"/>
-                          </a:solidFill>
-                          <a:latin typeface="Calibri" panose="020F0502020204030204"/>
-                        </a:defRPr>
-                      </a:lvl3pPr>
-                      <a:lvl4pPr marL="1371600" algn="l" defTabSz="914400" rtl="0" eaLnBrk="1" latinLnBrk="0" hangingPunct="1">
-                        <a:defRPr sz="1800" b="1" kern="1200">
-                          <a:solidFill>
-                            <a:schemeClr val="lt1"/>
-                          </a:solidFill>
-                          <a:latin typeface="Calibri" panose="020F0502020204030204"/>
-                        </a:defRPr>
-                      </a:lvl4pPr>
-                      <a:lvl5pPr marL="1828800" algn="l" defTabSz="914400" rtl="0" eaLnBrk="1" latinLnBrk="0" hangingPunct="1">
-                        <a:defRPr sz="1800" b="1" kern="1200">
-                          <a:solidFill>
-                            <a:schemeClr val="lt1"/>
-                          </a:solidFill>
-                          <a:latin typeface="Calibri" panose="020F0502020204030204"/>
-                        </a:defRPr>
-                      </a:lvl5pPr>
-                      <a:lvl6pPr marL="2286000" algn="l" defTabSz="914400" rtl="0" eaLnBrk="1" latinLnBrk="0" hangingPunct="1">
-                        <a:defRPr sz="1800" b="1" kern="1200">
-                          <a:solidFill>
-                            <a:schemeClr val="lt1"/>
-                          </a:solidFill>
-                          <a:latin typeface="Calibri" panose="020F0502020204030204"/>
-                        </a:defRPr>
-                      </a:lvl6pPr>
-                      <a:lvl7pPr marL="2743200" algn="l" defTabSz="914400" rtl="0" eaLnBrk="1" latinLnBrk="0" hangingPunct="1">
-                        <a:defRPr sz="1800" b="1" kern="1200">
-                          <a:solidFill>
-                            <a:schemeClr val="lt1"/>
-                          </a:solidFill>
-                          <a:latin typeface="Calibri" panose="020F0502020204030204"/>
-                        </a:defRPr>
-                      </a:lvl7pPr>
-                      <a:lvl8pPr marL="3200400" algn="l" defTabSz="914400" rtl="0" eaLnBrk="1" latinLnBrk="0" hangingPunct="1">
-                        <a:defRPr sz="1800" b="1" kern="1200">
-                          <a:solidFill>
-                            <a:schemeClr val="lt1"/>
-                          </a:solidFill>
-                          <a:latin typeface="Calibri" panose="020F0502020204030204"/>
-                        </a:defRPr>
-                      </a:lvl8pPr>
-                      <a:lvl9pPr marL="3657600" algn="l" defTabSz="914400" rtl="0" eaLnBrk="1" latinLnBrk="0" hangingPunct="1">
-                        <a:defRPr sz="1800" b="1" kern="1200">
-                          <a:solidFill>
-                            <a:schemeClr val="lt1"/>
-                          </a:solidFill>
-                          <a:latin typeface="Calibri" panose="020F0502020204030204"/>
-                        </a:defRPr>
-                      </a:lvl9pPr>
-                    </a:lstStyle>
-                    <a:p>
-                      <a:pPr marL="0" marR="0" algn="ctr">
-                        <a:lnSpc>
-                          <a:spcPct val="107000"/>
-                        </a:lnSpc>
-                        <a:spcBef>
-                          <a:spcPts val="0"/>
-                        </a:spcBef>
-                        <a:spcAft>
-                          <a:spcPts val="0"/>
-                        </a:spcAft>
-                      </a:pPr>
-                      <a:r>
-                        <a:rPr lang="en-US" sz="1100" dirty="0">
-                          <a:solidFill>
-                            <a:schemeClr val="tx1"/>
-                          </a:solidFill>
-                          <a:effectLst/>
-                        </a:rPr>
-                        <a:t>Topic</a:t>
-                      </a:r>
-                      <a:endParaRPr lang="en-US" sz="1100" dirty="0">
-                        <a:solidFill>
-                          <a:schemeClr val="tx1"/>
-                        </a:solidFill>
-                        <a:effectLst/>
-                        <a:latin typeface="Calibri" panose="020F0502020204030204" pitchFamily="34" charset="0"/>
-                        <a:ea typeface="Calibri" panose="020F0502020204030204" pitchFamily="34" charset="0"/>
-                        <a:cs typeface="Times New Roman" panose="02020603050405020304" pitchFamily="18" charset="0"/>
-                      </a:endParaRPr>
-                    </a:p>
-                  </a:txBody>
-                  <a:tcPr marL="54769" marR="54769" marT="13811" marB="13811" anchor="ctr">
-                    <a:solidFill>
-                      <a:srgbClr val="FFC000"/>
-                    </a:solidFill>
-                  </a:tcPr>
-                </a:tc>
-                <a:tc>
-                  <a:txBody>
-                    <a:bodyPr/>
-                    <a:lstStyle/>
-                    <a:p>
-                      <a:pPr marL="0" marR="0" algn="ctr">
-                        <a:lnSpc>
-                          <a:spcPct val="107000"/>
-                        </a:lnSpc>
-                        <a:spcBef>
-                          <a:spcPts val="0"/>
-                        </a:spcBef>
-                        <a:spcAft>
-                          <a:spcPts val="0"/>
-                        </a:spcAft>
-                      </a:pPr>
-                      <a:r>
-                        <a:rPr lang="en-US" sz="1100" b="0" dirty="0">
-                          <a:solidFill>
-                            <a:schemeClr val="tx1"/>
-                          </a:solidFill>
-                          <a:effectLst/>
-                        </a:rPr>
-                        <a:t>Speaker</a:t>
-                      </a:r>
-                      <a:endParaRPr lang="en-US" sz="1100" b="0" dirty="0">
-                        <a:solidFill>
-                          <a:schemeClr val="tx1"/>
-                        </a:solidFill>
-                        <a:effectLst/>
-                        <a:latin typeface="Calibri" panose="020F0502020204030204" pitchFamily="34" charset="0"/>
-                        <a:ea typeface="Calibri" panose="020F0502020204030204" pitchFamily="34" charset="0"/>
-                        <a:cs typeface="Times New Roman" panose="02020603050405020304" pitchFamily="18" charset="0"/>
-                      </a:endParaRPr>
-                    </a:p>
-                  </a:txBody>
-                  <a:tcPr marL="54769" marR="54769" marT="13811" marB="13811" anchor="ctr">
-                    <a:solidFill>
-                      <a:srgbClr val="FFC000"/>
-                    </a:solidFill>
-                  </a:tcPr>
-                </a:tc>
-                <a:extLst>
-                  <a:ext uri="{0D108BD9-81ED-4DB2-BD59-A6C34878D82A}">
-                    <a16:rowId xmlns:a16="http://schemas.microsoft.com/office/drawing/2014/main" val="4179354093"/>
-                  </a:ext>
-                </a:extLst>
-              </a:tr>
-              <a:tr h="208169">
-                <a:tc>
-                  <a:txBody>
-                    <a:bodyPr/>
-                    <a:lstStyle>
-                      <a:lvl1pPr marL="0" algn="l" defTabSz="914400" rtl="0" eaLnBrk="1" latinLnBrk="0" hangingPunct="1">
-                        <a:defRPr sz="1800" b="1" kern="1200">
-                          <a:solidFill>
-                            <a:schemeClr val="lt1"/>
-                          </a:solidFill>
-                          <a:latin typeface="Calibri" panose="020F0502020204030204"/>
-                        </a:defRPr>
-                      </a:lvl1pPr>
-                      <a:lvl2pPr marL="457200" algn="l" defTabSz="914400" rtl="0" eaLnBrk="1" latinLnBrk="0" hangingPunct="1">
-                        <a:defRPr sz="1800" b="1" kern="1200">
-                          <a:solidFill>
-                            <a:schemeClr val="lt1"/>
-                          </a:solidFill>
-                          <a:latin typeface="Calibri" panose="020F0502020204030204"/>
-                        </a:defRPr>
-                      </a:lvl2pPr>
-                      <a:lvl3pPr marL="914400" algn="l" defTabSz="914400" rtl="0" eaLnBrk="1" latinLnBrk="0" hangingPunct="1">
-                        <a:defRPr sz="1800" b="1" kern="1200">
-                          <a:solidFill>
-                            <a:schemeClr val="lt1"/>
-                          </a:solidFill>
-                          <a:latin typeface="Calibri" panose="020F0502020204030204"/>
-                        </a:defRPr>
-                      </a:lvl3pPr>
-                      <a:lvl4pPr marL="1371600" algn="l" defTabSz="914400" rtl="0" eaLnBrk="1" latinLnBrk="0" hangingPunct="1">
-                        <a:defRPr sz="1800" b="1" kern="1200">
-                          <a:solidFill>
-                            <a:schemeClr val="lt1"/>
-                          </a:solidFill>
-                          <a:latin typeface="Calibri" panose="020F0502020204030204"/>
-                        </a:defRPr>
-                      </a:lvl4pPr>
-                      <a:lvl5pPr marL="1828800" algn="l" defTabSz="914400" rtl="0" eaLnBrk="1" latinLnBrk="0" hangingPunct="1">
-                        <a:defRPr sz="1800" b="1" kern="1200">
-                          <a:solidFill>
-                            <a:schemeClr val="lt1"/>
-                          </a:solidFill>
-                          <a:latin typeface="Calibri" panose="020F0502020204030204"/>
-                        </a:defRPr>
-                      </a:lvl5pPr>
-                      <a:lvl6pPr marL="2286000" algn="l" defTabSz="914400" rtl="0" eaLnBrk="1" latinLnBrk="0" hangingPunct="1">
-                        <a:defRPr sz="1800" b="1" kern="1200">
-                          <a:solidFill>
-                            <a:schemeClr val="lt1"/>
-                          </a:solidFill>
-                          <a:latin typeface="Calibri" panose="020F0502020204030204"/>
-                        </a:defRPr>
-                      </a:lvl6pPr>
-                      <a:lvl7pPr marL="2743200" algn="l" defTabSz="914400" rtl="0" eaLnBrk="1" latinLnBrk="0" hangingPunct="1">
-                        <a:defRPr sz="1800" b="1" kern="1200">
-                          <a:solidFill>
-                            <a:schemeClr val="lt1"/>
-                          </a:solidFill>
-                          <a:latin typeface="Calibri" panose="020F0502020204030204"/>
-                        </a:defRPr>
-                      </a:lvl7pPr>
-                      <a:lvl8pPr marL="3200400" algn="l" defTabSz="914400" rtl="0" eaLnBrk="1" latinLnBrk="0" hangingPunct="1">
-                        <a:defRPr sz="1800" b="1" kern="1200">
-                          <a:solidFill>
-                            <a:schemeClr val="lt1"/>
-                          </a:solidFill>
-                          <a:latin typeface="Calibri" panose="020F0502020204030204"/>
-                        </a:defRPr>
-                      </a:lvl8pPr>
-                      <a:lvl9pPr marL="3657600" algn="l" defTabSz="914400" rtl="0" eaLnBrk="1" latinLnBrk="0" hangingPunct="1">
-                        <a:defRPr sz="1800" b="1" kern="1200">
-                          <a:solidFill>
-                            <a:schemeClr val="lt1"/>
-                          </a:solidFill>
-                          <a:latin typeface="Calibri" panose="020F0502020204030204"/>
-                        </a:defRPr>
-                      </a:lvl9pPr>
-                    </a:lstStyle>
-                    <a:p>
-                      <a:pPr marL="0" marR="0" algn="ctr">
-                        <a:lnSpc>
-                          <a:spcPct val="107000"/>
-                        </a:lnSpc>
-                        <a:spcBef>
-                          <a:spcPts val="0"/>
-                        </a:spcBef>
-                        <a:spcAft>
-                          <a:spcPts val="0"/>
-                        </a:spcAft>
-                      </a:pPr>
-                      <a:r>
-                        <a:rPr lang="en-US" sz="800" dirty="0">
-                          <a:solidFill>
-                            <a:schemeClr val="tx1"/>
-                          </a:solidFill>
-                          <a:effectLst/>
-                        </a:rPr>
-                        <a:t>8:30 – 9:00</a:t>
-                      </a:r>
-                      <a:endParaRPr lang="en-US" sz="800" dirty="0">
-                        <a:solidFill>
-                          <a:schemeClr val="tx1"/>
-                        </a:solidFill>
-                        <a:effectLst/>
-                        <a:latin typeface="Calibri" panose="020F0502020204030204" pitchFamily="34" charset="0"/>
-                        <a:ea typeface="Calibri" panose="020F0502020204030204" pitchFamily="34" charset="0"/>
-                        <a:cs typeface="Times New Roman" panose="02020603050405020304" pitchFamily="18" charset="0"/>
-                      </a:endParaRPr>
-                    </a:p>
-                  </a:txBody>
-                  <a:tcPr marL="54769" marR="54769" marT="13811" marB="13811">
-                    <a:solidFill>
-                      <a:srgbClr val="FFC000"/>
-                    </a:solidFill>
-                  </a:tcPr>
-                </a:tc>
-                <a:tc gridSpan="2">
-                  <a:txBody>
-                    <a:bodyPr/>
-                    <a:lstStyle>
-                      <a:lvl1pPr marL="0" algn="l" defTabSz="914400" rtl="0" eaLnBrk="1" latinLnBrk="0" hangingPunct="1">
-                        <a:defRPr sz="1800" kern="1200">
-                          <a:solidFill>
-                            <a:schemeClr val="dk1"/>
-                          </a:solidFill>
-                          <a:latin typeface="Calibri" panose="020F0502020204030204"/>
-                        </a:defRPr>
-                      </a:lvl1pPr>
-                      <a:lvl2pPr marL="457200" algn="l" defTabSz="914400" rtl="0" eaLnBrk="1" latinLnBrk="0" hangingPunct="1">
-                        <a:defRPr sz="1800" kern="1200">
-                          <a:solidFill>
-                            <a:schemeClr val="dk1"/>
-                          </a:solidFill>
-                          <a:latin typeface="Calibri" panose="020F0502020204030204"/>
-                        </a:defRPr>
-                      </a:lvl2pPr>
-                      <a:lvl3pPr marL="914400" algn="l" defTabSz="914400" rtl="0" eaLnBrk="1" latinLnBrk="0" hangingPunct="1">
-                        <a:defRPr sz="1800" kern="1200">
-                          <a:solidFill>
-                            <a:schemeClr val="dk1"/>
-                          </a:solidFill>
-                          <a:latin typeface="Calibri" panose="020F0502020204030204"/>
-                        </a:defRPr>
-                      </a:lvl3pPr>
-                      <a:lvl4pPr marL="1371600" algn="l" defTabSz="914400" rtl="0" eaLnBrk="1" latinLnBrk="0" hangingPunct="1">
-                        <a:defRPr sz="1800" kern="1200">
-                          <a:solidFill>
-                            <a:schemeClr val="dk1"/>
-                          </a:solidFill>
-                          <a:latin typeface="Calibri" panose="020F0502020204030204"/>
-                        </a:defRPr>
-                      </a:lvl4pPr>
-                      <a:lvl5pPr marL="1828800" algn="l" defTabSz="914400" rtl="0" eaLnBrk="1" latinLnBrk="0" hangingPunct="1">
-                        <a:defRPr sz="1800" kern="1200">
-                          <a:solidFill>
-                            <a:schemeClr val="dk1"/>
-                          </a:solidFill>
-                          <a:latin typeface="Calibri" panose="020F0502020204030204"/>
-                        </a:defRPr>
-                      </a:lvl5pPr>
-                      <a:lvl6pPr marL="2286000" algn="l" defTabSz="914400" rtl="0" eaLnBrk="1" latinLnBrk="0" hangingPunct="1">
-                        <a:defRPr sz="1800" kern="1200">
-                          <a:solidFill>
-                            <a:schemeClr val="dk1"/>
-                          </a:solidFill>
-                          <a:latin typeface="Calibri" panose="020F0502020204030204"/>
-                        </a:defRPr>
-                      </a:lvl6pPr>
-                      <a:lvl7pPr marL="2743200" algn="l" defTabSz="914400" rtl="0" eaLnBrk="1" latinLnBrk="0" hangingPunct="1">
-                        <a:defRPr sz="1800" kern="1200">
-                          <a:solidFill>
-                            <a:schemeClr val="dk1"/>
-                          </a:solidFill>
-                          <a:latin typeface="Calibri" panose="020F0502020204030204"/>
-                        </a:defRPr>
-                      </a:lvl7pPr>
-                      <a:lvl8pPr marL="3200400" algn="l" defTabSz="914400" rtl="0" eaLnBrk="1" latinLnBrk="0" hangingPunct="1">
-                        <a:defRPr sz="1800" kern="1200">
-                          <a:solidFill>
-                            <a:schemeClr val="dk1"/>
-                          </a:solidFill>
-                          <a:latin typeface="Calibri" panose="020F0502020204030204"/>
-                        </a:defRPr>
-                      </a:lvl8pPr>
-                      <a:lvl9pPr marL="3657600" algn="l" defTabSz="914400" rtl="0" eaLnBrk="1" latinLnBrk="0" hangingPunct="1">
-                        <a:defRPr sz="1800" kern="1200">
-                          <a:solidFill>
-                            <a:schemeClr val="dk1"/>
-                          </a:solidFill>
-                          <a:latin typeface="Calibri" panose="020F0502020204030204"/>
-                        </a:defRPr>
-                      </a:lvl9pPr>
-                    </a:lstStyle>
-                    <a:p>
-                      <a:pPr marL="0" marR="0" algn="ctr">
-                        <a:lnSpc>
-                          <a:spcPct val="107000"/>
-                        </a:lnSpc>
-                        <a:spcBef>
-                          <a:spcPts val="0"/>
-                        </a:spcBef>
-                        <a:spcAft>
-                          <a:spcPts val="0"/>
-                        </a:spcAft>
-                      </a:pPr>
-                      <a:r>
-                        <a:rPr lang="en-US" sz="900" dirty="0">
-                          <a:effectLst/>
-                        </a:rPr>
-                        <a:t>Breakfast, registration, setup</a:t>
-                      </a:r>
-                      <a:endParaRPr lang="en-US" sz="800" dirty="0">
-                        <a:effectLst/>
-                        <a:latin typeface="+mn-lt"/>
-                        <a:ea typeface="Calibri" panose="020F0502020204030204" pitchFamily="34" charset="0"/>
-                        <a:cs typeface="Times New Roman" panose="02020603050405020304" pitchFamily="18" charset="0"/>
-                      </a:endParaRPr>
-                    </a:p>
-                  </a:txBody>
-                  <a:tcPr marL="54769" marR="54769" marT="13811" marB="13811">
-                    <a:solidFill>
-                      <a:srgbClr val="FFC000"/>
-                    </a:solidFill>
-                  </a:tcPr>
-                </a:tc>
-                <a:tc hMerge="1">
-                  <a:txBody>
-                    <a:bodyPr/>
-                    <a:lstStyle/>
-                    <a:p>
-                      <a:endParaRPr lang="en-US"/>
-                    </a:p>
-                  </a:txBody>
-                  <a:tcPr/>
-                </a:tc>
-                <a:extLst>
-                  <a:ext uri="{0D108BD9-81ED-4DB2-BD59-A6C34878D82A}">
-                    <a16:rowId xmlns:a16="http://schemas.microsoft.com/office/drawing/2014/main" val="2469522299"/>
-                  </a:ext>
-                </a:extLst>
-              </a:tr>
-              <a:tr h="200140">
-                <a:tc>
-                  <a:txBody>
-                    <a:bodyPr/>
-                    <a:lstStyle>
-                      <a:lvl1pPr marL="0" algn="l" defTabSz="914400" rtl="0" eaLnBrk="1" latinLnBrk="0" hangingPunct="1">
-                        <a:defRPr sz="1800" b="1" kern="1200">
-                          <a:solidFill>
-                            <a:schemeClr val="lt1"/>
-                          </a:solidFill>
-                          <a:latin typeface="Calibri" panose="020F0502020204030204"/>
-                        </a:defRPr>
-                      </a:lvl1pPr>
-                      <a:lvl2pPr marL="457200" algn="l" defTabSz="914400" rtl="0" eaLnBrk="1" latinLnBrk="0" hangingPunct="1">
-                        <a:defRPr sz="1800" b="1" kern="1200">
-                          <a:solidFill>
-                            <a:schemeClr val="lt1"/>
-                          </a:solidFill>
-                          <a:latin typeface="Calibri" panose="020F0502020204030204"/>
-                        </a:defRPr>
-                      </a:lvl2pPr>
-                      <a:lvl3pPr marL="914400" algn="l" defTabSz="914400" rtl="0" eaLnBrk="1" latinLnBrk="0" hangingPunct="1">
-                        <a:defRPr sz="1800" b="1" kern="1200">
-                          <a:solidFill>
-                            <a:schemeClr val="lt1"/>
-                          </a:solidFill>
-                          <a:latin typeface="Calibri" panose="020F0502020204030204"/>
-                        </a:defRPr>
-                      </a:lvl3pPr>
-                      <a:lvl4pPr marL="1371600" algn="l" defTabSz="914400" rtl="0" eaLnBrk="1" latinLnBrk="0" hangingPunct="1">
-                        <a:defRPr sz="1800" b="1" kern="1200">
-                          <a:solidFill>
-                            <a:schemeClr val="lt1"/>
-                          </a:solidFill>
-                          <a:latin typeface="Calibri" panose="020F0502020204030204"/>
-                        </a:defRPr>
-                      </a:lvl4pPr>
-                      <a:lvl5pPr marL="1828800" algn="l" defTabSz="914400" rtl="0" eaLnBrk="1" latinLnBrk="0" hangingPunct="1">
-                        <a:defRPr sz="1800" b="1" kern="1200">
-                          <a:solidFill>
-                            <a:schemeClr val="lt1"/>
-                          </a:solidFill>
-                          <a:latin typeface="Calibri" panose="020F0502020204030204"/>
-                        </a:defRPr>
-                      </a:lvl5pPr>
-                      <a:lvl6pPr marL="2286000" algn="l" defTabSz="914400" rtl="0" eaLnBrk="1" latinLnBrk="0" hangingPunct="1">
-                        <a:defRPr sz="1800" b="1" kern="1200">
-                          <a:solidFill>
-                            <a:schemeClr val="lt1"/>
-                          </a:solidFill>
-                          <a:latin typeface="Calibri" panose="020F0502020204030204"/>
-                        </a:defRPr>
-                      </a:lvl6pPr>
-                      <a:lvl7pPr marL="2743200" algn="l" defTabSz="914400" rtl="0" eaLnBrk="1" latinLnBrk="0" hangingPunct="1">
-                        <a:defRPr sz="1800" b="1" kern="1200">
-                          <a:solidFill>
-                            <a:schemeClr val="lt1"/>
-                          </a:solidFill>
-                          <a:latin typeface="Calibri" panose="020F0502020204030204"/>
-                        </a:defRPr>
-                      </a:lvl7pPr>
-                      <a:lvl8pPr marL="3200400" algn="l" defTabSz="914400" rtl="0" eaLnBrk="1" latinLnBrk="0" hangingPunct="1">
-                        <a:defRPr sz="1800" b="1" kern="1200">
-                          <a:solidFill>
-                            <a:schemeClr val="lt1"/>
-                          </a:solidFill>
-                          <a:latin typeface="Calibri" panose="020F0502020204030204"/>
-                        </a:defRPr>
-                      </a:lvl8pPr>
-                      <a:lvl9pPr marL="3657600" algn="l" defTabSz="914400" rtl="0" eaLnBrk="1" latinLnBrk="0" hangingPunct="1">
-                        <a:defRPr sz="1800" b="1" kern="1200">
-                          <a:solidFill>
-                            <a:schemeClr val="lt1"/>
-                          </a:solidFill>
-                          <a:latin typeface="Calibri" panose="020F0502020204030204"/>
-                        </a:defRPr>
-                      </a:lvl9pPr>
-                    </a:lstStyle>
-                    <a:p>
-                      <a:pPr marL="0" marR="0" algn="ctr">
-                        <a:lnSpc>
-                          <a:spcPct val="107000"/>
-                        </a:lnSpc>
-                        <a:spcBef>
-                          <a:spcPts val="0"/>
-                        </a:spcBef>
-                        <a:spcAft>
-                          <a:spcPts val="0"/>
-                        </a:spcAft>
-                      </a:pPr>
-                      <a:r>
-                        <a:rPr lang="en-US" sz="800" kern="1200" dirty="0">
-                          <a:solidFill>
-                            <a:schemeClr val="tx1"/>
-                          </a:solidFill>
-                          <a:effectLst/>
-                        </a:rPr>
-                        <a:t>8:45 – 9:00</a:t>
-                      </a:r>
-                      <a:endParaRPr lang="en-US" sz="800" b="1" kern="1200" dirty="0">
-                        <a:solidFill>
-                          <a:schemeClr val="tx1"/>
-                        </a:solidFill>
-                        <a:effectLst/>
-                        <a:latin typeface="Calibri" panose="020F0502020204030204"/>
-                        <a:ea typeface="+mn-ea"/>
-                        <a:cs typeface="+mn-cs"/>
-                      </a:endParaRPr>
-                    </a:p>
-                  </a:txBody>
-                  <a:tcPr marL="54769" marR="54769" marT="13811" marB="13811">
-                    <a:solidFill>
-                      <a:srgbClr val="FFC000"/>
-                    </a:solidFill>
-                  </a:tcPr>
-                </a:tc>
-                <a:tc>
-                  <a:txBody>
-                    <a:bodyPr/>
-                    <a:lstStyle>
-                      <a:lvl1pPr marL="0" algn="l" defTabSz="914400" rtl="0" eaLnBrk="1" latinLnBrk="0" hangingPunct="1">
-                        <a:defRPr sz="1800" kern="1200">
-                          <a:solidFill>
-                            <a:schemeClr val="dk1"/>
-                          </a:solidFill>
-                          <a:latin typeface="Calibri" panose="020F0502020204030204"/>
-                        </a:defRPr>
-                      </a:lvl1pPr>
-                      <a:lvl2pPr marL="457200" algn="l" defTabSz="914400" rtl="0" eaLnBrk="1" latinLnBrk="0" hangingPunct="1">
-                        <a:defRPr sz="1800" kern="1200">
-                          <a:solidFill>
-                            <a:schemeClr val="dk1"/>
-                          </a:solidFill>
-                          <a:latin typeface="Calibri" panose="020F0502020204030204"/>
-                        </a:defRPr>
-                      </a:lvl2pPr>
-                      <a:lvl3pPr marL="914400" algn="l" defTabSz="914400" rtl="0" eaLnBrk="1" latinLnBrk="0" hangingPunct="1">
-                        <a:defRPr sz="1800" kern="1200">
-                          <a:solidFill>
-                            <a:schemeClr val="dk1"/>
-                          </a:solidFill>
-                          <a:latin typeface="Calibri" panose="020F0502020204030204"/>
-                        </a:defRPr>
-                      </a:lvl3pPr>
-                      <a:lvl4pPr marL="1371600" algn="l" defTabSz="914400" rtl="0" eaLnBrk="1" latinLnBrk="0" hangingPunct="1">
-                        <a:defRPr sz="1800" kern="1200">
-                          <a:solidFill>
-                            <a:schemeClr val="dk1"/>
-                          </a:solidFill>
-                          <a:latin typeface="Calibri" panose="020F0502020204030204"/>
-                        </a:defRPr>
-                      </a:lvl4pPr>
-                      <a:lvl5pPr marL="1828800" algn="l" defTabSz="914400" rtl="0" eaLnBrk="1" latinLnBrk="0" hangingPunct="1">
-                        <a:defRPr sz="1800" kern="1200">
-                          <a:solidFill>
-                            <a:schemeClr val="dk1"/>
-                          </a:solidFill>
-                          <a:latin typeface="Calibri" panose="020F0502020204030204"/>
-                        </a:defRPr>
-                      </a:lvl5pPr>
-                      <a:lvl6pPr marL="2286000" algn="l" defTabSz="914400" rtl="0" eaLnBrk="1" latinLnBrk="0" hangingPunct="1">
-                        <a:defRPr sz="1800" kern="1200">
-                          <a:solidFill>
-                            <a:schemeClr val="dk1"/>
-                          </a:solidFill>
-                          <a:latin typeface="Calibri" panose="020F0502020204030204"/>
-                        </a:defRPr>
-                      </a:lvl6pPr>
-                      <a:lvl7pPr marL="2743200" algn="l" defTabSz="914400" rtl="0" eaLnBrk="1" latinLnBrk="0" hangingPunct="1">
-                        <a:defRPr sz="1800" kern="1200">
-                          <a:solidFill>
-                            <a:schemeClr val="dk1"/>
-                          </a:solidFill>
-                          <a:latin typeface="Calibri" panose="020F0502020204030204"/>
-                        </a:defRPr>
-                      </a:lvl7pPr>
-                      <a:lvl8pPr marL="3200400" algn="l" defTabSz="914400" rtl="0" eaLnBrk="1" latinLnBrk="0" hangingPunct="1">
-                        <a:defRPr sz="1800" kern="1200">
-                          <a:solidFill>
-                            <a:schemeClr val="dk1"/>
-                          </a:solidFill>
-                          <a:latin typeface="Calibri" panose="020F0502020204030204"/>
-                        </a:defRPr>
-                      </a:lvl8pPr>
-                      <a:lvl9pPr marL="3657600" algn="l" defTabSz="914400" rtl="0" eaLnBrk="1" latinLnBrk="0" hangingPunct="1">
-                        <a:defRPr sz="1800" kern="1200">
-                          <a:solidFill>
-                            <a:schemeClr val="dk1"/>
-                          </a:solidFill>
-                          <a:latin typeface="Calibri" panose="020F0502020204030204"/>
-                        </a:defRPr>
-                      </a:lvl9pPr>
-                    </a:lstStyle>
-                    <a:p>
-                      <a:pPr marL="0" marR="0">
-                        <a:lnSpc>
-                          <a:spcPct val="107000"/>
-                        </a:lnSpc>
-                        <a:spcBef>
-                          <a:spcPts val="0"/>
-                        </a:spcBef>
-                        <a:spcAft>
-                          <a:spcPts val="0"/>
-                        </a:spcAft>
-                      </a:pPr>
-                      <a:r>
-                        <a:rPr lang="en-US" sz="900" kern="1200" dirty="0">
-                          <a:effectLst/>
-                        </a:rPr>
-                        <a:t>Welcome</a:t>
-                      </a:r>
-                      <a:endParaRPr lang="en-US" sz="900" kern="1200" dirty="0">
-                        <a:solidFill>
-                          <a:schemeClr val="dk1"/>
-                        </a:solidFill>
-                        <a:effectLst/>
-                        <a:latin typeface="+mn-lt"/>
-                        <a:ea typeface="+mn-ea"/>
-                        <a:cs typeface="+mn-cs"/>
-                      </a:endParaRPr>
-                    </a:p>
-                  </a:txBody>
-                  <a:tcPr marL="54769" marR="54769" marT="13811" marB="13811"/>
-                </a:tc>
-                <a:tc>
-                  <a:txBody>
-                    <a:bodyPr/>
-                    <a:lstStyle/>
-                    <a:p>
-                      <a:pPr marL="0" marR="0">
-                        <a:lnSpc>
-                          <a:spcPct val="107000"/>
-                        </a:lnSpc>
-                        <a:spcBef>
-                          <a:spcPts val="0"/>
-                        </a:spcBef>
-                        <a:spcAft>
-                          <a:spcPts val="0"/>
-                        </a:spcAft>
-                      </a:pPr>
-                      <a:r>
-                        <a:rPr lang="en-US" sz="900" kern="1200" dirty="0">
-                          <a:effectLst/>
-                        </a:rPr>
-                        <a:t>Ryan Sockalosky</a:t>
-                      </a:r>
-                      <a:endParaRPr lang="en-US" sz="900" kern="1200" dirty="0">
-                        <a:solidFill>
-                          <a:schemeClr val="dk1"/>
-                        </a:solidFill>
-                        <a:effectLst/>
-                        <a:latin typeface="+mn-lt"/>
-                        <a:ea typeface="+mn-ea"/>
-                        <a:cs typeface="+mn-cs"/>
-                      </a:endParaRPr>
-                    </a:p>
-                  </a:txBody>
-                  <a:tcPr marL="54769" marR="54769" marT="13811" marB="13811"/>
-                </a:tc>
-                <a:extLst>
-                  <a:ext uri="{0D108BD9-81ED-4DB2-BD59-A6C34878D82A}">
-                    <a16:rowId xmlns:a16="http://schemas.microsoft.com/office/drawing/2014/main" val="2959229963"/>
-                  </a:ext>
-                </a:extLst>
-              </a:tr>
-              <a:tr h="200140">
-                <a:tc>
-                  <a:txBody>
-                    <a:bodyPr/>
-                    <a:lstStyle/>
-                    <a:p>
-                      <a:pPr marL="0" marR="0" lvl="0" indent="0" algn="ctr" defTabSz="914400" rtl="0" eaLnBrk="1" fontAlgn="auto" latinLnBrk="0" hangingPunct="1">
-                        <a:lnSpc>
-                          <a:spcPct val="107000"/>
-                        </a:lnSpc>
-                        <a:spcBef>
-                          <a:spcPts val="0"/>
-                        </a:spcBef>
-                        <a:spcAft>
-                          <a:spcPts val="0"/>
-                        </a:spcAft>
-                        <a:buClrTx/>
-                        <a:buSzTx/>
-                        <a:buFontTx/>
-                        <a:buNone/>
-                        <a:tabLst/>
-                        <a:defRPr/>
-                      </a:pPr>
-                      <a:r>
-                        <a:rPr lang="en-US" sz="800" kern="1200" dirty="0">
-                          <a:solidFill>
-                            <a:schemeClr val="tx1"/>
-                          </a:solidFill>
-                          <a:effectLst/>
-                          <a:latin typeface="Calibri" panose="020F0502020204030204" pitchFamily="34" charset="0"/>
-                          <a:cs typeface="Calibri" panose="020F0502020204030204" pitchFamily="34" charset="0"/>
-                        </a:rPr>
-                        <a:t>8:45</a:t>
-                      </a:r>
-                      <a:r>
-                        <a:rPr lang="en-US" sz="800" dirty="0">
-                          <a:solidFill>
-                            <a:schemeClr val="tx1"/>
-                          </a:solidFill>
-                          <a:effectLst/>
-                          <a:latin typeface="Calibri" panose="020F0502020204030204" pitchFamily="34" charset="0"/>
-                          <a:cs typeface="Calibri" panose="020F0502020204030204" pitchFamily="34" charset="0"/>
-                        </a:rPr>
-                        <a:t> </a:t>
-                      </a:r>
-                      <a:r>
-                        <a:rPr lang="en-US" sz="800" kern="1200" dirty="0">
-                          <a:solidFill>
-                            <a:schemeClr val="tx1"/>
-                          </a:solidFill>
-                          <a:effectLst/>
-                          <a:latin typeface="Calibri" panose="020F0502020204030204" pitchFamily="34" charset="0"/>
-                          <a:cs typeface="Calibri" panose="020F0502020204030204" pitchFamily="34" charset="0"/>
-                        </a:rPr>
-                        <a:t>– 9:00</a:t>
-                      </a:r>
-                      <a:endParaRPr lang="en-US" sz="800" b="1" kern="1200" dirty="0">
-                        <a:solidFill>
-                          <a:schemeClr val="tx1"/>
-                        </a:solidFill>
-                        <a:effectLst/>
-                        <a:latin typeface="Calibri" panose="020F0502020204030204" pitchFamily="34" charset="0"/>
-                        <a:ea typeface="+mn-ea"/>
-                        <a:cs typeface="Calibri" panose="020F0502020204030204" pitchFamily="34" charset="0"/>
-                      </a:endParaRPr>
-                    </a:p>
-                  </a:txBody>
-                  <a:tcPr marL="54769" marR="54769" marT="13811" marB="13811">
-                    <a:solidFill>
-                      <a:srgbClr val="FFC000"/>
-                    </a:solidFill>
-                  </a:tcPr>
-                </a:tc>
-                <a:tc>
-                  <a:txBody>
-                    <a:bodyPr/>
-                    <a:lstStyle/>
-                    <a:p>
-                      <a:pPr marL="0" marR="0">
-                        <a:lnSpc>
-                          <a:spcPct val="107000"/>
-                        </a:lnSpc>
-                        <a:spcBef>
-                          <a:spcPts val="0"/>
-                        </a:spcBef>
-                        <a:spcAft>
-                          <a:spcPts val="0"/>
-                        </a:spcAft>
-                      </a:pPr>
-                      <a:r>
-                        <a:rPr lang="en-US" sz="900" kern="1200" dirty="0">
-                          <a:solidFill>
-                            <a:schemeClr val="dk1"/>
-                          </a:solidFill>
-                          <a:effectLst/>
-                          <a:latin typeface="Calibri" panose="020F0502020204030204"/>
-                          <a:ea typeface="+mn-ea"/>
-                          <a:cs typeface="+mn-cs"/>
-                        </a:rPr>
-                        <a:t>Agenda Overview</a:t>
-                      </a:r>
-                    </a:p>
-                  </a:txBody>
-                  <a:tcPr marL="54769" marR="54769" marT="13811" marB="13811"/>
-                </a:tc>
-                <a:tc>
-                  <a:txBody>
-                    <a:bodyPr/>
-                    <a:lstStyle/>
-                    <a:p>
-                      <a:pPr marL="0" marR="0">
-                        <a:lnSpc>
-                          <a:spcPct val="107000"/>
-                        </a:lnSpc>
-                        <a:spcBef>
-                          <a:spcPts val="0"/>
-                        </a:spcBef>
-                        <a:spcAft>
-                          <a:spcPts val="0"/>
-                        </a:spcAft>
-                      </a:pPr>
-                      <a:r>
-                        <a:rPr lang="en-US" sz="900" kern="1200" dirty="0">
-                          <a:effectLst/>
-                        </a:rPr>
-                        <a:t>Dan Stolts</a:t>
-                      </a:r>
-                      <a:endParaRPr lang="en-US" sz="900" kern="1200" dirty="0">
-                        <a:solidFill>
-                          <a:schemeClr val="dk1"/>
-                        </a:solidFill>
-                        <a:effectLst/>
-                        <a:latin typeface="+mn-lt"/>
-                        <a:ea typeface="+mn-ea"/>
-                        <a:cs typeface="+mn-cs"/>
-                      </a:endParaRPr>
-                    </a:p>
-                  </a:txBody>
-                  <a:tcPr marL="54769" marR="54769" marT="13811" marB="13811"/>
-                </a:tc>
-                <a:extLst>
-                  <a:ext uri="{0D108BD9-81ED-4DB2-BD59-A6C34878D82A}">
-                    <a16:rowId xmlns:a16="http://schemas.microsoft.com/office/drawing/2014/main" val="3239047839"/>
-                  </a:ext>
-                </a:extLst>
-              </a:tr>
-              <a:tr h="200140">
-                <a:tc>
-                  <a:txBody>
-                    <a:bodyPr/>
-                    <a:lstStyle>
-                      <a:lvl1pPr marL="0" algn="l" defTabSz="914400" rtl="0" eaLnBrk="1" latinLnBrk="0" hangingPunct="1">
-                        <a:defRPr sz="1800" b="1" kern="1200">
-                          <a:solidFill>
-                            <a:schemeClr val="lt1"/>
-                          </a:solidFill>
-                          <a:latin typeface="Calibri" panose="020F0502020204030204"/>
-                        </a:defRPr>
-                      </a:lvl1pPr>
-                      <a:lvl2pPr marL="457200" algn="l" defTabSz="914400" rtl="0" eaLnBrk="1" latinLnBrk="0" hangingPunct="1">
-                        <a:defRPr sz="1800" b="1" kern="1200">
-                          <a:solidFill>
-                            <a:schemeClr val="lt1"/>
-                          </a:solidFill>
-                          <a:latin typeface="Calibri" panose="020F0502020204030204"/>
-                        </a:defRPr>
-                      </a:lvl2pPr>
-                      <a:lvl3pPr marL="914400" algn="l" defTabSz="914400" rtl="0" eaLnBrk="1" latinLnBrk="0" hangingPunct="1">
-                        <a:defRPr sz="1800" b="1" kern="1200">
-                          <a:solidFill>
-                            <a:schemeClr val="lt1"/>
-                          </a:solidFill>
-                          <a:latin typeface="Calibri" panose="020F0502020204030204"/>
-                        </a:defRPr>
-                      </a:lvl3pPr>
-                      <a:lvl4pPr marL="1371600" algn="l" defTabSz="914400" rtl="0" eaLnBrk="1" latinLnBrk="0" hangingPunct="1">
-                        <a:defRPr sz="1800" b="1" kern="1200">
-                          <a:solidFill>
-                            <a:schemeClr val="lt1"/>
-                          </a:solidFill>
-                          <a:latin typeface="Calibri" panose="020F0502020204030204"/>
-                        </a:defRPr>
-                      </a:lvl4pPr>
-                      <a:lvl5pPr marL="1828800" algn="l" defTabSz="914400" rtl="0" eaLnBrk="1" latinLnBrk="0" hangingPunct="1">
-                        <a:defRPr sz="1800" b="1" kern="1200">
-                          <a:solidFill>
-                            <a:schemeClr val="lt1"/>
-                          </a:solidFill>
-                          <a:latin typeface="Calibri" panose="020F0502020204030204"/>
-                        </a:defRPr>
-                      </a:lvl5pPr>
-                      <a:lvl6pPr marL="2286000" algn="l" defTabSz="914400" rtl="0" eaLnBrk="1" latinLnBrk="0" hangingPunct="1">
-                        <a:defRPr sz="1800" b="1" kern="1200">
-                          <a:solidFill>
-                            <a:schemeClr val="lt1"/>
-                          </a:solidFill>
-                          <a:latin typeface="Calibri" panose="020F0502020204030204"/>
-                        </a:defRPr>
-                      </a:lvl6pPr>
-                      <a:lvl7pPr marL="2743200" algn="l" defTabSz="914400" rtl="0" eaLnBrk="1" latinLnBrk="0" hangingPunct="1">
-                        <a:defRPr sz="1800" b="1" kern="1200">
-                          <a:solidFill>
-                            <a:schemeClr val="lt1"/>
-                          </a:solidFill>
-                          <a:latin typeface="Calibri" panose="020F0502020204030204"/>
-                        </a:defRPr>
-                      </a:lvl7pPr>
-                      <a:lvl8pPr marL="3200400" algn="l" defTabSz="914400" rtl="0" eaLnBrk="1" latinLnBrk="0" hangingPunct="1">
-                        <a:defRPr sz="1800" b="1" kern="1200">
-                          <a:solidFill>
-                            <a:schemeClr val="lt1"/>
-                          </a:solidFill>
-                          <a:latin typeface="Calibri" panose="020F0502020204030204"/>
-                        </a:defRPr>
-                      </a:lvl8pPr>
-                      <a:lvl9pPr marL="3657600" algn="l" defTabSz="914400" rtl="0" eaLnBrk="1" latinLnBrk="0" hangingPunct="1">
-                        <a:defRPr sz="1800" b="1" kern="1200">
-                          <a:solidFill>
-                            <a:schemeClr val="lt1"/>
-                          </a:solidFill>
-                          <a:latin typeface="Calibri" panose="020F0502020204030204"/>
-                        </a:defRPr>
-                      </a:lvl9pPr>
-                    </a:lstStyle>
-                    <a:p>
-                      <a:pPr marL="0" marR="0" algn="ctr">
-                        <a:lnSpc>
-                          <a:spcPct val="107000"/>
-                        </a:lnSpc>
-                        <a:spcBef>
-                          <a:spcPts val="0"/>
-                        </a:spcBef>
-                        <a:spcAft>
-                          <a:spcPts val="0"/>
-                        </a:spcAft>
-                      </a:pPr>
-                      <a:r>
-                        <a:rPr lang="en-US" sz="800" dirty="0">
-                          <a:solidFill>
-                            <a:schemeClr val="tx1"/>
-                          </a:solidFill>
-                          <a:effectLst/>
-                        </a:rPr>
-                        <a:t>9:15 – 10:15</a:t>
-                      </a:r>
-                      <a:endParaRPr lang="en-US" sz="800" dirty="0">
-                        <a:solidFill>
-                          <a:schemeClr val="tx1"/>
-                        </a:solidFill>
-                        <a:effectLst/>
-                        <a:latin typeface="Calibri" panose="020F0502020204030204" pitchFamily="34" charset="0"/>
-                        <a:ea typeface="Calibri" panose="020F0502020204030204" pitchFamily="34" charset="0"/>
-                        <a:cs typeface="Times New Roman" panose="02020603050405020304" pitchFamily="18" charset="0"/>
-                      </a:endParaRPr>
-                    </a:p>
-                  </a:txBody>
-                  <a:tcPr marL="54769" marR="54769" marT="13811" marB="13811">
-                    <a:solidFill>
-                      <a:srgbClr val="FFC000"/>
-                    </a:solidFill>
-                  </a:tcPr>
-                </a:tc>
-                <a:tc>
-                  <a:txBody>
-                    <a:bodyPr/>
-                    <a:lstStyle>
-                      <a:lvl1pPr marL="0" algn="l" defTabSz="914400" rtl="0" eaLnBrk="1" latinLnBrk="0" hangingPunct="1">
-                        <a:defRPr sz="1800" kern="1200">
-                          <a:solidFill>
-                            <a:schemeClr val="dk1"/>
-                          </a:solidFill>
-                          <a:latin typeface="Calibri" panose="020F0502020204030204"/>
-                        </a:defRPr>
-                      </a:lvl1pPr>
-                      <a:lvl2pPr marL="457200" algn="l" defTabSz="914400" rtl="0" eaLnBrk="1" latinLnBrk="0" hangingPunct="1">
-                        <a:defRPr sz="1800" kern="1200">
-                          <a:solidFill>
-                            <a:schemeClr val="dk1"/>
-                          </a:solidFill>
-                          <a:latin typeface="Calibri" panose="020F0502020204030204"/>
-                        </a:defRPr>
-                      </a:lvl2pPr>
-                      <a:lvl3pPr marL="914400" algn="l" defTabSz="914400" rtl="0" eaLnBrk="1" latinLnBrk="0" hangingPunct="1">
-                        <a:defRPr sz="1800" kern="1200">
-                          <a:solidFill>
-                            <a:schemeClr val="dk1"/>
-                          </a:solidFill>
-                          <a:latin typeface="Calibri" panose="020F0502020204030204"/>
-                        </a:defRPr>
-                      </a:lvl3pPr>
-                      <a:lvl4pPr marL="1371600" algn="l" defTabSz="914400" rtl="0" eaLnBrk="1" latinLnBrk="0" hangingPunct="1">
-                        <a:defRPr sz="1800" kern="1200">
-                          <a:solidFill>
-                            <a:schemeClr val="dk1"/>
-                          </a:solidFill>
-                          <a:latin typeface="Calibri" panose="020F0502020204030204"/>
-                        </a:defRPr>
-                      </a:lvl4pPr>
-                      <a:lvl5pPr marL="1828800" algn="l" defTabSz="914400" rtl="0" eaLnBrk="1" latinLnBrk="0" hangingPunct="1">
-                        <a:defRPr sz="1800" kern="1200">
-                          <a:solidFill>
-                            <a:schemeClr val="dk1"/>
-                          </a:solidFill>
-                          <a:latin typeface="Calibri" panose="020F0502020204030204"/>
-                        </a:defRPr>
-                      </a:lvl5pPr>
-                      <a:lvl6pPr marL="2286000" algn="l" defTabSz="914400" rtl="0" eaLnBrk="1" latinLnBrk="0" hangingPunct="1">
-                        <a:defRPr sz="1800" kern="1200">
-                          <a:solidFill>
-                            <a:schemeClr val="dk1"/>
-                          </a:solidFill>
-                          <a:latin typeface="Calibri" panose="020F0502020204030204"/>
-                        </a:defRPr>
-                      </a:lvl6pPr>
-                      <a:lvl7pPr marL="2743200" algn="l" defTabSz="914400" rtl="0" eaLnBrk="1" latinLnBrk="0" hangingPunct="1">
-                        <a:defRPr sz="1800" kern="1200">
-                          <a:solidFill>
-                            <a:schemeClr val="dk1"/>
-                          </a:solidFill>
-                          <a:latin typeface="Calibri" panose="020F0502020204030204"/>
-                        </a:defRPr>
-                      </a:lvl7pPr>
-                      <a:lvl8pPr marL="3200400" algn="l" defTabSz="914400" rtl="0" eaLnBrk="1" latinLnBrk="0" hangingPunct="1">
-                        <a:defRPr sz="1800" kern="1200">
-                          <a:solidFill>
-                            <a:schemeClr val="dk1"/>
-                          </a:solidFill>
-                          <a:latin typeface="Calibri" panose="020F0502020204030204"/>
-                        </a:defRPr>
-                      </a:lvl8pPr>
-                      <a:lvl9pPr marL="3657600" algn="l" defTabSz="914400" rtl="0" eaLnBrk="1" latinLnBrk="0" hangingPunct="1">
-                        <a:defRPr sz="1800" kern="1200">
-                          <a:solidFill>
-                            <a:schemeClr val="dk1"/>
-                          </a:solidFill>
-                          <a:latin typeface="Calibri" panose="020F0502020204030204"/>
-                        </a:defRPr>
-                      </a:lvl9pPr>
-                    </a:lstStyle>
-                    <a:p>
-                      <a:pPr marL="0" marR="0">
-                        <a:lnSpc>
-                          <a:spcPct val="107000"/>
-                        </a:lnSpc>
-                        <a:spcBef>
-                          <a:spcPts val="0"/>
-                        </a:spcBef>
-                        <a:spcAft>
-                          <a:spcPts val="0"/>
-                        </a:spcAft>
-                      </a:pPr>
-                      <a:r>
-                        <a:rPr lang="en-US" sz="900" kern="1200" dirty="0">
-                          <a:effectLst/>
-                        </a:rPr>
-                        <a:t>Becoming a Cloud Architect &amp; DevOps</a:t>
-                      </a:r>
-                      <a:endParaRPr lang="en-US" sz="900" kern="1200" dirty="0">
-                        <a:solidFill>
-                          <a:schemeClr val="dk1"/>
-                        </a:solidFill>
-                        <a:effectLst/>
-                        <a:latin typeface="+mn-lt"/>
-                        <a:ea typeface="+mn-ea"/>
-                        <a:cs typeface="+mn-cs"/>
-                      </a:endParaRPr>
-                    </a:p>
-                  </a:txBody>
-                  <a:tcPr marL="54769" marR="54769" marT="13811" marB="13811"/>
-                </a:tc>
-                <a:tc>
-                  <a:txBody>
-                    <a:bodyPr/>
-                    <a:lstStyle/>
-                    <a:p>
-                      <a:pPr marL="0" marR="0">
-                        <a:lnSpc>
-                          <a:spcPct val="107000"/>
-                        </a:lnSpc>
-                        <a:spcBef>
-                          <a:spcPts val="0"/>
-                        </a:spcBef>
-                        <a:spcAft>
-                          <a:spcPts val="0"/>
-                        </a:spcAft>
-                      </a:pPr>
-                      <a:r>
-                        <a:rPr lang="en-US" sz="900" kern="1200" dirty="0">
-                          <a:effectLst/>
-                        </a:rPr>
-                        <a:t>Dan</a:t>
-                      </a:r>
-                      <a:endParaRPr lang="en-US" sz="900" kern="1200" dirty="0">
-                        <a:solidFill>
-                          <a:schemeClr val="dk1"/>
-                        </a:solidFill>
-                        <a:effectLst/>
-                        <a:latin typeface="+mn-lt"/>
-                        <a:ea typeface="+mn-ea"/>
-                        <a:cs typeface="+mn-cs"/>
-                      </a:endParaRPr>
-                    </a:p>
-                  </a:txBody>
-                  <a:tcPr marL="54769" marR="54769" marT="13811" marB="13811"/>
-                </a:tc>
-                <a:extLst>
-                  <a:ext uri="{0D108BD9-81ED-4DB2-BD59-A6C34878D82A}">
-                    <a16:rowId xmlns:a16="http://schemas.microsoft.com/office/drawing/2014/main" val="1271444396"/>
-                  </a:ext>
-                </a:extLst>
-              </a:tr>
-              <a:tr h="200140">
-                <a:tc>
-                  <a:txBody>
-                    <a:bodyPr/>
-                    <a:lstStyle>
-                      <a:lvl1pPr marL="0" algn="l" defTabSz="914400" rtl="0" eaLnBrk="1" latinLnBrk="0" hangingPunct="1">
-                        <a:defRPr sz="1800" b="1" kern="1200">
-                          <a:solidFill>
-                            <a:schemeClr val="lt1"/>
-                          </a:solidFill>
-                          <a:latin typeface="Calibri" panose="020F0502020204030204"/>
-                        </a:defRPr>
-                      </a:lvl1pPr>
-                      <a:lvl2pPr marL="457200" algn="l" defTabSz="914400" rtl="0" eaLnBrk="1" latinLnBrk="0" hangingPunct="1">
-                        <a:defRPr sz="1800" b="1" kern="1200">
-                          <a:solidFill>
-                            <a:schemeClr val="lt1"/>
-                          </a:solidFill>
-                          <a:latin typeface="Calibri" panose="020F0502020204030204"/>
-                        </a:defRPr>
-                      </a:lvl2pPr>
-                      <a:lvl3pPr marL="914400" algn="l" defTabSz="914400" rtl="0" eaLnBrk="1" latinLnBrk="0" hangingPunct="1">
-                        <a:defRPr sz="1800" b="1" kern="1200">
-                          <a:solidFill>
-                            <a:schemeClr val="lt1"/>
-                          </a:solidFill>
-                          <a:latin typeface="Calibri" panose="020F0502020204030204"/>
-                        </a:defRPr>
-                      </a:lvl3pPr>
-                      <a:lvl4pPr marL="1371600" algn="l" defTabSz="914400" rtl="0" eaLnBrk="1" latinLnBrk="0" hangingPunct="1">
-                        <a:defRPr sz="1800" b="1" kern="1200">
-                          <a:solidFill>
-                            <a:schemeClr val="lt1"/>
-                          </a:solidFill>
-                          <a:latin typeface="Calibri" panose="020F0502020204030204"/>
-                        </a:defRPr>
-                      </a:lvl4pPr>
-                      <a:lvl5pPr marL="1828800" algn="l" defTabSz="914400" rtl="0" eaLnBrk="1" latinLnBrk="0" hangingPunct="1">
-                        <a:defRPr sz="1800" b="1" kern="1200">
-                          <a:solidFill>
-                            <a:schemeClr val="lt1"/>
-                          </a:solidFill>
-                          <a:latin typeface="Calibri" panose="020F0502020204030204"/>
-                        </a:defRPr>
-                      </a:lvl5pPr>
-                      <a:lvl6pPr marL="2286000" algn="l" defTabSz="914400" rtl="0" eaLnBrk="1" latinLnBrk="0" hangingPunct="1">
-                        <a:defRPr sz="1800" b="1" kern="1200">
-                          <a:solidFill>
-                            <a:schemeClr val="lt1"/>
-                          </a:solidFill>
-                          <a:latin typeface="Calibri" panose="020F0502020204030204"/>
-                        </a:defRPr>
-                      </a:lvl6pPr>
-                      <a:lvl7pPr marL="2743200" algn="l" defTabSz="914400" rtl="0" eaLnBrk="1" latinLnBrk="0" hangingPunct="1">
-                        <a:defRPr sz="1800" b="1" kern="1200">
-                          <a:solidFill>
-                            <a:schemeClr val="lt1"/>
-                          </a:solidFill>
-                          <a:latin typeface="Calibri" panose="020F0502020204030204"/>
-                        </a:defRPr>
-                      </a:lvl7pPr>
-                      <a:lvl8pPr marL="3200400" algn="l" defTabSz="914400" rtl="0" eaLnBrk="1" latinLnBrk="0" hangingPunct="1">
-                        <a:defRPr sz="1800" b="1" kern="1200">
-                          <a:solidFill>
-                            <a:schemeClr val="lt1"/>
-                          </a:solidFill>
-                          <a:latin typeface="Calibri" panose="020F0502020204030204"/>
-                        </a:defRPr>
-                      </a:lvl8pPr>
-                      <a:lvl9pPr marL="3657600" algn="l" defTabSz="914400" rtl="0" eaLnBrk="1" latinLnBrk="0" hangingPunct="1">
-                        <a:defRPr sz="1800" b="1" kern="1200">
-                          <a:solidFill>
-                            <a:schemeClr val="lt1"/>
-                          </a:solidFill>
-                          <a:latin typeface="Calibri" panose="020F0502020204030204"/>
-                        </a:defRPr>
-                      </a:lvl9pPr>
-                    </a:lstStyle>
-                    <a:p>
-                      <a:pPr marL="0" marR="0" algn="ctr">
-                        <a:lnSpc>
-                          <a:spcPct val="107000"/>
-                        </a:lnSpc>
-                        <a:spcBef>
-                          <a:spcPts val="0"/>
-                        </a:spcBef>
-                        <a:spcAft>
-                          <a:spcPts val="0"/>
-                        </a:spcAft>
-                      </a:pPr>
-                      <a:r>
-                        <a:rPr lang="en-US" sz="800" dirty="0">
-                          <a:solidFill>
-                            <a:schemeClr val="tx1"/>
-                          </a:solidFill>
-                          <a:effectLst/>
-                        </a:rPr>
-                        <a:t>10:15 – 10:30</a:t>
-                      </a:r>
-                      <a:endParaRPr lang="en-US" sz="800" dirty="0">
-                        <a:solidFill>
-                          <a:schemeClr val="tx1"/>
-                        </a:solidFill>
-                        <a:effectLst/>
-                        <a:latin typeface="Calibri" panose="020F0502020204030204" pitchFamily="34" charset="0"/>
-                        <a:ea typeface="Calibri" panose="020F0502020204030204" pitchFamily="34" charset="0"/>
-                        <a:cs typeface="Times New Roman" panose="02020603050405020304" pitchFamily="18" charset="0"/>
-                      </a:endParaRPr>
-                    </a:p>
-                  </a:txBody>
-                  <a:tcPr marL="54769" marR="54769" marT="13811" marB="13811">
-                    <a:solidFill>
-                      <a:srgbClr val="FFC000"/>
-                    </a:solidFill>
-                  </a:tcPr>
-                </a:tc>
-                <a:tc gridSpan="2">
-                  <a:txBody>
-                    <a:bodyPr/>
-                    <a:lstStyle>
-                      <a:lvl1pPr marL="0" algn="l" defTabSz="914400" rtl="0" eaLnBrk="1" latinLnBrk="0" hangingPunct="1">
-                        <a:defRPr sz="1800" kern="1200">
-                          <a:solidFill>
-                            <a:schemeClr val="dk1"/>
-                          </a:solidFill>
-                          <a:latin typeface="Calibri" panose="020F0502020204030204"/>
-                        </a:defRPr>
-                      </a:lvl1pPr>
-                      <a:lvl2pPr marL="457200" algn="l" defTabSz="914400" rtl="0" eaLnBrk="1" latinLnBrk="0" hangingPunct="1">
-                        <a:defRPr sz="1800" kern="1200">
-                          <a:solidFill>
-                            <a:schemeClr val="dk1"/>
-                          </a:solidFill>
-                          <a:latin typeface="Calibri" panose="020F0502020204030204"/>
-                        </a:defRPr>
-                      </a:lvl2pPr>
-                      <a:lvl3pPr marL="914400" algn="l" defTabSz="914400" rtl="0" eaLnBrk="1" latinLnBrk="0" hangingPunct="1">
-                        <a:defRPr sz="1800" kern="1200">
-                          <a:solidFill>
-                            <a:schemeClr val="dk1"/>
-                          </a:solidFill>
-                          <a:latin typeface="Calibri" panose="020F0502020204030204"/>
-                        </a:defRPr>
-                      </a:lvl3pPr>
-                      <a:lvl4pPr marL="1371600" algn="l" defTabSz="914400" rtl="0" eaLnBrk="1" latinLnBrk="0" hangingPunct="1">
-                        <a:defRPr sz="1800" kern="1200">
-                          <a:solidFill>
-                            <a:schemeClr val="dk1"/>
-                          </a:solidFill>
-                          <a:latin typeface="Calibri" panose="020F0502020204030204"/>
-                        </a:defRPr>
-                      </a:lvl4pPr>
-                      <a:lvl5pPr marL="1828800" algn="l" defTabSz="914400" rtl="0" eaLnBrk="1" latinLnBrk="0" hangingPunct="1">
-                        <a:defRPr sz="1800" kern="1200">
-                          <a:solidFill>
-                            <a:schemeClr val="dk1"/>
-                          </a:solidFill>
-                          <a:latin typeface="Calibri" panose="020F0502020204030204"/>
-                        </a:defRPr>
-                      </a:lvl5pPr>
-                      <a:lvl6pPr marL="2286000" algn="l" defTabSz="914400" rtl="0" eaLnBrk="1" latinLnBrk="0" hangingPunct="1">
-                        <a:defRPr sz="1800" kern="1200">
-                          <a:solidFill>
-                            <a:schemeClr val="dk1"/>
-                          </a:solidFill>
-                          <a:latin typeface="Calibri" panose="020F0502020204030204"/>
-                        </a:defRPr>
-                      </a:lvl6pPr>
-                      <a:lvl7pPr marL="2743200" algn="l" defTabSz="914400" rtl="0" eaLnBrk="1" latinLnBrk="0" hangingPunct="1">
-                        <a:defRPr sz="1800" kern="1200">
-                          <a:solidFill>
-                            <a:schemeClr val="dk1"/>
-                          </a:solidFill>
-                          <a:latin typeface="Calibri" panose="020F0502020204030204"/>
-                        </a:defRPr>
-                      </a:lvl7pPr>
-                      <a:lvl8pPr marL="3200400" algn="l" defTabSz="914400" rtl="0" eaLnBrk="1" latinLnBrk="0" hangingPunct="1">
-                        <a:defRPr sz="1800" kern="1200">
-                          <a:solidFill>
-                            <a:schemeClr val="dk1"/>
-                          </a:solidFill>
-                          <a:latin typeface="Calibri" panose="020F0502020204030204"/>
-                        </a:defRPr>
-                      </a:lvl8pPr>
-                      <a:lvl9pPr marL="3657600" algn="l" defTabSz="914400" rtl="0" eaLnBrk="1" latinLnBrk="0" hangingPunct="1">
-                        <a:defRPr sz="1800" kern="1200">
-                          <a:solidFill>
-                            <a:schemeClr val="dk1"/>
-                          </a:solidFill>
-                          <a:latin typeface="Calibri" panose="020F0502020204030204"/>
-                        </a:defRPr>
-                      </a:lvl9pPr>
-                    </a:lstStyle>
-                    <a:p>
-                      <a:pPr marL="0" marR="0" algn="ctr" defTabSz="914400" rtl="0" eaLnBrk="1" latinLnBrk="0" hangingPunct="1">
-                        <a:lnSpc>
-                          <a:spcPct val="107000"/>
-                        </a:lnSpc>
-                        <a:spcBef>
-                          <a:spcPts val="0"/>
-                        </a:spcBef>
-                        <a:spcAft>
-                          <a:spcPts val="0"/>
-                        </a:spcAft>
-                      </a:pPr>
-                      <a:r>
-                        <a:rPr lang="en-US" sz="900" kern="1200" dirty="0">
-                          <a:effectLst/>
-                        </a:rPr>
-                        <a:t>Break &amp; Networking with Microsoft</a:t>
-                      </a:r>
-                      <a:endParaRPr lang="en-US" sz="900" kern="1200" dirty="0">
-                        <a:solidFill>
-                          <a:schemeClr val="dk1"/>
-                        </a:solidFill>
-                        <a:effectLst/>
-                        <a:latin typeface="+mn-lt"/>
-                        <a:ea typeface="+mn-ea"/>
-                        <a:cs typeface="+mn-cs"/>
-                      </a:endParaRPr>
-                    </a:p>
-                  </a:txBody>
-                  <a:tcPr marL="54769" marR="54769" marT="13811" marB="13811">
-                    <a:solidFill>
-                      <a:srgbClr val="FFC000"/>
-                    </a:solidFill>
-                  </a:tcPr>
-                </a:tc>
-                <a:tc hMerge="1">
-                  <a:txBody>
-                    <a:bodyPr/>
-                    <a:lstStyle/>
-                    <a:p>
-                      <a:endParaRPr lang="en-US"/>
-                    </a:p>
-                  </a:txBody>
-                  <a:tcPr/>
-                </a:tc>
-                <a:extLst>
-                  <a:ext uri="{0D108BD9-81ED-4DB2-BD59-A6C34878D82A}">
-                    <a16:rowId xmlns:a16="http://schemas.microsoft.com/office/drawing/2014/main" val="180956455"/>
-                  </a:ext>
-                </a:extLst>
-              </a:tr>
-              <a:tr h="208169">
-                <a:tc>
-                  <a:txBody>
-                    <a:bodyPr/>
-                    <a:lstStyle>
-                      <a:lvl1pPr marL="0" algn="l" defTabSz="914400" rtl="0" eaLnBrk="1" latinLnBrk="0" hangingPunct="1">
-                        <a:defRPr sz="1800" b="1" kern="1200">
-                          <a:solidFill>
-                            <a:schemeClr val="lt1"/>
-                          </a:solidFill>
-                          <a:latin typeface="Calibri" panose="020F0502020204030204"/>
-                        </a:defRPr>
-                      </a:lvl1pPr>
-                      <a:lvl2pPr marL="457200" algn="l" defTabSz="914400" rtl="0" eaLnBrk="1" latinLnBrk="0" hangingPunct="1">
-                        <a:defRPr sz="1800" b="1" kern="1200">
-                          <a:solidFill>
-                            <a:schemeClr val="lt1"/>
-                          </a:solidFill>
-                          <a:latin typeface="Calibri" panose="020F0502020204030204"/>
-                        </a:defRPr>
-                      </a:lvl2pPr>
-                      <a:lvl3pPr marL="914400" algn="l" defTabSz="914400" rtl="0" eaLnBrk="1" latinLnBrk="0" hangingPunct="1">
-                        <a:defRPr sz="1800" b="1" kern="1200">
-                          <a:solidFill>
-                            <a:schemeClr val="lt1"/>
-                          </a:solidFill>
-                          <a:latin typeface="Calibri" panose="020F0502020204030204"/>
-                        </a:defRPr>
-                      </a:lvl3pPr>
-                      <a:lvl4pPr marL="1371600" algn="l" defTabSz="914400" rtl="0" eaLnBrk="1" latinLnBrk="0" hangingPunct="1">
-                        <a:defRPr sz="1800" b="1" kern="1200">
-                          <a:solidFill>
-                            <a:schemeClr val="lt1"/>
-                          </a:solidFill>
-                          <a:latin typeface="Calibri" panose="020F0502020204030204"/>
-                        </a:defRPr>
-                      </a:lvl4pPr>
-                      <a:lvl5pPr marL="1828800" algn="l" defTabSz="914400" rtl="0" eaLnBrk="1" latinLnBrk="0" hangingPunct="1">
-                        <a:defRPr sz="1800" b="1" kern="1200">
-                          <a:solidFill>
-                            <a:schemeClr val="lt1"/>
-                          </a:solidFill>
-                          <a:latin typeface="Calibri" panose="020F0502020204030204"/>
-                        </a:defRPr>
-                      </a:lvl5pPr>
-                      <a:lvl6pPr marL="2286000" algn="l" defTabSz="914400" rtl="0" eaLnBrk="1" latinLnBrk="0" hangingPunct="1">
-                        <a:defRPr sz="1800" b="1" kern="1200">
-                          <a:solidFill>
-                            <a:schemeClr val="lt1"/>
-                          </a:solidFill>
-                          <a:latin typeface="Calibri" panose="020F0502020204030204"/>
-                        </a:defRPr>
-                      </a:lvl6pPr>
-                      <a:lvl7pPr marL="2743200" algn="l" defTabSz="914400" rtl="0" eaLnBrk="1" latinLnBrk="0" hangingPunct="1">
-                        <a:defRPr sz="1800" b="1" kern="1200">
-                          <a:solidFill>
-                            <a:schemeClr val="lt1"/>
-                          </a:solidFill>
-                          <a:latin typeface="Calibri" panose="020F0502020204030204"/>
-                        </a:defRPr>
-                      </a:lvl7pPr>
-                      <a:lvl8pPr marL="3200400" algn="l" defTabSz="914400" rtl="0" eaLnBrk="1" latinLnBrk="0" hangingPunct="1">
-                        <a:defRPr sz="1800" b="1" kern="1200">
-                          <a:solidFill>
-                            <a:schemeClr val="lt1"/>
-                          </a:solidFill>
-                          <a:latin typeface="Calibri" panose="020F0502020204030204"/>
-                        </a:defRPr>
-                      </a:lvl8pPr>
-                      <a:lvl9pPr marL="3657600" algn="l" defTabSz="914400" rtl="0" eaLnBrk="1" latinLnBrk="0" hangingPunct="1">
-                        <a:defRPr sz="1800" b="1" kern="1200">
-                          <a:solidFill>
-                            <a:schemeClr val="lt1"/>
-                          </a:solidFill>
-                          <a:latin typeface="Calibri" panose="020F0502020204030204"/>
-                        </a:defRPr>
-                      </a:lvl9pPr>
-                    </a:lstStyle>
-                    <a:p>
-                      <a:pPr marL="0" marR="0" algn="ctr">
-                        <a:lnSpc>
-                          <a:spcPct val="107000"/>
-                        </a:lnSpc>
-                        <a:spcBef>
-                          <a:spcPts val="0"/>
-                        </a:spcBef>
-                        <a:spcAft>
-                          <a:spcPts val="0"/>
-                        </a:spcAft>
-                      </a:pPr>
-                      <a:r>
-                        <a:rPr lang="en-US" sz="800" dirty="0">
-                          <a:solidFill>
-                            <a:schemeClr val="tx1"/>
-                          </a:solidFill>
-                          <a:effectLst/>
-                        </a:rPr>
-                        <a:t>10:30 – 11:30</a:t>
-                      </a:r>
-                      <a:endParaRPr lang="en-US" sz="800" dirty="0">
-                        <a:solidFill>
-                          <a:schemeClr val="tx1"/>
-                        </a:solidFill>
-                        <a:effectLst/>
-                        <a:latin typeface="Calibri" panose="020F0502020204030204" pitchFamily="34" charset="0"/>
-                        <a:ea typeface="Calibri" panose="020F0502020204030204" pitchFamily="34" charset="0"/>
-                        <a:cs typeface="Times New Roman" panose="02020603050405020304" pitchFamily="18" charset="0"/>
-                      </a:endParaRPr>
-                    </a:p>
-                  </a:txBody>
-                  <a:tcPr marL="54769" marR="54769" marT="13811" marB="13811">
-                    <a:solidFill>
-                      <a:srgbClr val="FFC000"/>
-                    </a:solidFill>
-                  </a:tcPr>
-                </a:tc>
-                <a:tc>
-                  <a:txBody>
-                    <a:bodyPr/>
-                    <a:lstStyle>
-                      <a:lvl1pPr marL="0" algn="l" defTabSz="914400" rtl="0" eaLnBrk="1" latinLnBrk="0" hangingPunct="1">
-                        <a:defRPr sz="1800" kern="1200">
-                          <a:solidFill>
-                            <a:schemeClr val="dk1"/>
-                          </a:solidFill>
-                          <a:latin typeface="Calibri" panose="020F0502020204030204"/>
-                        </a:defRPr>
-                      </a:lvl1pPr>
-                      <a:lvl2pPr marL="457200" algn="l" defTabSz="914400" rtl="0" eaLnBrk="1" latinLnBrk="0" hangingPunct="1">
-                        <a:defRPr sz="1800" kern="1200">
-                          <a:solidFill>
-                            <a:schemeClr val="dk1"/>
-                          </a:solidFill>
-                          <a:latin typeface="Calibri" panose="020F0502020204030204"/>
-                        </a:defRPr>
-                      </a:lvl2pPr>
-                      <a:lvl3pPr marL="914400" algn="l" defTabSz="914400" rtl="0" eaLnBrk="1" latinLnBrk="0" hangingPunct="1">
-                        <a:defRPr sz="1800" kern="1200">
-                          <a:solidFill>
-                            <a:schemeClr val="dk1"/>
-                          </a:solidFill>
-                          <a:latin typeface="Calibri" panose="020F0502020204030204"/>
-                        </a:defRPr>
-                      </a:lvl3pPr>
-                      <a:lvl4pPr marL="1371600" algn="l" defTabSz="914400" rtl="0" eaLnBrk="1" latinLnBrk="0" hangingPunct="1">
-                        <a:defRPr sz="1800" kern="1200">
-                          <a:solidFill>
-                            <a:schemeClr val="dk1"/>
-                          </a:solidFill>
-                          <a:latin typeface="Calibri" panose="020F0502020204030204"/>
-                        </a:defRPr>
-                      </a:lvl4pPr>
-                      <a:lvl5pPr marL="1828800" algn="l" defTabSz="914400" rtl="0" eaLnBrk="1" latinLnBrk="0" hangingPunct="1">
-                        <a:defRPr sz="1800" kern="1200">
-                          <a:solidFill>
-                            <a:schemeClr val="dk1"/>
-                          </a:solidFill>
-                          <a:latin typeface="Calibri" panose="020F0502020204030204"/>
-                        </a:defRPr>
-                      </a:lvl5pPr>
-                      <a:lvl6pPr marL="2286000" algn="l" defTabSz="914400" rtl="0" eaLnBrk="1" latinLnBrk="0" hangingPunct="1">
-                        <a:defRPr sz="1800" kern="1200">
-                          <a:solidFill>
-                            <a:schemeClr val="dk1"/>
-                          </a:solidFill>
-                          <a:latin typeface="Calibri" panose="020F0502020204030204"/>
-                        </a:defRPr>
-                      </a:lvl6pPr>
-                      <a:lvl7pPr marL="2743200" algn="l" defTabSz="914400" rtl="0" eaLnBrk="1" latinLnBrk="0" hangingPunct="1">
-                        <a:defRPr sz="1800" kern="1200">
-                          <a:solidFill>
-                            <a:schemeClr val="dk1"/>
-                          </a:solidFill>
-                          <a:latin typeface="Calibri" panose="020F0502020204030204"/>
-                        </a:defRPr>
-                      </a:lvl7pPr>
-                      <a:lvl8pPr marL="3200400" algn="l" defTabSz="914400" rtl="0" eaLnBrk="1" latinLnBrk="0" hangingPunct="1">
-                        <a:defRPr sz="1800" kern="1200">
-                          <a:solidFill>
-                            <a:schemeClr val="dk1"/>
-                          </a:solidFill>
-                          <a:latin typeface="Calibri" panose="020F0502020204030204"/>
-                        </a:defRPr>
-                      </a:lvl8pPr>
-                      <a:lvl9pPr marL="3657600" algn="l" defTabSz="914400" rtl="0" eaLnBrk="1" latinLnBrk="0" hangingPunct="1">
-                        <a:defRPr sz="1800" kern="1200">
-                          <a:solidFill>
-                            <a:schemeClr val="dk1"/>
-                          </a:solidFill>
-                          <a:latin typeface="Calibri" panose="020F0502020204030204"/>
-                        </a:defRPr>
-                      </a:lvl9pPr>
-                    </a:lstStyle>
-                    <a:p>
-                      <a:pPr marL="0" marR="0" lvl="0" indent="0" algn="l" defTabSz="914400" rtl="0" eaLnBrk="1" fontAlgn="auto" latinLnBrk="0" hangingPunct="1">
-                        <a:lnSpc>
-                          <a:spcPct val="107000"/>
-                        </a:lnSpc>
-                        <a:spcBef>
-                          <a:spcPts val="0"/>
-                        </a:spcBef>
-                        <a:spcAft>
-                          <a:spcPts val="0"/>
-                        </a:spcAft>
-                        <a:buClrTx/>
-                        <a:buSzTx/>
-                        <a:buFontTx/>
-                        <a:buNone/>
-                        <a:tabLst/>
-                        <a:defRPr/>
-                      </a:pPr>
-                      <a:r>
-                        <a:rPr lang="en-US" sz="900" kern="1200" dirty="0">
-                          <a:effectLst/>
-                        </a:rPr>
-                        <a:t>Design Data Implementation</a:t>
-                      </a:r>
-                      <a:endParaRPr lang="en-US" sz="900" kern="1200" dirty="0">
-                        <a:solidFill>
-                          <a:schemeClr val="dk1"/>
-                        </a:solidFill>
-                        <a:effectLst/>
-                        <a:latin typeface="+mn-lt"/>
-                        <a:ea typeface="+mn-ea"/>
-                        <a:cs typeface="+mn-cs"/>
-                      </a:endParaRPr>
-                    </a:p>
-                  </a:txBody>
-                  <a:tcPr marL="54769" marR="54769" marT="13811" marB="13811"/>
-                </a:tc>
-                <a:tc>
-                  <a:txBody>
-                    <a:bodyPr/>
-                    <a:lstStyle/>
-                    <a:p>
-                      <a:pPr marL="0" marR="0" lvl="0" indent="0" algn="l" defTabSz="914400" rtl="0" eaLnBrk="1" fontAlgn="auto" latinLnBrk="0" hangingPunct="1">
-                        <a:lnSpc>
-                          <a:spcPct val="107000"/>
-                        </a:lnSpc>
-                        <a:spcBef>
-                          <a:spcPts val="0"/>
-                        </a:spcBef>
-                        <a:spcAft>
-                          <a:spcPts val="0"/>
-                        </a:spcAft>
-                        <a:buClrTx/>
-                        <a:buSzTx/>
-                        <a:buFontTx/>
-                        <a:buNone/>
-                        <a:tabLst/>
-                        <a:defRPr/>
-                      </a:pPr>
-                      <a:r>
-                        <a:rPr lang="en-US" sz="900" kern="1200" dirty="0">
-                          <a:effectLst/>
-                        </a:rPr>
-                        <a:t>Patrick</a:t>
-                      </a:r>
-                      <a:endParaRPr lang="en-US" sz="900" kern="1200" dirty="0">
-                        <a:solidFill>
-                          <a:schemeClr val="dk1"/>
-                        </a:solidFill>
-                        <a:effectLst/>
-                        <a:latin typeface="+mn-lt"/>
-                        <a:ea typeface="+mn-ea"/>
-                        <a:cs typeface="+mn-cs"/>
-                      </a:endParaRPr>
-                    </a:p>
-                  </a:txBody>
-                  <a:tcPr marL="54769" marR="54769" marT="13811" marB="13811"/>
-                </a:tc>
-                <a:extLst>
-                  <a:ext uri="{0D108BD9-81ED-4DB2-BD59-A6C34878D82A}">
-                    <a16:rowId xmlns:a16="http://schemas.microsoft.com/office/drawing/2014/main" val="1967849935"/>
-                  </a:ext>
-                </a:extLst>
-              </a:tr>
-              <a:tr h="208169">
-                <a:tc>
-                  <a:txBody>
-                    <a:bodyPr/>
-                    <a:lstStyle>
-                      <a:lvl1pPr marL="0" algn="l" defTabSz="914400" rtl="0" eaLnBrk="1" latinLnBrk="0" hangingPunct="1">
-                        <a:defRPr sz="1800" b="1" kern="1200">
-                          <a:solidFill>
-                            <a:schemeClr val="lt1"/>
-                          </a:solidFill>
-                          <a:latin typeface="Calibri" panose="020F0502020204030204"/>
-                        </a:defRPr>
-                      </a:lvl1pPr>
-                      <a:lvl2pPr marL="457200" algn="l" defTabSz="914400" rtl="0" eaLnBrk="1" latinLnBrk="0" hangingPunct="1">
-                        <a:defRPr sz="1800" b="1" kern="1200">
-                          <a:solidFill>
-                            <a:schemeClr val="lt1"/>
-                          </a:solidFill>
-                          <a:latin typeface="Calibri" panose="020F0502020204030204"/>
-                        </a:defRPr>
-                      </a:lvl2pPr>
-                      <a:lvl3pPr marL="914400" algn="l" defTabSz="914400" rtl="0" eaLnBrk="1" latinLnBrk="0" hangingPunct="1">
-                        <a:defRPr sz="1800" b="1" kern="1200">
-                          <a:solidFill>
-                            <a:schemeClr val="lt1"/>
-                          </a:solidFill>
-                          <a:latin typeface="Calibri" panose="020F0502020204030204"/>
-                        </a:defRPr>
-                      </a:lvl3pPr>
-                      <a:lvl4pPr marL="1371600" algn="l" defTabSz="914400" rtl="0" eaLnBrk="1" latinLnBrk="0" hangingPunct="1">
-                        <a:defRPr sz="1800" b="1" kern="1200">
-                          <a:solidFill>
-                            <a:schemeClr val="lt1"/>
-                          </a:solidFill>
-                          <a:latin typeface="Calibri" panose="020F0502020204030204"/>
-                        </a:defRPr>
-                      </a:lvl4pPr>
-                      <a:lvl5pPr marL="1828800" algn="l" defTabSz="914400" rtl="0" eaLnBrk="1" latinLnBrk="0" hangingPunct="1">
-                        <a:defRPr sz="1800" b="1" kern="1200">
-                          <a:solidFill>
-                            <a:schemeClr val="lt1"/>
-                          </a:solidFill>
-                          <a:latin typeface="Calibri" panose="020F0502020204030204"/>
-                        </a:defRPr>
-                      </a:lvl5pPr>
-                      <a:lvl6pPr marL="2286000" algn="l" defTabSz="914400" rtl="0" eaLnBrk="1" latinLnBrk="0" hangingPunct="1">
-                        <a:defRPr sz="1800" b="1" kern="1200">
-                          <a:solidFill>
-                            <a:schemeClr val="lt1"/>
-                          </a:solidFill>
-                          <a:latin typeface="Calibri" panose="020F0502020204030204"/>
-                        </a:defRPr>
-                      </a:lvl6pPr>
-                      <a:lvl7pPr marL="2743200" algn="l" defTabSz="914400" rtl="0" eaLnBrk="1" latinLnBrk="0" hangingPunct="1">
-                        <a:defRPr sz="1800" b="1" kern="1200">
-                          <a:solidFill>
-                            <a:schemeClr val="lt1"/>
-                          </a:solidFill>
-                          <a:latin typeface="Calibri" panose="020F0502020204030204"/>
-                        </a:defRPr>
-                      </a:lvl7pPr>
-                      <a:lvl8pPr marL="3200400" algn="l" defTabSz="914400" rtl="0" eaLnBrk="1" latinLnBrk="0" hangingPunct="1">
-                        <a:defRPr sz="1800" b="1" kern="1200">
-                          <a:solidFill>
-                            <a:schemeClr val="lt1"/>
-                          </a:solidFill>
-                          <a:latin typeface="Calibri" panose="020F0502020204030204"/>
-                        </a:defRPr>
-                      </a:lvl8pPr>
-                      <a:lvl9pPr marL="3657600" algn="l" defTabSz="914400" rtl="0" eaLnBrk="1" latinLnBrk="0" hangingPunct="1">
-                        <a:defRPr sz="1800" b="1" kern="1200">
-                          <a:solidFill>
-                            <a:schemeClr val="lt1"/>
-                          </a:solidFill>
-                          <a:latin typeface="Calibri" panose="020F0502020204030204"/>
-                        </a:defRPr>
-                      </a:lvl9pPr>
-                    </a:lstStyle>
-                    <a:p>
-                      <a:pPr marL="0" marR="0" algn="ctr">
-                        <a:lnSpc>
-                          <a:spcPct val="107000"/>
-                        </a:lnSpc>
-                        <a:spcBef>
-                          <a:spcPts val="0"/>
-                        </a:spcBef>
-                        <a:spcAft>
-                          <a:spcPts val="0"/>
-                        </a:spcAft>
-                      </a:pPr>
-                      <a:r>
-                        <a:rPr lang="en-US" sz="800" dirty="0">
-                          <a:solidFill>
-                            <a:schemeClr val="tx1"/>
-                          </a:solidFill>
-                          <a:effectLst/>
-                        </a:rPr>
-                        <a:t>11:30 – 12:30</a:t>
-                      </a:r>
-                      <a:endParaRPr lang="en-US" sz="800" dirty="0">
-                        <a:solidFill>
-                          <a:schemeClr val="tx1"/>
-                        </a:solidFill>
-                        <a:effectLst/>
-                        <a:latin typeface="Calibri" panose="020F0502020204030204" pitchFamily="34" charset="0"/>
-                        <a:ea typeface="Calibri" panose="020F0502020204030204" pitchFamily="34" charset="0"/>
-                        <a:cs typeface="Times New Roman" panose="02020603050405020304" pitchFamily="18" charset="0"/>
-                      </a:endParaRPr>
-                    </a:p>
-                  </a:txBody>
-                  <a:tcPr marL="54769" marR="54769" marT="13811" marB="13811">
-                    <a:solidFill>
-                      <a:srgbClr val="FFC000"/>
-                    </a:solidFill>
-                  </a:tcPr>
-                </a:tc>
-                <a:tc>
-                  <a:txBody>
-                    <a:bodyPr/>
-                    <a:lstStyle>
-                      <a:lvl1pPr marL="0" algn="l" defTabSz="914400" rtl="0" eaLnBrk="1" latinLnBrk="0" hangingPunct="1">
-                        <a:defRPr sz="1800" kern="1200">
-                          <a:solidFill>
-                            <a:schemeClr val="dk1"/>
-                          </a:solidFill>
-                          <a:latin typeface="Calibri" panose="020F0502020204030204"/>
-                        </a:defRPr>
-                      </a:lvl1pPr>
-                      <a:lvl2pPr marL="457200" algn="l" defTabSz="914400" rtl="0" eaLnBrk="1" latinLnBrk="0" hangingPunct="1">
-                        <a:defRPr sz="1800" kern="1200">
-                          <a:solidFill>
-                            <a:schemeClr val="dk1"/>
-                          </a:solidFill>
-                          <a:latin typeface="Calibri" panose="020F0502020204030204"/>
-                        </a:defRPr>
-                      </a:lvl2pPr>
-                      <a:lvl3pPr marL="914400" algn="l" defTabSz="914400" rtl="0" eaLnBrk="1" latinLnBrk="0" hangingPunct="1">
-                        <a:defRPr sz="1800" kern="1200">
-                          <a:solidFill>
-                            <a:schemeClr val="dk1"/>
-                          </a:solidFill>
-                          <a:latin typeface="Calibri" panose="020F0502020204030204"/>
-                        </a:defRPr>
-                      </a:lvl3pPr>
-                      <a:lvl4pPr marL="1371600" algn="l" defTabSz="914400" rtl="0" eaLnBrk="1" latinLnBrk="0" hangingPunct="1">
-                        <a:defRPr sz="1800" kern="1200">
-                          <a:solidFill>
-                            <a:schemeClr val="dk1"/>
-                          </a:solidFill>
-                          <a:latin typeface="Calibri" panose="020F0502020204030204"/>
-                        </a:defRPr>
-                      </a:lvl4pPr>
-                      <a:lvl5pPr marL="1828800" algn="l" defTabSz="914400" rtl="0" eaLnBrk="1" latinLnBrk="0" hangingPunct="1">
-                        <a:defRPr sz="1800" kern="1200">
-                          <a:solidFill>
-                            <a:schemeClr val="dk1"/>
-                          </a:solidFill>
-                          <a:latin typeface="Calibri" panose="020F0502020204030204"/>
-                        </a:defRPr>
-                      </a:lvl5pPr>
-                      <a:lvl6pPr marL="2286000" algn="l" defTabSz="914400" rtl="0" eaLnBrk="1" latinLnBrk="0" hangingPunct="1">
-                        <a:defRPr sz="1800" kern="1200">
-                          <a:solidFill>
-                            <a:schemeClr val="dk1"/>
-                          </a:solidFill>
-                          <a:latin typeface="Calibri" panose="020F0502020204030204"/>
-                        </a:defRPr>
-                      </a:lvl6pPr>
-                      <a:lvl7pPr marL="2743200" algn="l" defTabSz="914400" rtl="0" eaLnBrk="1" latinLnBrk="0" hangingPunct="1">
-                        <a:defRPr sz="1800" kern="1200">
-                          <a:solidFill>
-                            <a:schemeClr val="dk1"/>
-                          </a:solidFill>
-                          <a:latin typeface="Calibri" panose="020F0502020204030204"/>
-                        </a:defRPr>
-                      </a:lvl7pPr>
-                      <a:lvl8pPr marL="3200400" algn="l" defTabSz="914400" rtl="0" eaLnBrk="1" latinLnBrk="0" hangingPunct="1">
-                        <a:defRPr sz="1800" kern="1200">
-                          <a:solidFill>
-                            <a:schemeClr val="dk1"/>
-                          </a:solidFill>
-                          <a:latin typeface="Calibri" panose="020F0502020204030204"/>
-                        </a:defRPr>
-                      </a:lvl8pPr>
-                      <a:lvl9pPr marL="3657600" algn="l" defTabSz="914400" rtl="0" eaLnBrk="1" latinLnBrk="0" hangingPunct="1">
-                        <a:defRPr sz="1800" kern="1200">
-                          <a:solidFill>
-                            <a:schemeClr val="dk1"/>
-                          </a:solidFill>
-                          <a:latin typeface="Calibri" panose="020F0502020204030204"/>
-                        </a:defRPr>
-                      </a:lvl9pPr>
-                    </a:lstStyle>
-                    <a:p>
-                      <a:pPr marL="0" marR="0" lvl="0" indent="0" algn="l" defTabSz="914400" rtl="0" eaLnBrk="1" fontAlgn="auto" latinLnBrk="0" hangingPunct="1">
-                        <a:lnSpc>
-                          <a:spcPct val="107000"/>
-                        </a:lnSpc>
-                        <a:spcBef>
-                          <a:spcPts val="0"/>
-                        </a:spcBef>
-                        <a:spcAft>
-                          <a:spcPts val="0"/>
-                        </a:spcAft>
-                        <a:buClrTx/>
-                        <a:buSzTx/>
-                        <a:buFontTx/>
-                        <a:buNone/>
-                        <a:tabLst/>
-                        <a:defRPr/>
-                      </a:pPr>
-                      <a:r>
-                        <a:rPr lang="en-US" sz="900" kern="1200" dirty="0">
-                          <a:effectLst/>
-                        </a:rPr>
-                        <a:t>Design Network Implementation</a:t>
-                      </a:r>
-                      <a:endParaRPr lang="en-US" sz="900" kern="1200" dirty="0">
-                        <a:solidFill>
-                          <a:schemeClr val="dk1"/>
-                        </a:solidFill>
-                        <a:effectLst/>
-                        <a:latin typeface="+mn-lt"/>
-                        <a:ea typeface="+mn-ea"/>
-                        <a:cs typeface="+mn-cs"/>
-                      </a:endParaRPr>
-                    </a:p>
-                  </a:txBody>
-                  <a:tcPr marL="54769" marR="54769" marT="13811" marB="13811"/>
-                </a:tc>
-                <a:tc>
-                  <a:txBody>
-                    <a:bodyPr/>
-                    <a:lstStyle/>
-                    <a:p>
-                      <a:pPr marL="0" marR="0" lvl="0" indent="0" algn="l" defTabSz="914400" rtl="0" eaLnBrk="1" fontAlgn="auto" latinLnBrk="0" hangingPunct="1">
-                        <a:lnSpc>
-                          <a:spcPct val="107000"/>
-                        </a:lnSpc>
-                        <a:spcBef>
-                          <a:spcPts val="0"/>
-                        </a:spcBef>
-                        <a:spcAft>
-                          <a:spcPts val="0"/>
-                        </a:spcAft>
-                        <a:buClrTx/>
-                        <a:buSzTx/>
-                        <a:buFontTx/>
-                        <a:buNone/>
-                        <a:tabLst/>
-                        <a:defRPr/>
-                      </a:pPr>
-                      <a:r>
-                        <a:rPr lang="en-US" sz="900" kern="1200" dirty="0">
-                          <a:solidFill>
-                            <a:schemeClr val="dk1"/>
-                          </a:solidFill>
-                          <a:effectLst/>
-                          <a:latin typeface="+mn-lt"/>
-                          <a:ea typeface="+mn-ea"/>
-                          <a:cs typeface="+mn-cs"/>
-                        </a:rPr>
-                        <a:t>Coach</a:t>
-                      </a:r>
-                    </a:p>
-                  </a:txBody>
-                  <a:tcPr marL="54769" marR="54769" marT="13811" marB="13811"/>
-                </a:tc>
-                <a:extLst>
-                  <a:ext uri="{0D108BD9-81ED-4DB2-BD59-A6C34878D82A}">
-                    <a16:rowId xmlns:a16="http://schemas.microsoft.com/office/drawing/2014/main" val="2253729830"/>
-                  </a:ext>
-                </a:extLst>
-              </a:tr>
-              <a:tr h="203938">
-                <a:tc>
-                  <a:txBody>
-                    <a:bodyPr/>
-                    <a:lstStyle>
-                      <a:lvl1pPr marL="0" algn="l" defTabSz="914400" rtl="0" eaLnBrk="1" latinLnBrk="0" hangingPunct="1">
-                        <a:defRPr sz="1800" b="1" kern="1200">
-                          <a:solidFill>
-                            <a:schemeClr val="lt1"/>
-                          </a:solidFill>
-                          <a:latin typeface="Calibri" panose="020F0502020204030204"/>
-                        </a:defRPr>
-                      </a:lvl1pPr>
-                      <a:lvl2pPr marL="457200" algn="l" defTabSz="914400" rtl="0" eaLnBrk="1" latinLnBrk="0" hangingPunct="1">
-                        <a:defRPr sz="1800" b="1" kern="1200">
-                          <a:solidFill>
-                            <a:schemeClr val="lt1"/>
-                          </a:solidFill>
-                          <a:latin typeface="Calibri" panose="020F0502020204030204"/>
-                        </a:defRPr>
-                      </a:lvl2pPr>
-                      <a:lvl3pPr marL="914400" algn="l" defTabSz="914400" rtl="0" eaLnBrk="1" latinLnBrk="0" hangingPunct="1">
-                        <a:defRPr sz="1800" b="1" kern="1200">
-                          <a:solidFill>
-                            <a:schemeClr val="lt1"/>
-                          </a:solidFill>
-                          <a:latin typeface="Calibri" panose="020F0502020204030204"/>
-                        </a:defRPr>
-                      </a:lvl3pPr>
-                      <a:lvl4pPr marL="1371600" algn="l" defTabSz="914400" rtl="0" eaLnBrk="1" latinLnBrk="0" hangingPunct="1">
-                        <a:defRPr sz="1800" b="1" kern="1200">
-                          <a:solidFill>
-                            <a:schemeClr val="lt1"/>
-                          </a:solidFill>
-                          <a:latin typeface="Calibri" panose="020F0502020204030204"/>
-                        </a:defRPr>
-                      </a:lvl4pPr>
-                      <a:lvl5pPr marL="1828800" algn="l" defTabSz="914400" rtl="0" eaLnBrk="1" latinLnBrk="0" hangingPunct="1">
-                        <a:defRPr sz="1800" b="1" kern="1200">
-                          <a:solidFill>
-                            <a:schemeClr val="lt1"/>
-                          </a:solidFill>
-                          <a:latin typeface="Calibri" panose="020F0502020204030204"/>
-                        </a:defRPr>
-                      </a:lvl5pPr>
-                      <a:lvl6pPr marL="2286000" algn="l" defTabSz="914400" rtl="0" eaLnBrk="1" latinLnBrk="0" hangingPunct="1">
-                        <a:defRPr sz="1800" b="1" kern="1200">
-                          <a:solidFill>
-                            <a:schemeClr val="lt1"/>
-                          </a:solidFill>
-                          <a:latin typeface="Calibri" panose="020F0502020204030204"/>
-                        </a:defRPr>
-                      </a:lvl6pPr>
-                      <a:lvl7pPr marL="2743200" algn="l" defTabSz="914400" rtl="0" eaLnBrk="1" latinLnBrk="0" hangingPunct="1">
-                        <a:defRPr sz="1800" b="1" kern="1200">
-                          <a:solidFill>
-                            <a:schemeClr val="lt1"/>
-                          </a:solidFill>
-                          <a:latin typeface="Calibri" panose="020F0502020204030204"/>
-                        </a:defRPr>
-                      </a:lvl7pPr>
-                      <a:lvl8pPr marL="3200400" algn="l" defTabSz="914400" rtl="0" eaLnBrk="1" latinLnBrk="0" hangingPunct="1">
-                        <a:defRPr sz="1800" b="1" kern="1200">
-                          <a:solidFill>
-                            <a:schemeClr val="lt1"/>
-                          </a:solidFill>
-                          <a:latin typeface="Calibri" panose="020F0502020204030204"/>
-                        </a:defRPr>
-                      </a:lvl8pPr>
-                      <a:lvl9pPr marL="3657600" algn="l" defTabSz="914400" rtl="0" eaLnBrk="1" latinLnBrk="0" hangingPunct="1">
-                        <a:defRPr sz="1800" b="1" kern="1200">
-                          <a:solidFill>
-                            <a:schemeClr val="lt1"/>
-                          </a:solidFill>
-                          <a:latin typeface="Calibri" panose="020F0502020204030204"/>
-                        </a:defRPr>
-                      </a:lvl9pPr>
-                    </a:lstStyle>
-                    <a:p>
-                      <a:pPr marL="0" marR="0" algn="ctr">
-                        <a:lnSpc>
-                          <a:spcPct val="107000"/>
-                        </a:lnSpc>
-                        <a:spcBef>
-                          <a:spcPts val="0"/>
-                        </a:spcBef>
-                        <a:spcAft>
-                          <a:spcPts val="0"/>
-                        </a:spcAft>
-                      </a:pPr>
-                      <a:r>
-                        <a:rPr lang="en-US" sz="800" dirty="0">
-                          <a:solidFill>
-                            <a:schemeClr val="tx1"/>
-                          </a:solidFill>
-                          <a:effectLst/>
-                        </a:rPr>
-                        <a:t>12:30 – 1:30</a:t>
-                      </a:r>
-                      <a:endParaRPr lang="en-US" sz="800" dirty="0">
-                        <a:solidFill>
-                          <a:schemeClr val="tx1"/>
-                        </a:solidFill>
-                        <a:effectLst/>
-                        <a:latin typeface="Calibri" panose="020F0502020204030204" pitchFamily="34" charset="0"/>
-                        <a:ea typeface="Calibri" panose="020F0502020204030204" pitchFamily="34" charset="0"/>
-                        <a:cs typeface="Times New Roman" panose="02020603050405020304" pitchFamily="18" charset="0"/>
-                      </a:endParaRPr>
-                    </a:p>
-                  </a:txBody>
-                  <a:tcPr marL="54769" marR="54769" marT="13811" marB="13811">
-                    <a:solidFill>
-                      <a:srgbClr val="FFC000"/>
-                    </a:solidFill>
-                  </a:tcPr>
-                </a:tc>
-                <a:tc gridSpan="2">
-                  <a:txBody>
-                    <a:bodyPr/>
-                    <a:lstStyle>
-                      <a:lvl1pPr marL="0" algn="l" defTabSz="914400" rtl="0" eaLnBrk="1" latinLnBrk="0" hangingPunct="1">
-                        <a:defRPr sz="1800" kern="1200">
-                          <a:solidFill>
-                            <a:schemeClr val="dk1"/>
-                          </a:solidFill>
-                          <a:latin typeface="Calibri" panose="020F0502020204030204"/>
-                        </a:defRPr>
-                      </a:lvl1pPr>
-                      <a:lvl2pPr marL="457200" algn="l" defTabSz="914400" rtl="0" eaLnBrk="1" latinLnBrk="0" hangingPunct="1">
-                        <a:defRPr sz="1800" kern="1200">
-                          <a:solidFill>
-                            <a:schemeClr val="dk1"/>
-                          </a:solidFill>
-                          <a:latin typeface="Calibri" panose="020F0502020204030204"/>
-                        </a:defRPr>
-                      </a:lvl2pPr>
-                      <a:lvl3pPr marL="914400" algn="l" defTabSz="914400" rtl="0" eaLnBrk="1" latinLnBrk="0" hangingPunct="1">
-                        <a:defRPr sz="1800" kern="1200">
-                          <a:solidFill>
-                            <a:schemeClr val="dk1"/>
-                          </a:solidFill>
-                          <a:latin typeface="Calibri" panose="020F0502020204030204"/>
-                        </a:defRPr>
-                      </a:lvl3pPr>
-                      <a:lvl4pPr marL="1371600" algn="l" defTabSz="914400" rtl="0" eaLnBrk="1" latinLnBrk="0" hangingPunct="1">
-                        <a:defRPr sz="1800" kern="1200">
-                          <a:solidFill>
-                            <a:schemeClr val="dk1"/>
-                          </a:solidFill>
-                          <a:latin typeface="Calibri" panose="020F0502020204030204"/>
-                        </a:defRPr>
-                      </a:lvl4pPr>
-                      <a:lvl5pPr marL="1828800" algn="l" defTabSz="914400" rtl="0" eaLnBrk="1" latinLnBrk="0" hangingPunct="1">
-                        <a:defRPr sz="1800" kern="1200">
-                          <a:solidFill>
-                            <a:schemeClr val="dk1"/>
-                          </a:solidFill>
-                          <a:latin typeface="Calibri" panose="020F0502020204030204"/>
-                        </a:defRPr>
-                      </a:lvl5pPr>
-                      <a:lvl6pPr marL="2286000" algn="l" defTabSz="914400" rtl="0" eaLnBrk="1" latinLnBrk="0" hangingPunct="1">
-                        <a:defRPr sz="1800" kern="1200">
-                          <a:solidFill>
-                            <a:schemeClr val="dk1"/>
-                          </a:solidFill>
-                          <a:latin typeface="Calibri" panose="020F0502020204030204"/>
-                        </a:defRPr>
-                      </a:lvl6pPr>
-                      <a:lvl7pPr marL="2743200" algn="l" defTabSz="914400" rtl="0" eaLnBrk="1" latinLnBrk="0" hangingPunct="1">
-                        <a:defRPr sz="1800" kern="1200">
-                          <a:solidFill>
-                            <a:schemeClr val="dk1"/>
-                          </a:solidFill>
-                          <a:latin typeface="Calibri" panose="020F0502020204030204"/>
-                        </a:defRPr>
-                      </a:lvl7pPr>
-                      <a:lvl8pPr marL="3200400" algn="l" defTabSz="914400" rtl="0" eaLnBrk="1" latinLnBrk="0" hangingPunct="1">
-                        <a:defRPr sz="1800" kern="1200">
-                          <a:solidFill>
-                            <a:schemeClr val="dk1"/>
-                          </a:solidFill>
-                          <a:latin typeface="Calibri" panose="020F0502020204030204"/>
-                        </a:defRPr>
-                      </a:lvl8pPr>
-                      <a:lvl9pPr marL="3657600" algn="l" defTabSz="914400" rtl="0" eaLnBrk="1" latinLnBrk="0" hangingPunct="1">
-                        <a:defRPr sz="1800" kern="1200">
-                          <a:solidFill>
-                            <a:schemeClr val="dk1"/>
-                          </a:solidFill>
-                          <a:latin typeface="Calibri" panose="020F0502020204030204"/>
-                        </a:defRPr>
-                      </a:lvl9pPr>
-                    </a:lstStyle>
-                    <a:p>
-                      <a:pPr marL="0" marR="0" algn="ctr" defTabSz="914400" rtl="0" eaLnBrk="1" latinLnBrk="0" hangingPunct="1">
-                        <a:lnSpc>
-                          <a:spcPct val="107000"/>
-                        </a:lnSpc>
-                        <a:spcBef>
-                          <a:spcPts val="0"/>
-                        </a:spcBef>
-                        <a:spcAft>
-                          <a:spcPts val="0"/>
-                        </a:spcAft>
-                      </a:pPr>
-                      <a:r>
-                        <a:rPr lang="en-US" sz="900" kern="1200" dirty="0">
-                          <a:effectLst/>
-                        </a:rPr>
-                        <a:t>Lunch &amp; Networking &amp; Labs</a:t>
-                      </a:r>
-                      <a:endParaRPr lang="en-US" sz="900" kern="1200" dirty="0">
-                        <a:solidFill>
-                          <a:schemeClr val="dk1"/>
-                        </a:solidFill>
-                        <a:effectLst/>
-                        <a:latin typeface="+mn-lt"/>
-                        <a:ea typeface="+mn-ea"/>
-                        <a:cs typeface="+mn-cs"/>
-                      </a:endParaRPr>
-                    </a:p>
-                  </a:txBody>
-                  <a:tcPr marL="54769" marR="54769" marT="13811" marB="13811">
-                    <a:solidFill>
-                      <a:srgbClr val="FFC000"/>
-                    </a:solidFill>
-                  </a:tcPr>
-                </a:tc>
-                <a:tc hMerge="1">
-                  <a:txBody>
-                    <a:bodyPr/>
-                    <a:lstStyle/>
-                    <a:p>
-                      <a:endParaRPr lang="en-US"/>
-                    </a:p>
-                  </a:txBody>
-                  <a:tcPr/>
-                </a:tc>
-                <a:extLst>
-                  <a:ext uri="{0D108BD9-81ED-4DB2-BD59-A6C34878D82A}">
-                    <a16:rowId xmlns:a16="http://schemas.microsoft.com/office/drawing/2014/main" val="2940681861"/>
-                  </a:ext>
-                </a:extLst>
-              </a:tr>
-              <a:tr h="200140">
-                <a:tc>
-                  <a:txBody>
-                    <a:bodyPr/>
-                    <a:lstStyle>
-                      <a:lvl1pPr marL="0" algn="l" defTabSz="914400" rtl="0" eaLnBrk="1" latinLnBrk="0" hangingPunct="1">
-                        <a:defRPr sz="1800" b="1" kern="1200">
-                          <a:solidFill>
-                            <a:schemeClr val="lt1"/>
-                          </a:solidFill>
-                          <a:latin typeface="Calibri" panose="020F0502020204030204"/>
-                        </a:defRPr>
-                      </a:lvl1pPr>
-                      <a:lvl2pPr marL="457200" algn="l" defTabSz="914400" rtl="0" eaLnBrk="1" latinLnBrk="0" hangingPunct="1">
-                        <a:defRPr sz="1800" b="1" kern="1200">
-                          <a:solidFill>
-                            <a:schemeClr val="lt1"/>
-                          </a:solidFill>
-                          <a:latin typeface="Calibri" panose="020F0502020204030204"/>
-                        </a:defRPr>
-                      </a:lvl2pPr>
-                      <a:lvl3pPr marL="914400" algn="l" defTabSz="914400" rtl="0" eaLnBrk="1" latinLnBrk="0" hangingPunct="1">
-                        <a:defRPr sz="1800" b="1" kern="1200">
-                          <a:solidFill>
-                            <a:schemeClr val="lt1"/>
-                          </a:solidFill>
-                          <a:latin typeface="Calibri" panose="020F0502020204030204"/>
-                        </a:defRPr>
-                      </a:lvl3pPr>
-                      <a:lvl4pPr marL="1371600" algn="l" defTabSz="914400" rtl="0" eaLnBrk="1" latinLnBrk="0" hangingPunct="1">
-                        <a:defRPr sz="1800" b="1" kern="1200">
-                          <a:solidFill>
-                            <a:schemeClr val="lt1"/>
-                          </a:solidFill>
-                          <a:latin typeface="Calibri" panose="020F0502020204030204"/>
-                        </a:defRPr>
-                      </a:lvl4pPr>
-                      <a:lvl5pPr marL="1828800" algn="l" defTabSz="914400" rtl="0" eaLnBrk="1" latinLnBrk="0" hangingPunct="1">
-                        <a:defRPr sz="1800" b="1" kern="1200">
-                          <a:solidFill>
-                            <a:schemeClr val="lt1"/>
-                          </a:solidFill>
-                          <a:latin typeface="Calibri" panose="020F0502020204030204"/>
-                        </a:defRPr>
-                      </a:lvl5pPr>
-                      <a:lvl6pPr marL="2286000" algn="l" defTabSz="914400" rtl="0" eaLnBrk="1" latinLnBrk="0" hangingPunct="1">
-                        <a:defRPr sz="1800" b="1" kern="1200">
-                          <a:solidFill>
-                            <a:schemeClr val="lt1"/>
-                          </a:solidFill>
-                          <a:latin typeface="Calibri" panose="020F0502020204030204"/>
-                        </a:defRPr>
-                      </a:lvl6pPr>
-                      <a:lvl7pPr marL="2743200" algn="l" defTabSz="914400" rtl="0" eaLnBrk="1" latinLnBrk="0" hangingPunct="1">
-                        <a:defRPr sz="1800" b="1" kern="1200">
-                          <a:solidFill>
-                            <a:schemeClr val="lt1"/>
-                          </a:solidFill>
-                          <a:latin typeface="Calibri" panose="020F0502020204030204"/>
-                        </a:defRPr>
-                      </a:lvl7pPr>
-                      <a:lvl8pPr marL="3200400" algn="l" defTabSz="914400" rtl="0" eaLnBrk="1" latinLnBrk="0" hangingPunct="1">
-                        <a:defRPr sz="1800" b="1" kern="1200">
-                          <a:solidFill>
-                            <a:schemeClr val="lt1"/>
-                          </a:solidFill>
-                          <a:latin typeface="Calibri" panose="020F0502020204030204"/>
-                        </a:defRPr>
-                      </a:lvl8pPr>
-                      <a:lvl9pPr marL="3657600" algn="l" defTabSz="914400" rtl="0" eaLnBrk="1" latinLnBrk="0" hangingPunct="1">
-                        <a:defRPr sz="1800" b="1" kern="1200">
-                          <a:solidFill>
-                            <a:schemeClr val="lt1"/>
-                          </a:solidFill>
-                          <a:latin typeface="Calibri" panose="020F0502020204030204"/>
-                        </a:defRPr>
-                      </a:lvl9pPr>
-                    </a:lstStyle>
-                    <a:p>
-                      <a:pPr marL="0" marR="0" algn="ctr">
-                        <a:lnSpc>
-                          <a:spcPct val="107000"/>
-                        </a:lnSpc>
-                        <a:spcBef>
-                          <a:spcPts val="0"/>
-                        </a:spcBef>
-                        <a:spcAft>
-                          <a:spcPts val="0"/>
-                        </a:spcAft>
-                      </a:pPr>
-                      <a:r>
-                        <a:rPr lang="en-US" sz="800" dirty="0">
-                          <a:solidFill>
-                            <a:schemeClr val="tx1"/>
-                          </a:solidFill>
-                          <a:effectLst/>
-                        </a:rPr>
-                        <a:t>1:30 – 2:45</a:t>
-                      </a:r>
-                      <a:endParaRPr lang="en-US" sz="800" dirty="0">
-                        <a:solidFill>
-                          <a:schemeClr val="tx1"/>
-                        </a:solidFill>
-                        <a:effectLst/>
-                        <a:latin typeface="Calibri" panose="020F0502020204030204" pitchFamily="34" charset="0"/>
-                        <a:ea typeface="Calibri" panose="020F0502020204030204" pitchFamily="34" charset="0"/>
-                        <a:cs typeface="Times New Roman" panose="02020603050405020304" pitchFamily="18" charset="0"/>
-                      </a:endParaRPr>
-                    </a:p>
-                  </a:txBody>
-                  <a:tcPr marL="54769" marR="54769" marT="13811" marB="13811">
-                    <a:solidFill>
-                      <a:srgbClr val="FFC000"/>
-                    </a:solidFill>
-                  </a:tcPr>
-                </a:tc>
-                <a:tc>
-                  <a:txBody>
-                    <a:bodyPr/>
-                    <a:lstStyle>
-                      <a:lvl1pPr marL="0" algn="l" defTabSz="914400" rtl="0" eaLnBrk="1" latinLnBrk="0" hangingPunct="1">
-                        <a:defRPr sz="1800" kern="1200">
-                          <a:solidFill>
-                            <a:schemeClr val="dk1"/>
-                          </a:solidFill>
-                          <a:latin typeface="Calibri" panose="020F0502020204030204"/>
-                        </a:defRPr>
-                      </a:lvl1pPr>
-                      <a:lvl2pPr marL="457200" algn="l" defTabSz="914400" rtl="0" eaLnBrk="1" latinLnBrk="0" hangingPunct="1">
-                        <a:defRPr sz="1800" kern="1200">
-                          <a:solidFill>
-                            <a:schemeClr val="dk1"/>
-                          </a:solidFill>
-                          <a:latin typeface="Calibri" panose="020F0502020204030204"/>
-                        </a:defRPr>
-                      </a:lvl2pPr>
-                      <a:lvl3pPr marL="914400" algn="l" defTabSz="914400" rtl="0" eaLnBrk="1" latinLnBrk="0" hangingPunct="1">
-                        <a:defRPr sz="1800" kern="1200">
-                          <a:solidFill>
-                            <a:schemeClr val="dk1"/>
-                          </a:solidFill>
-                          <a:latin typeface="Calibri" panose="020F0502020204030204"/>
-                        </a:defRPr>
-                      </a:lvl3pPr>
-                      <a:lvl4pPr marL="1371600" algn="l" defTabSz="914400" rtl="0" eaLnBrk="1" latinLnBrk="0" hangingPunct="1">
-                        <a:defRPr sz="1800" kern="1200">
-                          <a:solidFill>
-                            <a:schemeClr val="dk1"/>
-                          </a:solidFill>
-                          <a:latin typeface="Calibri" panose="020F0502020204030204"/>
-                        </a:defRPr>
-                      </a:lvl4pPr>
-                      <a:lvl5pPr marL="1828800" algn="l" defTabSz="914400" rtl="0" eaLnBrk="1" latinLnBrk="0" hangingPunct="1">
-                        <a:defRPr sz="1800" kern="1200">
-                          <a:solidFill>
-                            <a:schemeClr val="dk1"/>
-                          </a:solidFill>
-                          <a:latin typeface="Calibri" panose="020F0502020204030204"/>
-                        </a:defRPr>
-                      </a:lvl5pPr>
-                      <a:lvl6pPr marL="2286000" algn="l" defTabSz="914400" rtl="0" eaLnBrk="1" latinLnBrk="0" hangingPunct="1">
-                        <a:defRPr sz="1800" kern="1200">
-                          <a:solidFill>
-                            <a:schemeClr val="dk1"/>
-                          </a:solidFill>
-                          <a:latin typeface="Calibri" panose="020F0502020204030204"/>
-                        </a:defRPr>
-                      </a:lvl6pPr>
-                      <a:lvl7pPr marL="2743200" algn="l" defTabSz="914400" rtl="0" eaLnBrk="1" latinLnBrk="0" hangingPunct="1">
-                        <a:defRPr sz="1800" kern="1200">
-                          <a:solidFill>
-                            <a:schemeClr val="dk1"/>
-                          </a:solidFill>
-                          <a:latin typeface="Calibri" panose="020F0502020204030204"/>
-                        </a:defRPr>
-                      </a:lvl7pPr>
-                      <a:lvl8pPr marL="3200400" algn="l" defTabSz="914400" rtl="0" eaLnBrk="1" latinLnBrk="0" hangingPunct="1">
-                        <a:defRPr sz="1800" kern="1200">
-                          <a:solidFill>
-                            <a:schemeClr val="dk1"/>
-                          </a:solidFill>
-                          <a:latin typeface="Calibri" panose="020F0502020204030204"/>
-                        </a:defRPr>
-                      </a:lvl8pPr>
-                      <a:lvl9pPr marL="3657600" algn="l" defTabSz="914400" rtl="0" eaLnBrk="1" latinLnBrk="0" hangingPunct="1">
-                        <a:defRPr sz="1800" kern="1200">
-                          <a:solidFill>
-                            <a:schemeClr val="dk1"/>
-                          </a:solidFill>
-                          <a:latin typeface="Calibri" panose="020F0502020204030204"/>
-                        </a:defRPr>
-                      </a:lvl9pPr>
-                    </a:lstStyle>
-                    <a:p>
-                      <a:pPr marL="0" marR="0">
-                        <a:lnSpc>
-                          <a:spcPct val="107000"/>
-                        </a:lnSpc>
-                        <a:spcBef>
-                          <a:spcPts val="0"/>
-                        </a:spcBef>
-                        <a:spcAft>
-                          <a:spcPts val="0"/>
-                        </a:spcAft>
-                      </a:pPr>
-                      <a:r>
-                        <a:rPr lang="en-US" sz="900" kern="1200" dirty="0">
-                          <a:effectLst/>
-                        </a:rPr>
-                        <a:t>Design Compute Infrastructure</a:t>
-                      </a:r>
-                      <a:endParaRPr lang="en-US" sz="900" kern="1200" dirty="0">
-                        <a:solidFill>
-                          <a:schemeClr val="dk1"/>
-                        </a:solidFill>
-                        <a:effectLst/>
-                        <a:latin typeface="+mn-lt"/>
-                        <a:ea typeface="+mn-ea"/>
-                        <a:cs typeface="+mn-cs"/>
-                      </a:endParaRPr>
-                    </a:p>
-                  </a:txBody>
-                  <a:tcPr marL="54769" marR="54769" marT="13811" marB="13811"/>
-                </a:tc>
-                <a:tc>
-                  <a:txBody>
-                    <a:bodyPr/>
-                    <a:lstStyle/>
-                    <a:p>
-                      <a:pPr marL="0" marR="0">
-                        <a:lnSpc>
-                          <a:spcPct val="107000"/>
-                        </a:lnSpc>
-                        <a:spcBef>
-                          <a:spcPts val="0"/>
-                        </a:spcBef>
-                        <a:spcAft>
-                          <a:spcPts val="0"/>
-                        </a:spcAft>
-                      </a:pPr>
-                      <a:r>
-                        <a:rPr lang="en-US" sz="900" kern="1200" dirty="0">
-                          <a:effectLst/>
-                        </a:rPr>
-                        <a:t>Dan</a:t>
-                      </a:r>
-                      <a:endParaRPr lang="en-US" sz="900" kern="1200" dirty="0">
-                        <a:solidFill>
-                          <a:schemeClr val="dk1"/>
-                        </a:solidFill>
-                        <a:effectLst/>
-                        <a:latin typeface="+mn-lt"/>
-                        <a:ea typeface="+mn-ea"/>
-                        <a:cs typeface="+mn-cs"/>
-                      </a:endParaRPr>
-                    </a:p>
-                  </a:txBody>
-                  <a:tcPr marL="54769" marR="54769" marT="13811" marB="13811"/>
-                </a:tc>
-                <a:extLst>
-                  <a:ext uri="{0D108BD9-81ED-4DB2-BD59-A6C34878D82A}">
-                    <a16:rowId xmlns:a16="http://schemas.microsoft.com/office/drawing/2014/main" val="1245569522"/>
-                  </a:ext>
-                </a:extLst>
-              </a:tr>
-              <a:tr h="200140">
-                <a:tc>
-                  <a:txBody>
-                    <a:bodyPr/>
-                    <a:lstStyle>
-                      <a:lvl1pPr marL="0" algn="l" defTabSz="914400" rtl="0" eaLnBrk="1" latinLnBrk="0" hangingPunct="1">
-                        <a:defRPr sz="1800" b="1" kern="1200">
-                          <a:solidFill>
-                            <a:schemeClr val="lt1"/>
-                          </a:solidFill>
-                          <a:latin typeface="Calibri" panose="020F0502020204030204"/>
-                        </a:defRPr>
-                      </a:lvl1pPr>
-                      <a:lvl2pPr marL="457200" algn="l" defTabSz="914400" rtl="0" eaLnBrk="1" latinLnBrk="0" hangingPunct="1">
-                        <a:defRPr sz="1800" b="1" kern="1200">
-                          <a:solidFill>
-                            <a:schemeClr val="lt1"/>
-                          </a:solidFill>
-                          <a:latin typeface="Calibri" panose="020F0502020204030204"/>
-                        </a:defRPr>
-                      </a:lvl2pPr>
-                      <a:lvl3pPr marL="914400" algn="l" defTabSz="914400" rtl="0" eaLnBrk="1" latinLnBrk="0" hangingPunct="1">
-                        <a:defRPr sz="1800" b="1" kern="1200">
-                          <a:solidFill>
-                            <a:schemeClr val="lt1"/>
-                          </a:solidFill>
-                          <a:latin typeface="Calibri" panose="020F0502020204030204"/>
-                        </a:defRPr>
-                      </a:lvl3pPr>
-                      <a:lvl4pPr marL="1371600" algn="l" defTabSz="914400" rtl="0" eaLnBrk="1" latinLnBrk="0" hangingPunct="1">
-                        <a:defRPr sz="1800" b="1" kern="1200">
-                          <a:solidFill>
-                            <a:schemeClr val="lt1"/>
-                          </a:solidFill>
-                          <a:latin typeface="Calibri" panose="020F0502020204030204"/>
-                        </a:defRPr>
-                      </a:lvl4pPr>
-                      <a:lvl5pPr marL="1828800" algn="l" defTabSz="914400" rtl="0" eaLnBrk="1" latinLnBrk="0" hangingPunct="1">
-                        <a:defRPr sz="1800" b="1" kern="1200">
-                          <a:solidFill>
-                            <a:schemeClr val="lt1"/>
-                          </a:solidFill>
-                          <a:latin typeface="Calibri" panose="020F0502020204030204"/>
-                        </a:defRPr>
-                      </a:lvl5pPr>
-                      <a:lvl6pPr marL="2286000" algn="l" defTabSz="914400" rtl="0" eaLnBrk="1" latinLnBrk="0" hangingPunct="1">
-                        <a:defRPr sz="1800" b="1" kern="1200">
-                          <a:solidFill>
-                            <a:schemeClr val="lt1"/>
-                          </a:solidFill>
-                          <a:latin typeface="Calibri" panose="020F0502020204030204"/>
-                        </a:defRPr>
-                      </a:lvl6pPr>
-                      <a:lvl7pPr marL="2743200" algn="l" defTabSz="914400" rtl="0" eaLnBrk="1" latinLnBrk="0" hangingPunct="1">
-                        <a:defRPr sz="1800" b="1" kern="1200">
-                          <a:solidFill>
-                            <a:schemeClr val="lt1"/>
-                          </a:solidFill>
-                          <a:latin typeface="Calibri" panose="020F0502020204030204"/>
-                        </a:defRPr>
-                      </a:lvl7pPr>
-                      <a:lvl8pPr marL="3200400" algn="l" defTabSz="914400" rtl="0" eaLnBrk="1" latinLnBrk="0" hangingPunct="1">
-                        <a:defRPr sz="1800" b="1" kern="1200">
-                          <a:solidFill>
-                            <a:schemeClr val="lt1"/>
-                          </a:solidFill>
-                          <a:latin typeface="Calibri" panose="020F0502020204030204"/>
-                        </a:defRPr>
-                      </a:lvl8pPr>
-                      <a:lvl9pPr marL="3657600" algn="l" defTabSz="914400" rtl="0" eaLnBrk="1" latinLnBrk="0" hangingPunct="1">
-                        <a:defRPr sz="1800" b="1" kern="1200">
-                          <a:solidFill>
-                            <a:schemeClr val="lt1"/>
-                          </a:solidFill>
-                          <a:latin typeface="Calibri" panose="020F0502020204030204"/>
-                        </a:defRPr>
-                      </a:lvl9pPr>
-                    </a:lstStyle>
-                    <a:p>
-                      <a:pPr marL="0" marR="0" algn="ctr">
-                        <a:lnSpc>
-                          <a:spcPct val="107000"/>
-                        </a:lnSpc>
-                        <a:spcBef>
-                          <a:spcPts val="0"/>
-                        </a:spcBef>
-                        <a:spcAft>
-                          <a:spcPts val="0"/>
-                        </a:spcAft>
-                      </a:pPr>
-                      <a:r>
-                        <a:rPr lang="en-US" sz="800" dirty="0">
-                          <a:solidFill>
-                            <a:schemeClr val="tx1"/>
-                          </a:solidFill>
-                          <a:effectLst/>
-                        </a:rPr>
-                        <a:t>2:45 – 3:00</a:t>
-                      </a:r>
-                      <a:endParaRPr lang="en-US" sz="800" dirty="0">
-                        <a:solidFill>
-                          <a:schemeClr val="tx1"/>
-                        </a:solidFill>
-                        <a:effectLst/>
-                        <a:latin typeface="Calibri" panose="020F0502020204030204" pitchFamily="34" charset="0"/>
-                        <a:ea typeface="Calibri" panose="020F0502020204030204" pitchFamily="34" charset="0"/>
-                        <a:cs typeface="Times New Roman" panose="02020603050405020304" pitchFamily="18" charset="0"/>
-                      </a:endParaRPr>
-                    </a:p>
-                  </a:txBody>
-                  <a:tcPr marL="54769" marR="54769" marT="13811" marB="13811">
-                    <a:solidFill>
-                      <a:srgbClr val="FFC000"/>
-                    </a:solidFill>
-                  </a:tcPr>
-                </a:tc>
-                <a:tc gridSpan="2">
-                  <a:txBody>
-                    <a:bodyPr/>
-                    <a:lstStyle>
-                      <a:lvl1pPr marL="0" algn="l" defTabSz="914400" rtl="0" eaLnBrk="1" latinLnBrk="0" hangingPunct="1">
-                        <a:defRPr sz="1800" kern="1200">
-                          <a:solidFill>
-                            <a:schemeClr val="dk1"/>
-                          </a:solidFill>
-                          <a:latin typeface="Calibri" panose="020F0502020204030204"/>
-                        </a:defRPr>
-                      </a:lvl1pPr>
-                      <a:lvl2pPr marL="457200" algn="l" defTabSz="914400" rtl="0" eaLnBrk="1" latinLnBrk="0" hangingPunct="1">
-                        <a:defRPr sz="1800" kern="1200">
-                          <a:solidFill>
-                            <a:schemeClr val="dk1"/>
-                          </a:solidFill>
-                          <a:latin typeface="Calibri" panose="020F0502020204030204"/>
-                        </a:defRPr>
-                      </a:lvl2pPr>
-                      <a:lvl3pPr marL="914400" algn="l" defTabSz="914400" rtl="0" eaLnBrk="1" latinLnBrk="0" hangingPunct="1">
-                        <a:defRPr sz="1800" kern="1200">
-                          <a:solidFill>
-                            <a:schemeClr val="dk1"/>
-                          </a:solidFill>
-                          <a:latin typeface="Calibri" panose="020F0502020204030204"/>
-                        </a:defRPr>
-                      </a:lvl3pPr>
-                      <a:lvl4pPr marL="1371600" algn="l" defTabSz="914400" rtl="0" eaLnBrk="1" latinLnBrk="0" hangingPunct="1">
-                        <a:defRPr sz="1800" kern="1200">
-                          <a:solidFill>
-                            <a:schemeClr val="dk1"/>
-                          </a:solidFill>
-                          <a:latin typeface="Calibri" panose="020F0502020204030204"/>
-                        </a:defRPr>
-                      </a:lvl4pPr>
-                      <a:lvl5pPr marL="1828800" algn="l" defTabSz="914400" rtl="0" eaLnBrk="1" latinLnBrk="0" hangingPunct="1">
-                        <a:defRPr sz="1800" kern="1200">
-                          <a:solidFill>
-                            <a:schemeClr val="dk1"/>
-                          </a:solidFill>
-                          <a:latin typeface="Calibri" panose="020F0502020204030204"/>
-                        </a:defRPr>
-                      </a:lvl5pPr>
-                      <a:lvl6pPr marL="2286000" algn="l" defTabSz="914400" rtl="0" eaLnBrk="1" latinLnBrk="0" hangingPunct="1">
-                        <a:defRPr sz="1800" kern="1200">
-                          <a:solidFill>
-                            <a:schemeClr val="dk1"/>
-                          </a:solidFill>
-                          <a:latin typeface="Calibri" panose="020F0502020204030204"/>
-                        </a:defRPr>
-                      </a:lvl6pPr>
-                      <a:lvl7pPr marL="2743200" algn="l" defTabSz="914400" rtl="0" eaLnBrk="1" latinLnBrk="0" hangingPunct="1">
-                        <a:defRPr sz="1800" kern="1200">
-                          <a:solidFill>
-                            <a:schemeClr val="dk1"/>
-                          </a:solidFill>
-                          <a:latin typeface="Calibri" panose="020F0502020204030204"/>
-                        </a:defRPr>
-                      </a:lvl7pPr>
-                      <a:lvl8pPr marL="3200400" algn="l" defTabSz="914400" rtl="0" eaLnBrk="1" latinLnBrk="0" hangingPunct="1">
-                        <a:defRPr sz="1800" kern="1200">
-                          <a:solidFill>
-                            <a:schemeClr val="dk1"/>
-                          </a:solidFill>
-                          <a:latin typeface="Calibri" panose="020F0502020204030204"/>
-                        </a:defRPr>
-                      </a:lvl8pPr>
-                      <a:lvl9pPr marL="3657600" algn="l" defTabSz="914400" rtl="0" eaLnBrk="1" latinLnBrk="0" hangingPunct="1">
-                        <a:defRPr sz="1800" kern="1200">
-                          <a:solidFill>
-                            <a:schemeClr val="dk1"/>
-                          </a:solidFill>
-                          <a:latin typeface="Calibri" panose="020F0502020204030204"/>
-                        </a:defRPr>
-                      </a:lvl9pPr>
-                    </a:lstStyle>
-                    <a:p>
-                      <a:pPr marL="0" marR="0" algn="ctr">
-                        <a:lnSpc>
-                          <a:spcPct val="107000"/>
-                        </a:lnSpc>
-                        <a:spcBef>
-                          <a:spcPts val="0"/>
-                        </a:spcBef>
-                        <a:spcAft>
-                          <a:spcPts val="0"/>
-                        </a:spcAft>
-                      </a:pPr>
-                      <a:r>
-                        <a:rPr lang="en-US" sz="900" kern="1200" dirty="0">
-                          <a:effectLst/>
-                        </a:rPr>
-                        <a:t>Break &amp; Networking with Microsoft</a:t>
-                      </a:r>
-                      <a:endParaRPr lang="en-US" sz="900" kern="1200" dirty="0">
-                        <a:solidFill>
-                          <a:schemeClr val="dk1"/>
-                        </a:solidFill>
-                        <a:effectLst/>
-                        <a:latin typeface="+mn-lt"/>
-                        <a:ea typeface="+mn-ea"/>
-                        <a:cs typeface="+mn-cs"/>
-                      </a:endParaRPr>
-                    </a:p>
-                  </a:txBody>
-                  <a:tcPr marL="54769" marR="54769" marT="13811" marB="13811">
-                    <a:solidFill>
-                      <a:srgbClr val="FFC000"/>
-                    </a:solidFill>
-                  </a:tcPr>
-                </a:tc>
-                <a:tc hMerge="1">
-                  <a:txBody>
-                    <a:bodyPr/>
-                    <a:lstStyle/>
-                    <a:p>
-                      <a:endParaRPr lang="en-US"/>
-                    </a:p>
-                  </a:txBody>
-                  <a:tcPr/>
-                </a:tc>
-                <a:extLst>
-                  <a:ext uri="{0D108BD9-81ED-4DB2-BD59-A6C34878D82A}">
-                    <a16:rowId xmlns:a16="http://schemas.microsoft.com/office/drawing/2014/main" val="1147355969"/>
-                  </a:ext>
-                </a:extLst>
-              </a:tr>
-              <a:tr h="208169">
-                <a:tc>
-                  <a:txBody>
-                    <a:bodyPr/>
-                    <a:lstStyle>
-                      <a:lvl1pPr marL="0" algn="l" defTabSz="914400" rtl="0" eaLnBrk="1" latinLnBrk="0" hangingPunct="1">
-                        <a:defRPr sz="1800" b="1" kern="1200">
-                          <a:solidFill>
-                            <a:schemeClr val="lt1"/>
-                          </a:solidFill>
-                          <a:latin typeface="Calibri" panose="020F0502020204030204"/>
-                        </a:defRPr>
-                      </a:lvl1pPr>
-                      <a:lvl2pPr marL="457200" algn="l" defTabSz="914400" rtl="0" eaLnBrk="1" latinLnBrk="0" hangingPunct="1">
-                        <a:defRPr sz="1800" b="1" kern="1200">
-                          <a:solidFill>
-                            <a:schemeClr val="lt1"/>
-                          </a:solidFill>
-                          <a:latin typeface="Calibri" panose="020F0502020204030204"/>
-                        </a:defRPr>
-                      </a:lvl2pPr>
-                      <a:lvl3pPr marL="914400" algn="l" defTabSz="914400" rtl="0" eaLnBrk="1" latinLnBrk="0" hangingPunct="1">
-                        <a:defRPr sz="1800" b="1" kern="1200">
-                          <a:solidFill>
-                            <a:schemeClr val="lt1"/>
-                          </a:solidFill>
-                          <a:latin typeface="Calibri" panose="020F0502020204030204"/>
-                        </a:defRPr>
-                      </a:lvl3pPr>
-                      <a:lvl4pPr marL="1371600" algn="l" defTabSz="914400" rtl="0" eaLnBrk="1" latinLnBrk="0" hangingPunct="1">
-                        <a:defRPr sz="1800" b="1" kern="1200">
-                          <a:solidFill>
-                            <a:schemeClr val="lt1"/>
-                          </a:solidFill>
-                          <a:latin typeface="Calibri" panose="020F0502020204030204"/>
-                        </a:defRPr>
-                      </a:lvl4pPr>
-                      <a:lvl5pPr marL="1828800" algn="l" defTabSz="914400" rtl="0" eaLnBrk="1" latinLnBrk="0" hangingPunct="1">
-                        <a:defRPr sz="1800" b="1" kern="1200">
-                          <a:solidFill>
-                            <a:schemeClr val="lt1"/>
-                          </a:solidFill>
-                          <a:latin typeface="Calibri" panose="020F0502020204030204"/>
-                        </a:defRPr>
-                      </a:lvl5pPr>
-                      <a:lvl6pPr marL="2286000" algn="l" defTabSz="914400" rtl="0" eaLnBrk="1" latinLnBrk="0" hangingPunct="1">
-                        <a:defRPr sz="1800" b="1" kern="1200">
-                          <a:solidFill>
-                            <a:schemeClr val="lt1"/>
-                          </a:solidFill>
-                          <a:latin typeface="Calibri" panose="020F0502020204030204"/>
-                        </a:defRPr>
-                      </a:lvl6pPr>
-                      <a:lvl7pPr marL="2743200" algn="l" defTabSz="914400" rtl="0" eaLnBrk="1" latinLnBrk="0" hangingPunct="1">
-                        <a:defRPr sz="1800" b="1" kern="1200">
-                          <a:solidFill>
-                            <a:schemeClr val="lt1"/>
-                          </a:solidFill>
-                          <a:latin typeface="Calibri" panose="020F0502020204030204"/>
-                        </a:defRPr>
-                      </a:lvl7pPr>
-                      <a:lvl8pPr marL="3200400" algn="l" defTabSz="914400" rtl="0" eaLnBrk="1" latinLnBrk="0" hangingPunct="1">
-                        <a:defRPr sz="1800" b="1" kern="1200">
-                          <a:solidFill>
-                            <a:schemeClr val="lt1"/>
-                          </a:solidFill>
-                          <a:latin typeface="Calibri" panose="020F0502020204030204"/>
-                        </a:defRPr>
-                      </a:lvl8pPr>
-                      <a:lvl9pPr marL="3657600" algn="l" defTabSz="914400" rtl="0" eaLnBrk="1" latinLnBrk="0" hangingPunct="1">
-                        <a:defRPr sz="1800" b="1" kern="1200">
-                          <a:solidFill>
-                            <a:schemeClr val="lt1"/>
-                          </a:solidFill>
-                          <a:latin typeface="Calibri" panose="020F0502020204030204"/>
-                        </a:defRPr>
-                      </a:lvl9pPr>
-                    </a:lstStyle>
-                    <a:p>
-                      <a:pPr marL="0" marR="0" algn="ctr">
-                        <a:lnSpc>
-                          <a:spcPct val="107000"/>
-                        </a:lnSpc>
-                        <a:spcBef>
-                          <a:spcPts val="0"/>
-                        </a:spcBef>
-                        <a:spcAft>
-                          <a:spcPts val="0"/>
-                        </a:spcAft>
-                      </a:pPr>
-                      <a:r>
-                        <a:rPr lang="en-US" sz="800" dirty="0">
-                          <a:solidFill>
-                            <a:schemeClr val="tx1"/>
-                          </a:solidFill>
-                          <a:effectLst/>
-                        </a:rPr>
-                        <a:t>3:00 – 3:45</a:t>
-                      </a:r>
-                      <a:endParaRPr lang="en-US" sz="800" dirty="0">
-                        <a:solidFill>
-                          <a:schemeClr val="tx1"/>
-                        </a:solidFill>
-                        <a:effectLst/>
-                        <a:latin typeface="Calibri" panose="020F0502020204030204" pitchFamily="34" charset="0"/>
-                        <a:ea typeface="Calibri" panose="020F0502020204030204" pitchFamily="34" charset="0"/>
-                        <a:cs typeface="Times New Roman" panose="02020603050405020304" pitchFamily="18" charset="0"/>
-                      </a:endParaRPr>
-                    </a:p>
-                  </a:txBody>
-                  <a:tcPr marL="54769" marR="54769" marT="13811" marB="13811">
-                    <a:solidFill>
-                      <a:srgbClr val="FFC000"/>
-                    </a:solidFill>
-                  </a:tcPr>
-                </a:tc>
-                <a:tc>
-                  <a:txBody>
-                    <a:bodyPr/>
-                    <a:lstStyle>
-                      <a:lvl1pPr marL="0" algn="l" defTabSz="914400" rtl="0" eaLnBrk="1" latinLnBrk="0" hangingPunct="1">
-                        <a:defRPr sz="1800" kern="1200">
-                          <a:solidFill>
-                            <a:schemeClr val="dk1"/>
-                          </a:solidFill>
-                          <a:latin typeface="Calibri" panose="020F0502020204030204"/>
-                        </a:defRPr>
-                      </a:lvl1pPr>
-                      <a:lvl2pPr marL="457200" algn="l" defTabSz="914400" rtl="0" eaLnBrk="1" latinLnBrk="0" hangingPunct="1">
-                        <a:defRPr sz="1800" kern="1200">
-                          <a:solidFill>
-                            <a:schemeClr val="dk1"/>
-                          </a:solidFill>
-                          <a:latin typeface="Calibri" panose="020F0502020204030204"/>
-                        </a:defRPr>
-                      </a:lvl2pPr>
-                      <a:lvl3pPr marL="914400" algn="l" defTabSz="914400" rtl="0" eaLnBrk="1" latinLnBrk="0" hangingPunct="1">
-                        <a:defRPr sz="1800" kern="1200">
-                          <a:solidFill>
-                            <a:schemeClr val="dk1"/>
-                          </a:solidFill>
-                          <a:latin typeface="Calibri" panose="020F0502020204030204"/>
-                        </a:defRPr>
-                      </a:lvl3pPr>
-                      <a:lvl4pPr marL="1371600" algn="l" defTabSz="914400" rtl="0" eaLnBrk="1" latinLnBrk="0" hangingPunct="1">
-                        <a:defRPr sz="1800" kern="1200">
-                          <a:solidFill>
-                            <a:schemeClr val="dk1"/>
-                          </a:solidFill>
-                          <a:latin typeface="Calibri" panose="020F0502020204030204"/>
-                        </a:defRPr>
-                      </a:lvl4pPr>
-                      <a:lvl5pPr marL="1828800" algn="l" defTabSz="914400" rtl="0" eaLnBrk="1" latinLnBrk="0" hangingPunct="1">
-                        <a:defRPr sz="1800" kern="1200">
-                          <a:solidFill>
-                            <a:schemeClr val="dk1"/>
-                          </a:solidFill>
-                          <a:latin typeface="Calibri" panose="020F0502020204030204"/>
-                        </a:defRPr>
-                      </a:lvl5pPr>
-                      <a:lvl6pPr marL="2286000" algn="l" defTabSz="914400" rtl="0" eaLnBrk="1" latinLnBrk="0" hangingPunct="1">
-                        <a:defRPr sz="1800" kern="1200">
-                          <a:solidFill>
-                            <a:schemeClr val="dk1"/>
-                          </a:solidFill>
-                          <a:latin typeface="Calibri" panose="020F0502020204030204"/>
-                        </a:defRPr>
-                      </a:lvl6pPr>
-                      <a:lvl7pPr marL="2743200" algn="l" defTabSz="914400" rtl="0" eaLnBrk="1" latinLnBrk="0" hangingPunct="1">
-                        <a:defRPr sz="1800" kern="1200">
-                          <a:solidFill>
-                            <a:schemeClr val="dk1"/>
-                          </a:solidFill>
-                          <a:latin typeface="Calibri" panose="020F0502020204030204"/>
-                        </a:defRPr>
-                      </a:lvl7pPr>
-                      <a:lvl8pPr marL="3200400" algn="l" defTabSz="914400" rtl="0" eaLnBrk="1" latinLnBrk="0" hangingPunct="1">
-                        <a:defRPr sz="1800" kern="1200">
-                          <a:solidFill>
-                            <a:schemeClr val="dk1"/>
-                          </a:solidFill>
-                          <a:latin typeface="Calibri" panose="020F0502020204030204"/>
-                        </a:defRPr>
-                      </a:lvl8pPr>
-                      <a:lvl9pPr marL="3657600" algn="l" defTabSz="914400" rtl="0" eaLnBrk="1" latinLnBrk="0" hangingPunct="1">
-                        <a:defRPr sz="1800" kern="1200">
-                          <a:solidFill>
-                            <a:schemeClr val="dk1"/>
-                          </a:solidFill>
-                          <a:latin typeface="Calibri" panose="020F0502020204030204"/>
-                        </a:defRPr>
-                      </a:lvl9pPr>
-                    </a:lstStyle>
-                    <a:p>
-                      <a:pPr marL="0" marR="0" lvl="0" indent="0" algn="l" defTabSz="914400" rtl="0" eaLnBrk="1" fontAlgn="auto" latinLnBrk="0" hangingPunct="1">
-                        <a:lnSpc>
-                          <a:spcPct val="107000"/>
-                        </a:lnSpc>
-                        <a:spcBef>
-                          <a:spcPts val="0"/>
-                        </a:spcBef>
-                        <a:spcAft>
-                          <a:spcPts val="0"/>
-                        </a:spcAft>
-                        <a:buClrTx/>
-                        <a:buSzTx/>
-                        <a:buFontTx/>
-                        <a:buNone/>
-                        <a:tabLst/>
-                        <a:defRPr/>
-                      </a:pPr>
-                      <a:r>
-                        <a:rPr lang="en-US" sz="900" kern="1200" dirty="0">
-                          <a:effectLst/>
-                        </a:rPr>
-                        <a:t>Design Security &amp; Identity Solutions</a:t>
-                      </a:r>
-                      <a:endParaRPr lang="en-US" sz="900" kern="1200" dirty="0">
-                        <a:solidFill>
-                          <a:schemeClr val="dk1"/>
-                        </a:solidFill>
-                        <a:effectLst/>
-                        <a:latin typeface="+mn-lt"/>
-                        <a:ea typeface="+mn-ea"/>
-                        <a:cs typeface="+mn-cs"/>
-                      </a:endParaRPr>
-                    </a:p>
-                  </a:txBody>
-                  <a:tcPr marL="54769" marR="54769" marT="13811" marB="13811"/>
-                </a:tc>
-                <a:tc>
-                  <a:txBody>
-                    <a:bodyPr/>
-                    <a:lstStyle/>
-                    <a:p>
-                      <a:pPr marL="0" marR="0" lvl="0" indent="0" algn="l" defTabSz="914400" rtl="0" eaLnBrk="1" fontAlgn="auto" latinLnBrk="0" hangingPunct="1">
-                        <a:lnSpc>
-                          <a:spcPct val="107000"/>
-                        </a:lnSpc>
-                        <a:spcBef>
-                          <a:spcPts val="0"/>
-                        </a:spcBef>
-                        <a:spcAft>
-                          <a:spcPts val="0"/>
-                        </a:spcAft>
-                        <a:buClrTx/>
-                        <a:buSzTx/>
-                        <a:buFontTx/>
-                        <a:buNone/>
-                        <a:tabLst/>
-                        <a:defRPr/>
-                      </a:pPr>
-                      <a:r>
-                        <a:rPr lang="en-US" sz="900" kern="1200" dirty="0">
-                          <a:effectLst/>
-                        </a:rPr>
-                        <a:t>Coach</a:t>
-                      </a:r>
-                      <a:endParaRPr lang="en-US" sz="900" kern="1200" dirty="0">
-                        <a:solidFill>
-                          <a:schemeClr val="dk1"/>
-                        </a:solidFill>
-                        <a:effectLst/>
-                        <a:latin typeface="+mn-lt"/>
-                        <a:ea typeface="+mn-ea"/>
-                        <a:cs typeface="+mn-cs"/>
-                      </a:endParaRPr>
-                    </a:p>
-                  </a:txBody>
-                  <a:tcPr marL="54769" marR="54769" marT="13811" marB="13811"/>
-                </a:tc>
-                <a:extLst>
-                  <a:ext uri="{0D108BD9-81ED-4DB2-BD59-A6C34878D82A}">
-                    <a16:rowId xmlns:a16="http://schemas.microsoft.com/office/drawing/2014/main" val="966923279"/>
-                  </a:ext>
-                </a:extLst>
-              </a:tr>
-              <a:tr h="382096">
-                <a:tc>
-                  <a:txBody>
-                    <a:bodyPr/>
-                    <a:lstStyle>
-                      <a:lvl1pPr marL="0" algn="l" defTabSz="914400" rtl="0" eaLnBrk="1" latinLnBrk="0" hangingPunct="1">
-                        <a:defRPr sz="1800" b="1" kern="1200">
-                          <a:solidFill>
-                            <a:schemeClr val="lt1"/>
-                          </a:solidFill>
-                          <a:latin typeface="Calibri" panose="020F0502020204030204"/>
-                        </a:defRPr>
-                      </a:lvl1pPr>
-                      <a:lvl2pPr marL="457200" algn="l" defTabSz="914400" rtl="0" eaLnBrk="1" latinLnBrk="0" hangingPunct="1">
-                        <a:defRPr sz="1800" b="1" kern="1200">
-                          <a:solidFill>
-                            <a:schemeClr val="lt1"/>
-                          </a:solidFill>
-                          <a:latin typeface="Calibri" panose="020F0502020204030204"/>
-                        </a:defRPr>
-                      </a:lvl2pPr>
-                      <a:lvl3pPr marL="914400" algn="l" defTabSz="914400" rtl="0" eaLnBrk="1" latinLnBrk="0" hangingPunct="1">
-                        <a:defRPr sz="1800" b="1" kern="1200">
-                          <a:solidFill>
-                            <a:schemeClr val="lt1"/>
-                          </a:solidFill>
-                          <a:latin typeface="Calibri" panose="020F0502020204030204"/>
-                        </a:defRPr>
-                      </a:lvl3pPr>
-                      <a:lvl4pPr marL="1371600" algn="l" defTabSz="914400" rtl="0" eaLnBrk="1" latinLnBrk="0" hangingPunct="1">
-                        <a:defRPr sz="1800" b="1" kern="1200">
-                          <a:solidFill>
-                            <a:schemeClr val="lt1"/>
-                          </a:solidFill>
-                          <a:latin typeface="Calibri" panose="020F0502020204030204"/>
-                        </a:defRPr>
-                      </a:lvl4pPr>
-                      <a:lvl5pPr marL="1828800" algn="l" defTabSz="914400" rtl="0" eaLnBrk="1" latinLnBrk="0" hangingPunct="1">
-                        <a:defRPr sz="1800" b="1" kern="1200">
-                          <a:solidFill>
-                            <a:schemeClr val="lt1"/>
-                          </a:solidFill>
-                          <a:latin typeface="Calibri" panose="020F0502020204030204"/>
-                        </a:defRPr>
-                      </a:lvl5pPr>
-                      <a:lvl6pPr marL="2286000" algn="l" defTabSz="914400" rtl="0" eaLnBrk="1" latinLnBrk="0" hangingPunct="1">
-                        <a:defRPr sz="1800" b="1" kern="1200">
-                          <a:solidFill>
-                            <a:schemeClr val="lt1"/>
-                          </a:solidFill>
-                          <a:latin typeface="Calibri" panose="020F0502020204030204"/>
-                        </a:defRPr>
-                      </a:lvl6pPr>
-                      <a:lvl7pPr marL="2743200" algn="l" defTabSz="914400" rtl="0" eaLnBrk="1" latinLnBrk="0" hangingPunct="1">
-                        <a:defRPr sz="1800" b="1" kern="1200">
-                          <a:solidFill>
-                            <a:schemeClr val="lt1"/>
-                          </a:solidFill>
-                          <a:latin typeface="Calibri" panose="020F0502020204030204"/>
-                        </a:defRPr>
-                      </a:lvl7pPr>
-                      <a:lvl8pPr marL="3200400" algn="l" defTabSz="914400" rtl="0" eaLnBrk="1" latinLnBrk="0" hangingPunct="1">
-                        <a:defRPr sz="1800" b="1" kern="1200">
-                          <a:solidFill>
-                            <a:schemeClr val="lt1"/>
-                          </a:solidFill>
-                          <a:latin typeface="Calibri" panose="020F0502020204030204"/>
-                        </a:defRPr>
-                      </a:lvl8pPr>
-                      <a:lvl9pPr marL="3657600" algn="l" defTabSz="914400" rtl="0" eaLnBrk="1" latinLnBrk="0" hangingPunct="1">
-                        <a:defRPr sz="1800" b="1" kern="1200">
-                          <a:solidFill>
-                            <a:schemeClr val="lt1"/>
-                          </a:solidFill>
-                          <a:latin typeface="Calibri" panose="020F0502020204030204"/>
-                        </a:defRPr>
-                      </a:lvl9pPr>
-                    </a:lstStyle>
-                    <a:p>
-                      <a:pPr marL="0" marR="0" algn="ctr">
-                        <a:lnSpc>
-                          <a:spcPct val="107000"/>
-                        </a:lnSpc>
-                        <a:spcBef>
-                          <a:spcPts val="0"/>
-                        </a:spcBef>
-                        <a:spcAft>
-                          <a:spcPts val="0"/>
-                        </a:spcAft>
-                      </a:pPr>
-                      <a:r>
-                        <a:rPr lang="en-US" sz="800" dirty="0">
-                          <a:solidFill>
-                            <a:schemeClr val="tx1"/>
-                          </a:solidFill>
-                          <a:effectLst/>
-                        </a:rPr>
-                        <a:t>3:45 – 5:00</a:t>
-                      </a:r>
-                      <a:endParaRPr lang="en-US" sz="800" dirty="0">
-                        <a:solidFill>
-                          <a:schemeClr val="tx1"/>
-                        </a:solidFill>
-                        <a:effectLst/>
-                        <a:latin typeface="Calibri" panose="020F0502020204030204" pitchFamily="34" charset="0"/>
-                        <a:ea typeface="Calibri" panose="020F0502020204030204" pitchFamily="34" charset="0"/>
-                        <a:cs typeface="Times New Roman" panose="02020603050405020304" pitchFamily="18" charset="0"/>
-                      </a:endParaRPr>
-                    </a:p>
-                  </a:txBody>
-                  <a:tcPr marL="54769" marR="54769" marT="13811" marB="13811">
-                    <a:solidFill>
-                      <a:srgbClr val="FFC000"/>
-                    </a:solidFill>
-                  </a:tcPr>
-                </a:tc>
-                <a:tc>
-                  <a:txBody>
-                    <a:bodyPr/>
-                    <a:lstStyle>
-                      <a:lvl1pPr marL="0" algn="l" defTabSz="914400" rtl="0" eaLnBrk="1" latinLnBrk="0" hangingPunct="1">
-                        <a:defRPr sz="1800" kern="1200">
-                          <a:solidFill>
-                            <a:schemeClr val="dk1"/>
-                          </a:solidFill>
-                          <a:latin typeface="Calibri" panose="020F0502020204030204"/>
-                        </a:defRPr>
-                      </a:lvl1pPr>
-                      <a:lvl2pPr marL="457200" algn="l" defTabSz="914400" rtl="0" eaLnBrk="1" latinLnBrk="0" hangingPunct="1">
-                        <a:defRPr sz="1800" kern="1200">
-                          <a:solidFill>
-                            <a:schemeClr val="dk1"/>
-                          </a:solidFill>
-                          <a:latin typeface="Calibri" panose="020F0502020204030204"/>
-                        </a:defRPr>
-                      </a:lvl2pPr>
-                      <a:lvl3pPr marL="914400" algn="l" defTabSz="914400" rtl="0" eaLnBrk="1" latinLnBrk="0" hangingPunct="1">
-                        <a:defRPr sz="1800" kern="1200">
-                          <a:solidFill>
-                            <a:schemeClr val="dk1"/>
-                          </a:solidFill>
-                          <a:latin typeface="Calibri" panose="020F0502020204030204"/>
-                        </a:defRPr>
-                      </a:lvl3pPr>
-                      <a:lvl4pPr marL="1371600" algn="l" defTabSz="914400" rtl="0" eaLnBrk="1" latinLnBrk="0" hangingPunct="1">
-                        <a:defRPr sz="1800" kern="1200">
-                          <a:solidFill>
-                            <a:schemeClr val="dk1"/>
-                          </a:solidFill>
-                          <a:latin typeface="Calibri" panose="020F0502020204030204"/>
-                        </a:defRPr>
-                      </a:lvl4pPr>
-                      <a:lvl5pPr marL="1828800" algn="l" defTabSz="914400" rtl="0" eaLnBrk="1" latinLnBrk="0" hangingPunct="1">
-                        <a:defRPr sz="1800" kern="1200">
-                          <a:solidFill>
-                            <a:schemeClr val="dk1"/>
-                          </a:solidFill>
-                          <a:latin typeface="Calibri" panose="020F0502020204030204"/>
-                        </a:defRPr>
-                      </a:lvl5pPr>
-                      <a:lvl6pPr marL="2286000" algn="l" defTabSz="914400" rtl="0" eaLnBrk="1" latinLnBrk="0" hangingPunct="1">
-                        <a:defRPr sz="1800" kern="1200">
-                          <a:solidFill>
-                            <a:schemeClr val="dk1"/>
-                          </a:solidFill>
-                          <a:latin typeface="Calibri" panose="020F0502020204030204"/>
-                        </a:defRPr>
-                      </a:lvl6pPr>
-                      <a:lvl7pPr marL="2743200" algn="l" defTabSz="914400" rtl="0" eaLnBrk="1" latinLnBrk="0" hangingPunct="1">
-                        <a:defRPr sz="1800" kern="1200">
-                          <a:solidFill>
-                            <a:schemeClr val="dk1"/>
-                          </a:solidFill>
-                          <a:latin typeface="Calibri" panose="020F0502020204030204"/>
-                        </a:defRPr>
-                      </a:lvl7pPr>
-                      <a:lvl8pPr marL="3200400" algn="l" defTabSz="914400" rtl="0" eaLnBrk="1" latinLnBrk="0" hangingPunct="1">
-                        <a:defRPr sz="1800" kern="1200">
-                          <a:solidFill>
-                            <a:schemeClr val="dk1"/>
-                          </a:solidFill>
-                          <a:latin typeface="Calibri" panose="020F0502020204030204"/>
-                        </a:defRPr>
-                      </a:lvl8pPr>
-                      <a:lvl9pPr marL="3657600" algn="l" defTabSz="914400" rtl="0" eaLnBrk="1" latinLnBrk="0" hangingPunct="1">
-                        <a:defRPr sz="1800" kern="1200">
-                          <a:solidFill>
-                            <a:schemeClr val="dk1"/>
-                          </a:solidFill>
-                          <a:latin typeface="Calibri" panose="020F0502020204030204"/>
-                        </a:defRPr>
-                      </a:lvl9pPr>
-                    </a:lstStyle>
-                    <a:p>
-                      <a:pPr marL="0" marR="0">
-                        <a:lnSpc>
-                          <a:spcPct val="107000"/>
-                        </a:lnSpc>
-                        <a:spcBef>
-                          <a:spcPts val="0"/>
-                        </a:spcBef>
-                        <a:spcAft>
-                          <a:spcPts val="0"/>
-                        </a:spcAft>
-                      </a:pPr>
-                      <a:r>
-                        <a:rPr lang="en-US" sz="900" kern="1200" dirty="0">
-                          <a:effectLst/>
-                        </a:rPr>
-                        <a:t>Making it Real with Practical Application – Brainstorming &amp; Labs</a:t>
-                      </a:r>
-                      <a:endParaRPr lang="en-US" sz="900" kern="1200" dirty="0">
-                        <a:solidFill>
-                          <a:schemeClr val="dk1"/>
-                        </a:solidFill>
-                        <a:effectLst/>
-                        <a:latin typeface="+mn-lt"/>
-                        <a:ea typeface="+mn-ea"/>
-                        <a:cs typeface="+mn-cs"/>
-                      </a:endParaRPr>
-                    </a:p>
-                  </a:txBody>
-                  <a:tcPr marL="54769" marR="54769" marT="13811" marB="13811">
-                    <a:solidFill>
-                      <a:srgbClr val="92D050"/>
-                    </a:solidFill>
-                  </a:tcPr>
-                </a:tc>
-                <a:tc>
-                  <a:txBody>
-                    <a:bodyPr/>
-                    <a:lstStyle/>
-                    <a:p>
-                      <a:pPr marL="0" marR="0">
-                        <a:lnSpc>
-                          <a:spcPct val="107000"/>
-                        </a:lnSpc>
-                        <a:spcBef>
-                          <a:spcPts val="0"/>
-                        </a:spcBef>
-                        <a:spcAft>
-                          <a:spcPts val="0"/>
-                        </a:spcAft>
-                      </a:pPr>
-                      <a:r>
-                        <a:rPr lang="en-US" sz="900" kern="1200" dirty="0">
-                          <a:effectLst/>
-                        </a:rPr>
-                        <a:t>Dan, Coach, Patrick, Others</a:t>
-                      </a:r>
-                      <a:endParaRPr lang="en-US" sz="900" kern="1200" dirty="0">
-                        <a:solidFill>
-                          <a:schemeClr val="dk1"/>
-                        </a:solidFill>
-                        <a:effectLst/>
-                        <a:latin typeface="+mn-lt"/>
-                        <a:ea typeface="+mn-ea"/>
-                        <a:cs typeface="+mn-cs"/>
-                      </a:endParaRPr>
-                    </a:p>
-                  </a:txBody>
-                  <a:tcPr marL="54769" marR="54769" marT="13811" marB="13811"/>
-                </a:tc>
-                <a:extLst>
-                  <a:ext uri="{0D108BD9-81ED-4DB2-BD59-A6C34878D82A}">
-                    <a16:rowId xmlns:a16="http://schemas.microsoft.com/office/drawing/2014/main" val="2351582022"/>
-                  </a:ext>
-                </a:extLst>
-              </a:tr>
-            </a:tbl>
-          </a:graphicData>
-        </a:graphic>
-      </p:graphicFrame>
-      <p:sp>
-        <p:nvSpPr>
-          <p:cNvPr id="9" name="Rectangle 3">
-            <a:extLst>
-              <a:ext uri="{FF2B5EF4-FFF2-40B4-BE49-F238E27FC236}">
-                <a16:creationId xmlns:a16="http://schemas.microsoft.com/office/drawing/2014/main" id="{22807FEE-3114-49FA-954E-D217EC6E3D05}"/>
+                <a16:creationId xmlns:a16="http://schemas.microsoft.com/office/drawing/2014/main" id="{B845847F-EDDE-4C9F-B995-15A2FDE0FFE9}"/>
               </a:ext>
             </a:extLst>
           </p:cNvPr>
           <p:cNvSpPr>
-            <a:spLocks noChangeArrowheads="1"/>
+            <a:spLocks noGrp="1"/>
           </p:cNvSpPr>
-          <p:nvPr/>
-        </p:nvSpPr>
-        <p:spPr bwMode="auto">
-          <a:xfrm>
-            <a:off x="874069" y="1138937"/>
-            <a:ext cx="4195379" cy="911734"/>
-          </a:xfrm>
-          <a:prstGeom prst="rect">
-            <a:avLst/>
-          </a:prstGeom>
-          <a:noFill/>
-          <a:ln>
-            <a:noFill/>
-          </a:ln>
-          <a:effectLst/>
-          <a:extLst>
-            <a:ext uri="{909E8E84-426E-40DD-AFC4-6F175D3DCCD1}">
-              <a14:hiddenFill xmlns:a14="http://schemas.microsoft.com/office/drawing/2010/main">
-                <a:solidFill>
-                  <a:schemeClr val="accent1"/>
-                </a:solidFill>
-              </a14:hiddenFill>
-            </a:ext>
-            <a:ext uri="{91240B29-F687-4F45-9708-019B960494DF}">
-              <a14:hiddenLine xmlns:a14="http://schemas.microsoft.com/office/drawing/2010/main" w="9525">
-                <a:solidFill>
-                  <a:schemeClr val="tx1"/>
-                </a:solidFill>
-                <a:miter lim="800000"/>
-                <a:headEnd/>
-                <a:tailEnd/>
-              </a14:hiddenLine>
-            </a:ext>
-            <a:ext uri="{AF507438-7753-43E0-B8FC-AC1667EBCBE1}">
-              <a14:hiddenEffects xmlns:a14="http://schemas.microsoft.com/office/drawing/2010/main">
-                <a:effectLst>
-                  <a:outerShdw dist="35921" dir="2700000" algn="ctr" rotWithShape="0">
-                    <a:schemeClr val="bg2"/>
-                  </a:outerShdw>
-                </a:effectLst>
-              </a14:hiddenEffects>
-            </a:ext>
-          </a:extLst>
-        </p:spPr>
-        <p:txBody>
-          <a:bodyPr vert="horz" wrap="none" lIns="0" tIns="171396" rIns="0" bIns="0" numCol="1" anchor="ctr" anchorCtr="0" compatLnSpc="1">
-            <a:prstTxWarp prst="textNoShape">
-              <a:avLst/>
-            </a:prstTxWarp>
-            <a:spAutoFit/>
-          </a:bodyPr>
+          <p:nvPr>
+            <p:ph type="body" sz="quarter" idx="11"/>
+          </p:nvPr>
+        </p:nvSpPr>
+        <p:spPr/>
+        <p:txBody>
+          <a:bodyPr/>
           <a:lstStyle/>
           <a:p>
-            <a:pPr eaLnBrk="0" hangingPunct="0"/>
-            <a:r>
-              <a:rPr lang="en-US" altLang="en-US" sz="1200" dirty="0">
-                <a:latin typeface="Calibri Light" panose="020F0302020204030204" pitchFamily="34" charset="0"/>
-                <a:ea typeface="Times New Roman" panose="02020603050405020304" pitchFamily="18" charset="0"/>
-                <a:cs typeface="Calibri Light" panose="020F0302020204030204" pitchFamily="34" charset="0"/>
-              </a:rPr>
-              <a:t>Room</a:t>
-            </a:r>
-            <a:r>
-              <a:rPr lang="en-US" altLang="en-US" sz="1200" b="0" dirty="0">
-                <a:latin typeface="Calibri Light" panose="020F0302020204030204" pitchFamily="34" charset="0"/>
-                <a:ea typeface="Times New Roman" panose="02020603050405020304" pitchFamily="18" charset="0"/>
-                <a:cs typeface="Calibri Light" panose="020F0302020204030204" pitchFamily="34" charset="0"/>
-              </a:rPr>
-              <a:t>:   1st Floor – Washington/Jefferson</a:t>
-            </a:r>
-            <a:endParaRPr lang="en-US" altLang="en-US" sz="375" b="0" dirty="0"/>
-          </a:p>
-          <a:p>
-            <a:pPr eaLnBrk="0" hangingPunct="0"/>
-            <a:r>
-              <a:rPr lang="en-US" altLang="en-US" sz="1200" dirty="0" err="1">
-                <a:latin typeface="Calibri Light" panose="020F0302020204030204" pitchFamily="34" charset="0"/>
-                <a:ea typeface="Calibri" panose="020F0502020204030204" pitchFamily="34" charset="0"/>
-                <a:cs typeface="Calibri Light" panose="020F0302020204030204" pitchFamily="34" charset="0"/>
-              </a:rPr>
-              <a:t>WiFi</a:t>
-            </a:r>
-            <a:r>
-              <a:rPr lang="en-US" altLang="en-US" sz="1200" b="0" dirty="0">
-                <a:latin typeface="Calibri Light" panose="020F0302020204030204" pitchFamily="34" charset="0"/>
-                <a:ea typeface="Calibri" panose="020F0502020204030204" pitchFamily="34" charset="0"/>
-                <a:cs typeface="Calibri Light" panose="020F0302020204030204" pitchFamily="34" charset="0"/>
-              </a:rPr>
-              <a:t>:  MSFTGUEST;  Open browser; Event Code: TBD</a:t>
-            </a:r>
-          </a:p>
-          <a:p>
-            <a:pPr eaLnBrk="0" hangingPunct="0"/>
-            <a:r>
-              <a:rPr lang="en-US" altLang="en-US" sz="1200" dirty="0">
-                <a:latin typeface="Calibri Light" panose="020F0302020204030204" pitchFamily="34" charset="0"/>
-                <a:cs typeface="Calibri Light" panose="020F0302020204030204" pitchFamily="34" charset="0"/>
-              </a:rPr>
-              <a:t>Content:</a:t>
-            </a:r>
-            <a:r>
-              <a:rPr lang="en-US" altLang="en-US" sz="1200" b="0" dirty="0">
-                <a:latin typeface="Calibri Light" panose="020F0302020204030204" pitchFamily="34" charset="0"/>
-                <a:cs typeface="Calibri Light" panose="020F0302020204030204" pitchFamily="34" charset="0"/>
-              </a:rPr>
-              <a:t> </a:t>
-            </a:r>
-            <a:r>
-              <a:rPr lang="en-US" altLang="en-US" sz="1200" b="0" dirty="0">
-                <a:latin typeface="Calibri Light" panose="020F0302020204030204" pitchFamily="34" charset="0"/>
-                <a:ea typeface="Calibri" panose="020F0502020204030204" pitchFamily="34" charset="0"/>
-                <a:cs typeface="Calibri Light" panose="020F0302020204030204" pitchFamily="34" charset="0"/>
-                <a:hlinkClick r:id="rId3"/>
-              </a:rPr>
-              <a:t>https://github.com/guruskill/70-535</a:t>
-            </a:r>
-            <a:r>
-              <a:rPr lang="en-US" altLang="en-US" sz="1200" b="0" dirty="0">
-                <a:latin typeface="Calibri Light" panose="020F0302020204030204" pitchFamily="34" charset="0"/>
-                <a:ea typeface="Calibri" panose="020F0502020204030204" pitchFamily="34" charset="0"/>
-                <a:cs typeface="Calibri Light" panose="020F0302020204030204" pitchFamily="34" charset="0"/>
-              </a:rPr>
-              <a:t>  …</a:t>
-            </a:r>
-          </a:p>
-          <a:p>
-            <a:pPr eaLnBrk="0" hangingPunct="0"/>
-            <a:r>
-              <a:rPr lang="en-US" altLang="en-US" sz="1200" b="0" dirty="0">
-                <a:latin typeface="Calibri Light" panose="020F0302020204030204" pitchFamily="34" charset="0"/>
-                <a:ea typeface="Calibri" panose="020F0502020204030204" pitchFamily="34" charset="0"/>
-                <a:cs typeface="Calibri Light" panose="020F0302020204030204" pitchFamily="34" charset="0"/>
-              </a:rPr>
-              <a:t>        Folders  </a:t>
-            </a:r>
-            <a:r>
-              <a:rPr lang="en-US" altLang="en-US" sz="1200" dirty="0">
-                <a:latin typeface="Calibri Light" panose="020F0302020204030204" pitchFamily="34" charset="0"/>
-                <a:ea typeface="Calibri" panose="020F0502020204030204" pitchFamily="34" charset="0"/>
-                <a:cs typeface="Calibri Light" panose="020F0302020204030204" pitchFamily="34" charset="0"/>
-              </a:rPr>
-              <a:t>Decks</a:t>
-            </a:r>
-            <a:r>
-              <a:rPr lang="en-US" altLang="en-US" sz="1200" b="0" dirty="0">
-                <a:latin typeface="Calibri Light" panose="020F0302020204030204" pitchFamily="34" charset="0"/>
-                <a:ea typeface="Calibri" panose="020F0502020204030204" pitchFamily="34" charset="0"/>
-                <a:cs typeface="Calibri Light" panose="020F0302020204030204" pitchFamily="34" charset="0"/>
-              </a:rPr>
-              <a:t>:  Presentations\2018-05-14-Boston\   </a:t>
-            </a:r>
-            <a:r>
-              <a:rPr lang="en-US" altLang="en-US" sz="1200" dirty="0">
-                <a:latin typeface="Calibri Light" panose="020F0302020204030204" pitchFamily="34" charset="0"/>
-                <a:ea typeface="Calibri" panose="020F0502020204030204" pitchFamily="34" charset="0"/>
-                <a:cs typeface="Calibri Light" panose="020F0302020204030204" pitchFamily="34" charset="0"/>
-              </a:rPr>
-              <a:t>Labs</a:t>
-            </a:r>
-            <a:r>
-              <a:rPr lang="en-US" altLang="en-US" sz="1200" b="0" dirty="0">
-                <a:latin typeface="Calibri Light" panose="020F0302020204030204" pitchFamily="34" charset="0"/>
-                <a:ea typeface="Calibri" panose="020F0502020204030204" pitchFamily="34" charset="0"/>
-                <a:cs typeface="Calibri Light" panose="020F0302020204030204" pitchFamily="34" charset="0"/>
-              </a:rPr>
-              <a:t>: Labs\</a:t>
-            </a:r>
-            <a:endParaRPr lang="en-US" altLang="en-US" sz="1200" b="0" dirty="0">
-              <a:solidFill>
-                <a:srgbClr val="2F5496"/>
-              </a:solidFill>
-              <a:latin typeface="Calibri Light" panose="020F0302020204030204" pitchFamily="34" charset="0"/>
-              <a:ea typeface="Times New Roman" panose="02020603050405020304" pitchFamily="18" charset="0"/>
-              <a:cs typeface="Times New Roman" panose="02020603050405020304" pitchFamily="18" charset="0"/>
-            </a:endParaRPr>
-          </a:p>
-        </p:txBody>
-      </p:sp>
-      <p:sp>
-        <p:nvSpPr>
-          <p:cNvPr id="11" name="Rectangle 10">
-            <a:extLst>
-              <a:ext uri="{FF2B5EF4-FFF2-40B4-BE49-F238E27FC236}">
-                <a16:creationId xmlns:a16="http://schemas.microsoft.com/office/drawing/2014/main" id="{BD9DDC48-6854-4D90-BE64-52480D1A0E90}"/>
-              </a:ext>
-            </a:extLst>
-          </p:cNvPr>
-          <p:cNvSpPr/>
-          <p:nvPr/>
-        </p:nvSpPr>
-        <p:spPr>
-          <a:xfrm>
-            <a:off x="6021325" y="1713818"/>
-            <a:ext cx="2946830" cy="253916"/>
-          </a:xfrm>
-          <a:prstGeom prst="rect">
-            <a:avLst/>
-          </a:prstGeom>
-        </p:spPr>
-        <p:txBody>
-          <a:bodyPr wrap="square">
-            <a:spAutoFit/>
-          </a:bodyPr>
-          <a:lstStyle/>
-          <a:p>
-            <a:pPr algn="r"/>
-            <a:r>
-              <a:rPr lang="en-US" altLang="en-US" sz="1050" dirty="0">
-                <a:latin typeface="Calibri Light" panose="020F0302020204030204" pitchFamily="34" charset="0"/>
-                <a:ea typeface="Calibri" panose="020F0502020204030204" pitchFamily="34" charset="0"/>
-                <a:cs typeface="Calibri Light" panose="020F0302020204030204" pitchFamily="34" charset="0"/>
-              </a:rPr>
-              <a:t>Program Home:</a:t>
-            </a:r>
-            <a:r>
-              <a:rPr lang="en-US" altLang="en-US" sz="1050" b="0" dirty="0">
-                <a:latin typeface="Calibri Light" panose="020F0302020204030204" pitchFamily="34" charset="0"/>
-                <a:ea typeface="Calibri" panose="020F0502020204030204" pitchFamily="34" charset="0"/>
-                <a:cs typeface="Calibri Light" panose="020F0302020204030204" pitchFamily="34" charset="0"/>
-              </a:rPr>
-              <a:t>  </a:t>
-            </a:r>
-            <a:r>
-              <a:rPr lang="en-US" altLang="en-US" sz="1050" b="0" dirty="0">
-                <a:latin typeface="Calibri Light" panose="020F0302020204030204" pitchFamily="34" charset="0"/>
-                <a:ea typeface="Calibri" panose="020F0502020204030204" pitchFamily="34" charset="0"/>
-                <a:cs typeface="Calibri Light" panose="020F0302020204030204" pitchFamily="34" charset="0"/>
-                <a:hlinkClick r:id="rId4"/>
-              </a:rPr>
-              <a:t>https://aka.ms/certup</a:t>
-            </a:r>
-            <a:endParaRPr lang="en-US" sz="1050" dirty="0"/>
-          </a:p>
-        </p:txBody>
-      </p:sp>
-      <p:graphicFrame>
-        <p:nvGraphicFramePr>
-          <p:cNvPr id="13" name="Content Placeholder 9">
-            <a:extLst>
-              <a:ext uri="{FF2B5EF4-FFF2-40B4-BE49-F238E27FC236}">
-                <a16:creationId xmlns:a16="http://schemas.microsoft.com/office/drawing/2014/main" id="{79162419-215D-48FD-ADB0-28B7F581466C}"/>
-              </a:ext>
-            </a:extLst>
-          </p:cNvPr>
-          <p:cNvGraphicFramePr>
-            <a:graphicFrameLocks/>
-          </p:cNvGraphicFramePr>
-          <p:nvPr>
-            <p:extLst>
-              <p:ext uri="{D42A27DB-BD31-4B8C-83A1-F6EECF244321}">
-                <p14:modId xmlns:p14="http://schemas.microsoft.com/office/powerpoint/2010/main" val="323276067"/>
-              </p:ext>
-            </p:extLst>
-          </p:nvPr>
-        </p:nvGraphicFramePr>
-        <p:xfrm>
-          <a:off x="4442395" y="2745816"/>
-          <a:ext cx="4393632" cy="2522699"/>
-        </p:xfrm>
-        <a:graphic>
-          <a:graphicData uri="http://schemas.openxmlformats.org/drawingml/2006/table">
-            <a:tbl>
-              <a:tblPr firstRow="1" firstCol="1" bandRow="1">
-                <a:tableStyleId>{93296810-A885-4BE3-A3E7-6D5BEEA58F35}</a:tableStyleId>
-              </a:tblPr>
-              <a:tblGrid>
-                <a:gridCol w="839585">
-                  <a:extLst>
-                    <a:ext uri="{9D8B030D-6E8A-4147-A177-3AD203B41FA5}">
-                      <a16:colId xmlns:a16="http://schemas.microsoft.com/office/drawing/2014/main" val="150431079"/>
-                    </a:ext>
-                  </a:extLst>
-                </a:gridCol>
-                <a:gridCol w="2597945">
-                  <a:extLst>
-                    <a:ext uri="{9D8B030D-6E8A-4147-A177-3AD203B41FA5}">
-                      <a16:colId xmlns:a16="http://schemas.microsoft.com/office/drawing/2014/main" val="3945521454"/>
-                    </a:ext>
-                  </a:extLst>
-                </a:gridCol>
-                <a:gridCol w="956102">
-                  <a:extLst>
-                    <a:ext uri="{9D8B030D-6E8A-4147-A177-3AD203B41FA5}">
-                      <a16:colId xmlns:a16="http://schemas.microsoft.com/office/drawing/2014/main" val="3505592105"/>
-                    </a:ext>
-                  </a:extLst>
-                </a:gridCol>
-              </a:tblGrid>
-              <a:tr h="210402">
-                <a:tc>
-                  <a:txBody>
-                    <a:bodyPr/>
-                    <a:lstStyle>
-                      <a:lvl1pPr marL="0" algn="l" defTabSz="914400" rtl="0" eaLnBrk="1" latinLnBrk="0" hangingPunct="1">
-                        <a:defRPr sz="1800" b="1" kern="1200">
-                          <a:solidFill>
-                            <a:schemeClr val="lt1"/>
-                          </a:solidFill>
-                          <a:latin typeface="Calibri" panose="020F0502020204030204"/>
-                        </a:defRPr>
-                      </a:lvl1pPr>
-                      <a:lvl2pPr marL="457200" algn="l" defTabSz="914400" rtl="0" eaLnBrk="1" latinLnBrk="0" hangingPunct="1">
-                        <a:defRPr sz="1800" b="1" kern="1200">
-                          <a:solidFill>
-                            <a:schemeClr val="lt1"/>
-                          </a:solidFill>
-                          <a:latin typeface="Calibri" panose="020F0502020204030204"/>
-                        </a:defRPr>
-                      </a:lvl2pPr>
-                      <a:lvl3pPr marL="914400" algn="l" defTabSz="914400" rtl="0" eaLnBrk="1" latinLnBrk="0" hangingPunct="1">
-                        <a:defRPr sz="1800" b="1" kern="1200">
-                          <a:solidFill>
-                            <a:schemeClr val="lt1"/>
-                          </a:solidFill>
-                          <a:latin typeface="Calibri" panose="020F0502020204030204"/>
-                        </a:defRPr>
-                      </a:lvl3pPr>
-                      <a:lvl4pPr marL="1371600" algn="l" defTabSz="914400" rtl="0" eaLnBrk="1" latinLnBrk="0" hangingPunct="1">
-                        <a:defRPr sz="1800" b="1" kern="1200">
-                          <a:solidFill>
-                            <a:schemeClr val="lt1"/>
-                          </a:solidFill>
-                          <a:latin typeface="Calibri" panose="020F0502020204030204"/>
-                        </a:defRPr>
-                      </a:lvl4pPr>
-                      <a:lvl5pPr marL="1828800" algn="l" defTabSz="914400" rtl="0" eaLnBrk="1" latinLnBrk="0" hangingPunct="1">
-                        <a:defRPr sz="1800" b="1" kern="1200">
-                          <a:solidFill>
-                            <a:schemeClr val="lt1"/>
-                          </a:solidFill>
-                          <a:latin typeface="Calibri" panose="020F0502020204030204"/>
-                        </a:defRPr>
-                      </a:lvl5pPr>
-                      <a:lvl6pPr marL="2286000" algn="l" defTabSz="914400" rtl="0" eaLnBrk="1" latinLnBrk="0" hangingPunct="1">
-                        <a:defRPr sz="1800" b="1" kern="1200">
-                          <a:solidFill>
-                            <a:schemeClr val="lt1"/>
-                          </a:solidFill>
-                          <a:latin typeface="Calibri" panose="020F0502020204030204"/>
-                        </a:defRPr>
-                      </a:lvl6pPr>
-                      <a:lvl7pPr marL="2743200" algn="l" defTabSz="914400" rtl="0" eaLnBrk="1" latinLnBrk="0" hangingPunct="1">
-                        <a:defRPr sz="1800" b="1" kern="1200">
-                          <a:solidFill>
-                            <a:schemeClr val="lt1"/>
-                          </a:solidFill>
-                          <a:latin typeface="Calibri" panose="020F0502020204030204"/>
-                        </a:defRPr>
-                      </a:lvl7pPr>
-                      <a:lvl8pPr marL="3200400" algn="l" defTabSz="914400" rtl="0" eaLnBrk="1" latinLnBrk="0" hangingPunct="1">
-                        <a:defRPr sz="1800" b="1" kern="1200">
-                          <a:solidFill>
-                            <a:schemeClr val="lt1"/>
-                          </a:solidFill>
-                          <a:latin typeface="Calibri" panose="020F0502020204030204"/>
-                        </a:defRPr>
-                      </a:lvl8pPr>
-                      <a:lvl9pPr marL="3657600" algn="l" defTabSz="914400" rtl="0" eaLnBrk="1" latinLnBrk="0" hangingPunct="1">
-                        <a:defRPr sz="1800" b="1" kern="1200">
-                          <a:solidFill>
-                            <a:schemeClr val="lt1"/>
-                          </a:solidFill>
-                          <a:latin typeface="Calibri" panose="020F0502020204030204"/>
-                        </a:defRPr>
-                      </a:lvl9pPr>
-                    </a:lstStyle>
-                    <a:p>
-                      <a:pPr marL="0" marR="0" algn="ctr">
-                        <a:lnSpc>
-                          <a:spcPct val="107000"/>
-                        </a:lnSpc>
-                        <a:spcBef>
-                          <a:spcPts val="0"/>
-                        </a:spcBef>
-                        <a:spcAft>
-                          <a:spcPts val="0"/>
-                        </a:spcAft>
-                      </a:pPr>
-                      <a:r>
-                        <a:rPr lang="en-US" sz="900" dirty="0">
-                          <a:effectLst/>
-                        </a:rPr>
-                        <a:t>Time</a:t>
-                      </a:r>
-                      <a:endParaRPr lang="en-US" sz="700" dirty="0">
-                        <a:effectLst/>
-                        <a:latin typeface="Calibri" panose="020F0502020204030204" pitchFamily="34" charset="0"/>
-                        <a:ea typeface="Calibri" panose="020F0502020204030204" pitchFamily="34" charset="0"/>
-                        <a:cs typeface="Times New Roman" panose="02020603050405020304" pitchFamily="18" charset="0"/>
-                      </a:endParaRPr>
-                    </a:p>
-                  </a:txBody>
-                  <a:tcPr marL="45166" marR="45166" marT="11390" marB="11390" anchor="ctr">
-                    <a:solidFill>
-                      <a:srgbClr val="0070C0"/>
-                    </a:solidFill>
-                  </a:tcPr>
-                </a:tc>
-                <a:tc>
-                  <a:txBody>
-                    <a:bodyPr/>
-                    <a:lstStyle>
-                      <a:lvl1pPr marL="0" algn="l" defTabSz="914400" rtl="0" eaLnBrk="1" latinLnBrk="0" hangingPunct="1">
-                        <a:defRPr sz="1800" b="1" kern="1200">
-                          <a:solidFill>
-                            <a:schemeClr val="lt1"/>
-                          </a:solidFill>
-                          <a:latin typeface="Calibri" panose="020F0502020204030204"/>
-                        </a:defRPr>
-                      </a:lvl1pPr>
-                      <a:lvl2pPr marL="457200" algn="l" defTabSz="914400" rtl="0" eaLnBrk="1" latinLnBrk="0" hangingPunct="1">
-                        <a:defRPr sz="1800" b="1" kern="1200">
-                          <a:solidFill>
-                            <a:schemeClr val="lt1"/>
-                          </a:solidFill>
-                          <a:latin typeface="Calibri" panose="020F0502020204030204"/>
-                        </a:defRPr>
-                      </a:lvl2pPr>
-                      <a:lvl3pPr marL="914400" algn="l" defTabSz="914400" rtl="0" eaLnBrk="1" latinLnBrk="0" hangingPunct="1">
-                        <a:defRPr sz="1800" b="1" kern="1200">
-                          <a:solidFill>
-                            <a:schemeClr val="lt1"/>
-                          </a:solidFill>
-                          <a:latin typeface="Calibri" panose="020F0502020204030204"/>
-                        </a:defRPr>
-                      </a:lvl3pPr>
-                      <a:lvl4pPr marL="1371600" algn="l" defTabSz="914400" rtl="0" eaLnBrk="1" latinLnBrk="0" hangingPunct="1">
-                        <a:defRPr sz="1800" b="1" kern="1200">
-                          <a:solidFill>
-                            <a:schemeClr val="lt1"/>
-                          </a:solidFill>
-                          <a:latin typeface="Calibri" panose="020F0502020204030204"/>
-                        </a:defRPr>
-                      </a:lvl4pPr>
-                      <a:lvl5pPr marL="1828800" algn="l" defTabSz="914400" rtl="0" eaLnBrk="1" latinLnBrk="0" hangingPunct="1">
-                        <a:defRPr sz="1800" b="1" kern="1200">
-                          <a:solidFill>
-                            <a:schemeClr val="lt1"/>
-                          </a:solidFill>
-                          <a:latin typeface="Calibri" panose="020F0502020204030204"/>
-                        </a:defRPr>
-                      </a:lvl5pPr>
-                      <a:lvl6pPr marL="2286000" algn="l" defTabSz="914400" rtl="0" eaLnBrk="1" latinLnBrk="0" hangingPunct="1">
-                        <a:defRPr sz="1800" b="1" kern="1200">
-                          <a:solidFill>
-                            <a:schemeClr val="lt1"/>
-                          </a:solidFill>
-                          <a:latin typeface="Calibri" panose="020F0502020204030204"/>
-                        </a:defRPr>
-                      </a:lvl6pPr>
-                      <a:lvl7pPr marL="2743200" algn="l" defTabSz="914400" rtl="0" eaLnBrk="1" latinLnBrk="0" hangingPunct="1">
-                        <a:defRPr sz="1800" b="1" kern="1200">
-                          <a:solidFill>
-                            <a:schemeClr val="lt1"/>
-                          </a:solidFill>
-                          <a:latin typeface="Calibri" panose="020F0502020204030204"/>
-                        </a:defRPr>
-                      </a:lvl7pPr>
-                      <a:lvl8pPr marL="3200400" algn="l" defTabSz="914400" rtl="0" eaLnBrk="1" latinLnBrk="0" hangingPunct="1">
-                        <a:defRPr sz="1800" b="1" kern="1200">
-                          <a:solidFill>
-                            <a:schemeClr val="lt1"/>
-                          </a:solidFill>
-                          <a:latin typeface="Calibri" panose="020F0502020204030204"/>
-                        </a:defRPr>
-                      </a:lvl8pPr>
-                      <a:lvl9pPr marL="3657600" algn="l" defTabSz="914400" rtl="0" eaLnBrk="1" latinLnBrk="0" hangingPunct="1">
-                        <a:defRPr sz="1800" b="1" kern="1200">
-                          <a:solidFill>
-                            <a:schemeClr val="lt1"/>
-                          </a:solidFill>
-                          <a:latin typeface="Calibri" panose="020F0502020204030204"/>
-                        </a:defRPr>
-                      </a:lvl9pPr>
-                    </a:lstStyle>
-                    <a:p>
-                      <a:pPr marL="0" marR="0" algn="ctr">
-                        <a:lnSpc>
-                          <a:spcPct val="107000"/>
-                        </a:lnSpc>
-                        <a:spcBef>
-                          <a:spcPts val="0"/>
-                        </a:spcBef>
-                        <a:spcAft>
-                          <a:spcPts val="0"/>
-                        </a:spcAft>
-                      </a:pPr>
-                      <a:r>
-                        <a:rPr lang="en-US" sz="900" dirty="0">
-                          <a:effectLst/>
-                        </a:rPr>
-                        <a:t>Topic</a:t>
-                      </a:r>
-                      <a:endParaRPr lang="en-US" sz="700" dirty="0">
-                        <a:effectLst/>
-                        <a:latin typeface="Calibri" panose="020F0502020204030204" pitchFamily="34" charset="0"/>
-                        <a:ea typeface="Calibri" panose="020F0502020204030204" pitchFamily="34" charset="0"/>
-                        <a:cs typeface="Times New Roman" panose="02020603050405020304" pitchFamily="18" charset="0"/>
-                      </a:endParaRPr>
-                    </a:p>
-                  </a:txBody>
-                  <a:tcPr marL="45166" marR="45166" marT="11390" marB="11390" anchor="ctr">
-                    <a:solidFill>
-                      <a:srgbClr val="0070C0"/>
-                    </a:solidFill>
-                  </a:tcPr>
-                </a:tc>
-                <a:tc>
-                  <a:txBody>
-                    <a:bodyPr/>
-                    <a:lstStyle>
-                      <a:lvl1pPr marL="0" algn="l" defTabSz="914400" rtl="0" eaLnBrk="1" latinLnBrk="0" hangingPunct="1">
-                        <a:defRPr sz="1800" b="1" kern="1200">
-                          <a:solidFill>
-                            <a:schemeClr val="lt1"/>
-                          </a:solidFill>
-                          <a:latin typeface="Calibri" panose="020F0502020204030204"/>
-                        </a:defRPr>
-                      </a:lvl1pPr>
-                      <a:lvl2pPr marL="457200" algn="l" defTabSz="914400" rtl="0" eaLnBrk="1" latinLnBrk="0" hangingPunct="1">
-                        <a:defRPr sz="1800" b="1" kern="1200">
-                          <a:solidFill>
-                            <a:schemeClr val="lt1"/>
-                          </a:solidFill>
-                          <a:latin typeface="Calibri" panose="020F0502020204030204"/>
-                        </a:defRPr>
-                      </a:lvl2pPr>
-                      <a:lvl3pPr marL="914400" algn="l" defTabSz="914400" rtl="0" eaLnBrk="1" latinLnBrk="0" hangingPunct="1">
-                        <a:defRPr sz="1800" b="1" kern="1200">
-                          <a:solidFill>
-                            <a:schemeClr val="lt1"/>
-                          </a:solidFill>
-                          <a:latin typeface="Calibri" panose="020F0502020204030204"/>
-                        </a:defRPr>
-                      </a:lvl3pPr>
-                      <a:lvl4pPr marL="1371600" algn="l" defTabSz="914400" rtl="0" eaLnBrk="1" latinLnBrk="0" hangingPunct="1">
-                        <a:defRPr sz="1800" b="1" kern="1200">
-                          <a:solidFill>
-                            <a:schemeClr val="lt1"/>
-                          </a:solidFill>
-                          <a:latin typeface="Calibri" panose="020F0502020204030204"/>
-                        </a:defRPr>
-                      </a:lvl4pPr>
-                      <a:lvl5pPr marL="1828800" algn="l" defTabSz="914400" rtl="0" eaLnBrk="1" latinLnBrk="0" hangingPunct="1">
-                        <a:defRPr sz="1800" b="1" kern="1200">
-                          <a:solidFill>
-                            <a:schemeClr val="lt1"/>
-                          </a:solidFill>
-                          <a:latin typeface="Calibri" panose="020F0502020204030204"/>
-                        </a:defRPr>
-                      </a:lvl5pPr>
-                      <a:lvl6pPr marL="2286000" algn="l" defTabSz="914400" rtl="0" eaLnBrk="1" latinLnBrk="0" hangingPunct="1">
-                        <a:defRPr sz="1800" b="1" kern="1200">
-                          <a:solidFill>
-                            <a:schemeClr val="lt1"/>
-                          </a:solidFill>
-                          <a:latin typeface="Calibri" panose="020F0502020204030204"/>
-                        </a:defRPr>
-                      </a:lvl6pPr>
-                      <a:lvl7pPr marL="2743200" algn="l" defTabSz="914400" rtl="0" eaLnBrk="1" latinLnBrk="0" hangingPunct="1">
-                        <a:defRPr sz="1800" b="1" kern="1200">
-                          <a:solidFill>
-                            <a:schemeClr val="lt1"/>
-                          </a:solidFill>
-                          <a:latin typeface="Calibri" panose="020F0502020204030204"/>
-                        </a:defRPr>
-                      </a:lvl7pPr>
-                      <a:lvl8pPr marL="3200400" algn="l" defTabSz="914400" rtl="0" eaLnBrk="1" latinLnBrk="0" hangingPunct="1">
-                        <a:defRPr sz="1800" b="1" kern="1200">
-                          <a:solidFill>
-                            <a:schemeClr val="lt1"/>
-                          </a:solidFill>
-                          <a:latin typeface="Calibri" panose="020F0502020204030204"/>
-                        </a:defRPr>
-                      </a:lvl8pPr>
-                      <a:lvl9pPr marL="3657600" algn="l" defTabSz="914400" rtl="0" eaLnBrk="1" latinLnBrk="0" hangingPunct="1">
-                        <a:defRPr sz="1800" b="1" kern="1200">
-                          <a:solidFill>
-                            <a:schemeClr val="lt1"/>
-                          </a:solidFill>
-                          <a:latin typeface="Calibri" panose="020F0502020204030204"/>
-                        </a:defRPr>
-                      </a:lvl9pPr>
-                    </a:lstStyle>
-                    <a:p>
-                      <a:pPr marL="0" marR="0" algn="ctr">
-                        <a:lnSpc>
-                          <a:spcPct val="107000"/>
-                        </a:lnSpc>
-                        <a:spcBef>
-                          <a:spcPts val="0"/>
-                        </a:spcBef>
-                        <a:spcAft>
-                          <a:spcPts val="0"/>
-                        </a:spcAft>
-                      </a:pPr>
-                      <a:r>
-                        <a:rPr lang="en-US" sz="900" dirty="0">
-                          <a:effectLst/>
-                        </a:rPr>
-                        <a:t>Speaker</a:t>
-                      </a:r>
-                      <a:endParaRPr lang="en-US" sz="700" dirty="0">
-                        <a:effectLst/>
-                        <a:latin typeface="Calibri" panose="020F0502020204030204" pitchFamily="34" charset="0"/>
-                        <a:ea typeface="Calibri" panose="020F0502020204030204" pitchFamily="34" charset="0"/>
-                        <a:cs typeface="Times New Roman" panose="02020603050405020304" pitchFamily="18" charset="0"/>
-                      </a:endParaRPr>
-                    </a:p>
-                  </a:txBody>
-                  <a:tcPr marL="45166" marR="45166" marT="11390" marB="11390" anchor="ctr">
-                    <a:solidFill>
-                      <a:srgbClr val="0070C0"/>
-                    </a:solidFill>
-                  </a:tcPr>
-                </a:tc>
-                <a:extLst>
-                  <a:ext uri="{0D108BD9-81ED-4DB2-BD59-A6C34878D82A}">
-                    <a16:rowId xmlns:a16="http://schemas.microsoft.com/office/drawing/2014/main" val="1777369772"/>
-                  </a:ext>
-                </a:extLst>
-              </a:tr>
-              <a:tr h="203341">
-                <a:tc>
-                  <a:txBody>
-                    <a:bodyPr/>
-                    <a:lstStyle>
-                      <a:lvl1pPr marL="0" algn="l" defTabSz="914400" rtl="0" eaLnBrk="1" latinLnBrk="0" hangingPunct="1">
-                        <a:defRPr sz="1800" b="1" kern="1200">
-                          <a:solidFill>
-                            <a:schemeClr val="lt1"/>
-                          </a:solidFill>
-                          <a:latin typeface="Calibri" panose="020F0502020204030204"/>
-                        </a:defRPr>
-                      </a:lvl1pPr>
-                      <a:lvl2pPr marL="457200" algn="l" defTabSz="914400" rtl="0" eaLnBrk="1" latinLnBrk="0" hangingPunct="1">
-                        <a:defRPr sz="1800" b="1" kern="1200">
-                          <a:solidFill>
-                            <a:schemeClr val="lt1"/>
-                          </a:solidFill>
-                          <a:latin typeface="Calibri" panose="020F0502020204030204"/>
-                        </a:defRPr>
-                      </a:lvl2pPr>
-                      <a:lvl3pPr marL="914400" algn="l" defTabSz="914400" rtl="0" eaLnBrk="1" latinLnBrk="0" hangingPunct="1">
-                        <a:defRPr sz="1800" b="1" kern="1200">
-                          <a:solidFill>
-                            <a:schemeClr val="lt1"/>
-                          </a:solidFill>
-                          <a:latin typeface="Calibri" panose="020F0502020204030204"/>
-                        </a:defRPr>
-                      </a:lvl3pPr>
-                      <a:lvl4pPr marL="1371600" algn="l" defTabSz="914400" rtl="0" eaLnBrk="1" latinLnBrk="0" hangingPunct="1">
-                        <a:defRPr sz="1800" b="1" kern="1200">
-                          <a:solidFill>
-                            <a:schemeClr val="lt1"/>
-                          </a:solidFill>
-                          <a:latin typeface="Calibri" panose="020F0502020204030204"/>
-                        </a:defRPr>
-                      </a:lvl4pPr>
-                      <a:lvl5pPr marL="1828800" algn="l" defTabSz="914400" rtl="0" eaLnBrk="1" latinLnBrk="0" hangingPunct="1">
-                        <a:defRPr sz="1800" b="1" kern="1200">
-                          <a:solidFill>
-                            <a:schemeClr val="lt1"/>
-                          </a:solidFill>
-                          <a:latin typeface="Calibri" panose="020F0502020204030204"/>
-                        </a:defRPr>
-                      </a:lvl5pPr>
-                      <a:lvl6pPr marL="2286000" algn="l" defTabSz="914400" rtl="0" eaLnBrk="1" latinLnBrk="0" hangingPunct="1">
-                        <a:defRPr sz="1800" b="1" kern="1200">
-                          <a:solidFill>
-                            <a:schemeClr val="lt1"/>
-                          </a:solidFill>
-                          <a:latin typeface="Calibri" panose="020F0502020204030204"/>
-                        </a:defRPr>
-                      </a:lvl6pPr>
-                      <a:lvl7pPr marL="2743200" algn="l" defTabSz="914400" rtl="0" eaLnBrk="1" latinLnBrk="0" hangingPunct="1">
-                        <a:defRPr sz="1800" b="1" kern="1200">
-                          <a:solidFill>
-                            <a:schemeClr val="lt1"/>
-                          </a:solidFill>
-                          <a:latin typeface="Calibri" panose="020F0502020204030204"/>
-                        </a:defRPr>
-                      </a:lvl7pPr>
-                      <a:lvl8pPr marL="3200400" algn="l" defTabSz="914400" rtl="0" eaLnBrk="1" latinLnBrk="0" hangingPunct="1">
-                        <a:defRPr sz="1800" b="1" kern="1200">
-                          <a:solidFill>
-                            <a:schemeClr val="lt1"/>
-                          </a:solidFill>
-                          <a:latin typeface="Calibri" panose="020F0502020204030204"/>
-                        </a:defRPr>
-                      </a:lvl8pPr>
-                      <a:lvl9pPr marL="3657600" algn="l" defTabSz="914400" rtl="0" eaLnBrk="1" latinLnBrk="0" hangingPunct="1">
-                        <a:defRPr sz="1800" b="1" kern="1200">
-                          <a:solidFill>
-                            <a:schemeClr val="lt1"/>
-                          </a:solidFill>
-                          <a:latin typeface="Calibri" panose="020F0502020204030204"/>
-                        </a:defRPr>
-                      </a:lvl9pPr>
-                    </a:lstStyle>
-                    <a:p>
-                      <a:pPr marL="0" marR="0" algn="ctr" defTabSz="914400" rtl="0" eaLnBrk="1" latinLnBrk="0" hangingPunct="1">
-                        <a:lnSpc>
-                          <a:spcPct val="107000"/>
-                        </a:lnSpc>
-                        <a:spcBef>
-                          <a:spcPts val="0"/>
-                        </a:spcBef>
-                        <a:spcAft>
-                          <a:spcPts val="0"/>
-                        </a:spcAft>
-                      </a:pPr>
-                      <a:r>
-                        <a:rPr lang="en-US" sz="800" kern="1200" dirty="0">
-                          <a:effectLst/>
-                        </a:rPr>
-                        <a:t>8:30 – 9:00</a:t>
-                      </a:r>
-                      <a:endParaRPr lang="en-US" sz="800" b="1" kern="1200" dirty="0">
-                        <a:solidFill>
-                          <a:schemeClr val="lt1"/>
-                        </a:solidFill>
-                        <a:effectLst/>
-                        <a:latin typeface="Calibri" panose="020F0502020204030204" pitchFamily="34" charset="0"/>
-                        <a:ea typeface="+mn-ea"/>
-                        <a:cs typeface="Calibri" panose="020F0502020204030204" pitchFamily="34" charset="0"/>
-                      </a:endParaRPr>
-                    </a:p>
-                  </a:txBody>
-                  <a:tcPr marL="45166" marR="45166" marT="11390" marB="11390">
-                    <a:solidFill>
-                      <a:srgbClr val="0070C0"/>
-                    </a:solidFill>
-                  </a:tcPr>
-                </a:tc>
-                <a:tc gridSpan="2">
-                  <a:txBody>
-                    <a:bodyPr/>
-                    <a:lstStyle>
-                      <a:lvl1pPr marL="0" algn="l" defTabSz="914400" rtl="0" eaLnBrk="1" latinLnBrk="0" hangingPunct="1">
-                        <a:defRPr sz="1800" kern="1200">
-                          <a:solidFill>
-                            <a:schemeClr val="dk1"/>
-                          </a:solidFill>
-                          <a:latin typeface="Calibri" panose="020F0502020204030204"/>
-                        </a:defRPr>
-                      </a:lvl1pPr>
-                      <a:lvl2pPr marL="457200" algn="l" defTabSz="914400" rtl="0" eaLnBrk="1" latinLnBrk="0" hangingPunct="1">
-                        <a:defRPr sz="1800" kern="1200">
-                          <a:solidFill>
-                            <a:schemeClr val="dk1"/>
-                          </a:solidFill>
-                          <a:latin typeface="Calibri" panose="020F0502020204030204"/>
-                        </a:defRPr>
-                      </a:lvl2pPr>
-                      <a:lvl3pPr marL="914400" algn="l" defTabSz="914400" rtl="0" eaLnBrk="1" latinLnBrk="0" hangingPunct="1">
-                        <a:defRPr sz="1800" kern="1200">
-                          <a:solidFill>
-                            <a:schemeClr val="dk1"/>
-                          </a:solidFill>
-                          <a:latin typeface="Calibri" panose="020F0502020204030204"/>
-                        </a:defRPr>
-                      </a:lvl3pPr>
-                      <a:lvl4pPr marL="1371600" algn="l" defTabSz="914400" rtl="0" eaLnBrk="1" latinLnBrk="0" hangingPunct="1">
-                        <a:defRPr sz="1800" kern="1200">
-                          <a:solidFill>
-                            <a:schemeClr val="dk1"/>
-                          </a:solidFill>
-                          <a:latin typeface="Calibri" panose="020F0502020204030204"/>
-                        </a:defRPr>
-                      </a:lvl4pPr>
-                      <a:lvl5pPr marL="1828800" algn="l" defTabSz="914400" rtl="0" eaLnBrk="1" latinLnBrk="0" hangingPunct="1">
-                        <a:defRPr sz="1800" kern="1200">
-                          <a:solidFill>
-                            <a:schemeClr val="dk1"/>
-                          </a:solidFill>
-                          <a:latin typeface="Calibri" panose="020F0502020204030204"/>
-                        </a:defRPr>
-                      </a:lvl5pPr>
-                      <a:lvl6pPr marL="2286000" algn="l" defTabSz="914400" rtl="0" eaLnBrk="1" latinLnBrk="0" hangingPunct="1">
-                        <a:defRPr sz="1800" kern="1200">
-                          <a:solidFill>
-                            <a:schemeClr val="dk1"/>
-                          </a:solidFill>
-                          <a:latin typeface="Calibri" panose="020F0502020204030204"/>
-                        </a:defRPr>
-                      </a:lvl6pPr>
-                      <a:lvl7pPr marL="2743200" algn="l" defTabSz="914400" rtl="0" eaLnBrk="1" latinLnBrk="0" hangingPunct="1">
-                        <a:defRPr sz="1800" kern="1200">
-                          <a:solidFill>
-                            <a:schemeClr val="dk1"/>
-                          </a:solidFill>
-                          <a:latin typeface="Calibri" panose="020F0502020204030204"/>
-                        </a:defRPr>
-                      </a:lvl7pPr>
-                      <a:lvl8pPr marL="3200400" algn="l" defTabSz="914400" rtl="0" eaLnBrk="1" latinLnBrk="0" hangingPunct="1">
-                        <a:defRPr sz="1800" kern="1200">
-                          <a:solidFill>
-                            <a:schemeClr val="dk1"/>
-                          </a:solidFill>
-                          <a:latin typeface="Calibri" panose="020F0502020204030204"/>
-                        </a:defRPr>
-                      </a:lvl8pPr>
-                      <a:lvl9pPr marL="3657600" algn="l" defTabSz="914400" rtl="0" eaLnBrk="1" latinLnBrk="0" hangingPunct="1">
-                        <a:defRPr sz="1800" kern="1200">
-                          <a:solidFill>
-                            <a:schemeClr val="dk1"/>
-                          </a:solidFill>
-                          <a:latin typeface="Calibri" panose="020F0502020204030204"/>
-                        </a:defRPr>
-                      </a:lvl9pPr>
-                    </a:lstStyle>
-                    <a:p>
-                      <a:pPr marL="0" marR="0" algn="ctr">
-                        <a:lnSpc>
-                          <a:spcPct val="107000"/>
-                        </a:lnSpc>
-                        <a:spcBef>
-                          <a:spcPts val="0"/>
-                        </a:spcBef>
-                        <a:spcAft>
-                          <a:spcPts val="0"/>
-                        </a:spcAft>
-                      </a:pPr>
-                      <a:r>
-                        <a:rPr lang="en-US" sz="900" kern="1200" dirty="0">
-                          <a:effectLst/>
-                        </a:rPr>
-                        <a:t>Breakfast, registration, setup</a:t>
-                      </a:r>
-                      <a:endParaRPr lang="en-US" sz="900" kern="1200" dirty="0">
-                        <a:solidFill>
-                          <a:schemeClr val="dk1"/>
-                        </a:solidFill>
-                        <a:effectLst/>
-                        <a:latin typeface="+mj-lt"/>
-                        <a:ea typeface="+mn-ea"/>
-                        <a:cs typeface="+mn-cs"/>
-                      </a:endParaRPr>
-                    </a:p>
-                  </a:txBody>
-                  <a:tcPr marL="45166" marR="45166" marT="11390" marB="11390">
-                    <a:solidFill>
-                      <a:srgbClr val="FFC000"/>
-                    </a:solidFill>
-                  </a:tcPr>
-                </a:tc>
-                <a:tc hMerge="1">
-                  <a:txBody>
-                    <a:bodyPr/>
-                    <a:lstStyle/>
-                    <a:p>
-                      <a:endParaRPr lang="en-US"/>
-                    </a:p>
-                  </a:txBody>
-                  <a:tcPr/>
-                </a:tc>
-                <a:extLst>
-                  <a:ext uri="{0D108BD9-81ED-4DB2-BD59-A6C34878D82A}">
-                    <a16:rowId xmlns:a16="http://schemas.microsoft.com/office/drawing/2014/main" val="1278574935"/>
-                  </a:ext>
-                </a:extLst>
-              </a:tr>
-              <a:tr h="203341">
-                <a:tc>
-                  <a:txBody>
-                    <a:bodyPr/>
-                    <a:lstStyle>
-                      <a:lvl1pPr marL="0" algn="l" defTabSz="914400" rtl="0" eaLnBrk="1" latinLnBrk="0" hangingPunct="1">
-                        <a:defRPr sz="1800" b="1" kern="1200">
-                          <a:solidFill>
-                            <a:schemeClr val="lt1"/>
-                          </a:solidFill>
-                          <a:latin typeface="Calibri" panose="020F0502020204030204"/>
-                        </a:defRPr>
-                      </a:lvl1pPr>
-                      <a:lvl2pPr marL="457200" algn="l" defTabSz="914400" rtl="0" eaLnBrk="1" latinLnBrk="0" hangingPunct="1">
-                        <a:defRPr sz="1800" b="1" kern="1200">
-                          <a:solidFill>
-                            <a:schemeClr val="lt1"/>
-                          </a:solidFill>
-                          <a:latin typeface="Calibri" panose="020F0502020204030204"/>
-                        </a:defRPr>
-                      </a:lvl2pPr>
-                      <a:lvl3pPr marL="914400" algn="l" defTabSz="914400" rtl="0" eaLnBrk="1" latinLnBrk="0" hangingPunct="1">
-                        <a:defRPr sz="1800" b="1" kern="1200">
-                          <a:solidFill>
-                            <a:schemeClr val="lt1"/>
-                          </a:solidFill>
-                          <a:latin typeface="Calibri" panose="020F0502020204030204"/>
-                        </a:defRPr>
-                      </a:lvl3pPr>
-                      <a:lvl4pPr marL="1371600" algn="l" defTabSz="914400" rtl="0" eaLnBrk="1" latinLnBrk="0" hangingPunct="1">
-                        <a:defRPr sz="1800" b="1" kern="1200">
-                          <a:solidFill>
-                            <a:schemeClr val="lt1"/>
-                          </a:solidFill>
-                          <a:latin typeface="Calibri" panose="020F0502020204030204"/>
-                        </a:defRPr>
-                      </a:lvl4pPr>
-                      <a:lvl5pPr marL="1828800" algn="l" defTabSz="914400" rtl="0" eaLnBrk="1" latinLnBrk="0" hangingPunct="1">
-                        <a:defRPr sz="1800" b="1" kern="1200">
-                          <a:solidFill>
-                            <a:schemeClr val="lt1"/>
-                          </a:solidFill>
-                          <a:latin typeface="Calibri" panose="020F0502020204030204"/>
-                        </a:defRPr>
-                      </a:lvl5pPr>
-                      <a:lvl6pPr marL="2286000" algn="l" defTabSz="914400" rtl="0" eaLnBrk="1" latinLnBrk="0" hangingPunct="1">
-                        <a:defRPr sz="1800" b="1" kern="1200">
-                          <a:solidFill>
-                            <a:schemeClr val="lt1"/>
-                          </a:solidFill>
-                          <a:latin typeface="Calibri" panose="020F0502020204030204"/>
-                        </a:defRPr>
-                      </a:lvl6pPr>
-                      <a:lvl7pPr marL="2743200" algn="l" defTabSz="914400" rtl="0" eaLnBrk="1" latinLnBrk="0" hangingPunct="1">
-                        <a:defRPr sz="1800" b="1" kern="1200">
-                          <a:solidFill>
-                            <a:schemeClr val="lt1"/>
-                          </a:solidFill>
-                          <a:latin typeface="Calibri" panose="020F0502020204030204"/>
-                        </a:defRPr>
-                      </a:lvl7pPr>
-                      <a:lvl8pPr marL="3200400" algn="l" defTabSz="914400" rtl="0" eaLnBrk="1" latinLnBrk="0" hangingPunct="1">
-                        <a:defRPr sz="1800" b="1" kern="1200">
-                          <a:solidFill>
-                            <a:schemeClr val="lt1"/>
-                          </a:solidFill>
-                          <a:latin typeface="Calibri" panose="020F0502020204030204"/>
-                        </a:defRPr>
-                      </a:lvl8pPr>
-                      <a:lvl9pPr marL="3657600" algn="l" defTabSz="914400" rtl="0" eaLnBrk="1" latinLnBrk="0" hangingPunct="1">
-                        <a:defRPr sz="1800" b="1" kern="1200">
-                          <a:solidFill>
-                            <a:schemeClr val="lt1"/>
-                          </a:solidFill>
-                          <a:latin typeface="Calibri" panose="020F0502020204030204"/>
-                        </a:defRPr>
-                      </a:lvl9pPr>
-                    </a:lstStyle>
-                    <a:p>
-                      <a:pPr marL="0" marR="0" algn="ctr" defTabSz="914400" rtl="0" eaLnBrk="1" latinLnBrk="0" hangingPunct="1">
-                        <a:lnSpc>
-                          <a:spcPct val="107000"/>
-                        </a:lnSpc>
-                        <a:spcBef>
-                          <a:spcPts val="0"/>
-                        </a:spcBef>
-                        <a:spcAft>
-                          <a:spcPts val="0"/>
-                        </a:spcAft>
-                      </a:pPr>
-                      <a:r>
-                        <a:rPr lang="en-US" sz="800" kern="1200" dirty="0">
-                          <a:effectLst/>
-                        </a:rPr>
-                        <a:t>9:00 – 10:15</a:t>
-                      </a:r>
-                      <a:endParaRPr lang="en-US" sz="800" b="1" kern="1200" dirty="0">
-                        <a:solidFill>
-                          <a:schemeClr val="lt1"/>
-                        </a:solidFill>
-                        <a:effectLst/>
-                        <a:latin typeface="Calibri" panose="020F0502020204030204" pitchFamily="34" charset="0"/>
-                        <a:ea typeface="+mn-ea"/>
-                        <a:cs typeface="Calibri" panose="020F0502020204030204" pitchFamily="34" charset="0"/>
-                      </a:endParaRPr>
-                    </a:p>
-                  </a:txBody>
-                  <a:tcPr marL="45166" marR="45166" marT="11390" marB="11390">
-                    <a:solidFill>
-                      <a:srgbClr val="0070C0"/>
-                    </a:solidFill>
-                  </a:tcPr>
-                </a:tc>
-                <a:tc>
-                  <a:txBody>
-                    <a:bodyPr/>
-                    <a:lstStyle>
-                      <a:lvl1pPr marL="0" algn="l" defTabSz="914400" rtl="0" eaLnBrk="1" latinLnBrk="0" hangingPunct="1">
-                        <a:defRPr sz="1800" kern="1200">
-                          <a:solidFill>
-                            <a:schemeClr val="dk1"/>
-                          </a:solidFill>
-                          <a:latin typeface="Calibri" panose="020F0502020204030204"/>
-                        </a:defRPr>
-                      </a:lvl1pPr>
-                      <a:lvl2pPr marL="457200" algn="l" defTabSz="914400" rtl="0" eaLnBrk="1" latinLnBrk="0" hangingPunct="1">
-                        <a:defRPr sz="1800" kern="1200">
-                          <a:solidFill>
-                            <a:schemeClr val="dk1"/>
-                          </a:solidFill>
-                          <a:latin typeface="Calibri" panose="020F0502020204030204"/>
-                        </a:defRPr>
-                      </a:lvl2pPr>
-                      <a:lvl3pPr marL="914400" algn="l" defTabSz="914400" rtl="0" eaLnBrk="1" latinLnBrk="0" hangingPunct="1">
-                        <a:defRPr sz="1800" kern="1200">
-                          <a:solidFill>
-                            <a:schemeClr val="dk1"/>
-                          </a:solidFill>
-                          <a:latin typeface="Calibri" panose="020F0502020204030204"/>
-                        </a:defRPr>
-                      </a:lvl3pPr>
-                      <a:lvl4pPr marL="1371600" algn="l" defTabSz="914400" rtl="0" eaLnBrk="1" latinLnBrk="0" hangingPunct="1">
-                        <a:defRPr sz="1800" kern="1200">
-                          <a:solidFill>
-                            <a:schemeClr val="dk1"/>
-                          </a:solidFill>
-                          <a:latin typeface="Calibri" panose="020F0502020204030204"/>
-                        </a:defRPr>
-                      </a:lvl4pPr>
-                      <a:lvl5pPr marL="1828800" algn="l" defTabSz="914400" rtl="0" eaLnBrk="1" latinLnBrk="0" hangingPunct="1">
-                        <a:defRPr sz="1800" kern="1200">
-                          <a:solidFill>
-                            <a:schemeClr val="dk1"/>
-                          </a:solidFill>
-                          <a:latin typeface="Calibri" panose="020F0502020204030204"/>
-                        </a:defRPr>
-                      </a:lvl5pPr>
-                      <a:lvl6pPr marL="2286000" algn="l" defTabSz="914400" rtl="0" eaLnBrk="1" latinLnBrk="0" hangingPunct="1">
-                        <a:defRPr sz="1800" kern="1200">
-                          <a:solidFill>
-                            <a:schemeClr val="dk1"/>
-                          </a:solidFill>
-                          <a:latin typeface="Calibri" panose="020F0502020204030204"/>
-                        </a:defRPr>
-                      </a:lvl6pPr>
-                      <a:lvl7pPr marL="2743200" algn="l" defTabSz="914400" rtl="0" eaLnBrk="1" latinLnBrk="0" hangingPunct="1">
-                        <a:defRPr sz="1800" kern="1200">
-                          <a:solidFill>
-                            <a:schemeClr val="dk1"/>
-                          </a:solidFill>
-                          <a:latin typeface="Calibri" panose="020F0502020204030204"/>
-                        </a:defRPr>
-                      </a:lvl7pPr>
-                      <a:lvl8pPr marL="3200400" algn="l" defTabSz="914400" rtl="0" eaLnBrk="1" latinLnBrk="0" hangingPunct="1">
-                        <a:defRPr sz="1800" kern="1200">
-                          <a:solidFill>
-                            <a:schemeClr val="dk1"/>
-                          </a:solidFill>
-                          <a:latin typeface="Calibri" panose="020F0502020204030204"/>
-                        </a:defRPr>
-                      </a:lvl8pPr>
-                      <a:lvl9pPr marL="3657600" algn="l" defTabSz="914400" rtl="0" eaLnBrk="1" latinLnBrk="0" hangingPunct="1">
-                        <a:defRPr sz="1800" kern="1200">
-                          <a:solidFill>
-                            <a:schemeClr val="dk1"/>
-                          </a:solidFill>
-                          <a:latin typeface="Calibri" panose="020F0502020204030204"/>
-                        </a:defRPr>
-                      </a:lvl9pPr>
-                    </a:lstStyle>
-                    <a:p>
-                      <a:pPr marL="0" marR="0">
-                        <a:lnSpc>
-                          <a:spcPct val="107000"/>
-                        </a:lnSpc>
-                        <a:spcBef>
-                          <a:spcPts val="0"/>
-                        </a:spcBef>
-                        <a:spcAft>
-                          <a:spcPts val="0"/>
-                        </a:spcAft>
-                      </a:pPr>
-                      <a:r>
-                        <a:rPr lang="en-US" sz="900" kern="1200" dirty="0">
-                          <a:effectLst/>
-                        </a:rPr>
-                        <a:t>Exam Tips and Architecting for your company</a:t>
-                      </a:r>
-                      <a:endParaRPr lang="en-US" sz="900" kern="1200" dirty="0">
-                        <a:solidFill>
-                          <a:schemeClr val="dk1"/>
-                        </a:solidFill>
-                        <a:effectLst/>
-                        <a:latin typeface="+mj-lt"/>
-                        <a:ea typeface="+mn-ea"/>
-                        <a:cs typeface="+mn-cs"/>
-                      </a:endParaRPr>
-                    </a:p>
-                  </a:txBody>
-                  <a:tcPr marL="45166" marR="45166" marT="11390" marB="11390"/>
-                </a:tc>
-                <a:tc>
-                  <a:txBody>
-                    <a:bodyPr/>
-                    <a:lstStyle>
-                      <a:lvl1pPr marL="0" algn="l" defTabSz="914400" rtl="0" eaLnBrk="1" latinLnBrk="0" hangingPunct="1">
-                        <a:defRPr sz="1800" kern="1200">
-                          <a:solidFill>
-                            <a:schemeClr val="dk1"/>
-                          </a:solidFill>
-                          <a:latin typeface="Calibri" panose="020F0502020204030204"/>
-                        </a:defRPr>
-                      </a:lvl1pPr>
-                      <a:lvl2pPr marL="457200" algn="l" defTabSz="914400" rtl="0" eaLnBrk="1" latinLnBrk="0" hangingPunct="1">
-                        <a:defRPr sz="1800" kern="1200">
-                          <a:solidFill>
-                            <a:schemeClr val="dk1"/>
-                          </a:solidFill>
-                          <a:latin typeface="Calibri" panose="020F0502020204030204"/>
-                        </a:defRPr>
-                      </a:lvl2pPr>
-                      <a:lvl3pPr marL="914400" algn="l" defTabSz="914400" rtl="0" eaLnBrk="1" latinLnBrk="0" hangingPunct="1">
-                        <a:defRPr sz="1800" kern="1200">
-                          <a:solidFill>
-                            <a:schemeClr val="dk1"/>
-                          </a:solidFill>
-                          <a:latin typeface="Calibri" panose="020F0502020204030204"/>
-                        </a:defRPr>
-                      </a:lvl3pPr>
-                      <a:lvl4pPr marL="1371600" algn="l" defTabSz="914400" rtl="0" eaLnBrk="1" latinLnBrk="0" hangingPunct="1">
-                        <a:defRPr sz="1800" kern="1200">
-                          <a:solidFill>
-                            <a:schemeClr val="dk1"/>
-                          </a:solidFill>
-                          <a:latin typeface="Calibri" panose="020F0502020204030204"/>
-                        </a:defRPr>
-                      </a:lvl4pPr>
-                      <a:lvl5pPr marL="1828800" algn="l" defTabSz="914400" rtl="0" eaLnBrk="1" latinLnBrk="0" hangingPunct="1">
-                        <a:defRPr sz="1800" kern="1200">
-                          <a:solidFill>
-                            <a:schemeClr val="dk1"/>
-                          </a:solidFill>
-                          <a:latin typeface="Calibri" panose="020F0502020204030204"/>
-                        </a:defRPr>
-                      </a:lvl5pPr>
-                      <a:lvl6pPr marL="2286000" algn="l" defTabSz="914400" rtl="0" eaLnBrk="1" latinLnBrk="0" hangingPunct="1">
-                        <a:defRPr sz="1800" kern="1200">
-                          <a:solidFill>
-                            <a:schemeClr val="dk1"/>
-                          </a:solidFill>
-                          <a:latin typeface="Calibri" panose="020F0502020204030204"/>
-                        </a:defRPr>
-                      </a:lvl6pPr>
-                      <a:lvl7pPr marL="2743200" algn="l" defTabSz="914400" rtl="0" eaLnBrk="1" latinLnBrk="0" hangingPunct="1">
-                        <a:defRPr sz="1800" kern="1200">
-                          <a:solidFill>
-                            <a:schemeClr val="dk1"/>
-                          </a:solidFill>
-                          <a:latin typeface="Calibri" panose="020F0502020204030204"/>
-                        </a:defRPr>
-                      </a:lvl7pPr>
-                      <a:lvl8pPr marL="3200400" algn="l" defTabSz="914400" rtl="0" eaLnBrk="1" latinLnBrk="0" hangingPunct="1">
-                        <a:defRPr sz="1800" kern="1200">
-                          <a:solidFill>
-                            <a:schemeClr val="dk1"/>
-                          </a:solidFill>
-                          <a:latin typeface="Calibri" panose="020F0502020204030204"/>
-                        </a:defRPr>
-                      </a:lvl8pPr>
-                      <a:lvl9pPr marL="3657600" algn="l" defTabSz="914400" rtl="0" eaLnBrk="1" latinLnBrk="0" hangingPunct="1">
-                        <a:defRPr sz="1800" kern="1200">
-                          <a:solidFill>
-                            <a:schemeClr val="dk1"/>
-                          </a:solidFill>
-                          <a:latin typeface="Calibri" panose="020F0502020204030204"/>
-                        </a:defRPr>
-                      </a:lvl9pPr>
-                    </a:lstStyle>
-                    <a:p>
-                      <a:pPr marL="0" marR="0">
-                        <a:lnSpc>
-                          <a:spcPct val="107000"/>
-                        </a:lnSpc>
-                        <a:spcBef>
-                          <a:spcPts val="0"/>
-                        </a:spcBef>
-                        <a:spcAft>
-                          <a:spcPts val="0"/>
-                        </a:spcAft>
-                      </a:pPr>
-                      <a:r>
-                        <a:rPr lang="en-US" sz="900" kern="1200" dirty="0">
-                          <a:effectLst/>
-                        </a:rPr>
-                        <a:t>Dan</a:t>
-                      </a:r>
-                      <a:endParaRPr lang="en-US" sz="900" kern="1200" dirty="0">
-                        <a:solidFill>
-                          <a:schemeClr val="dk1"/>
-                        </a:solidFill>
-                        <a:effectLst/>
-                        <a:latin typeface="+mj-lt"/>
-                        <a:ea typeface="+mn-ea"/>
-                        <a:cs typeface="+mn-cs"/>
-                      </a:endParaRPr>
-                    </a:p>
-                  </a:txBody>
-                  <a:tcPr marL="45166" marR="45166" marT="11390" marB="11390"/>
-                </a:tc>
-                <a:extLst>
-                  <a:ext uri="{0D108BD9-81ED-4DB2-BD59-A6C34878D82A}">
-                    <a16:rowId xmlns:a16="http://schemas.microsoft.com/office/drawing/2014/main" val="4107098080"/>
-                  </a:ext>
-                </a:extLst>
-              </a:tr>
-              <a:tr h="172234">
-                <a:tc>
-                  <a:txBody>
-                    <a:bodyPr/>
-                    <a:lstStyle>
-                      <a:lvl1pPr marL="0" algn="l" defTabSz="914400" rtl="0" eaLnBrk="1" latinLnBrk="0" hangingPunct="1">
-                        <a:defRPr sz="1800" b="1" kern="1200">
-                          <a:solidFill>
-                            <a:schemeClr val="lt1"/>
-                          </a:solidFill>
-                          <a:latin typeface="Calibri" panose="020F0502020204030204"/>
-                        </a:defRPr>
-                      </a:lvl1pPr>
-                      <a:lvl2pPr marL="457200" algn="l" defTabSz="914400" rtl="0" eaLnBrk="1" latinLnBrk="0" hangingPunct="1">
-                        <a:defRPr sz="1800" b="1" kern="1200">
-                          <a:solidFill>
-                            <a:schemeClr val="lt1"/>
-                          </a:solidFill>
-                          <a:latin typeface="Calibri" panose="020F0502020204030204"/>
-                        </a:defRPr>
-                      </a:lvl2pPr>
-                      <a:lvl3pPr marL="914400" algn="l" defTabSz="914400" rtl="0" eaLnBrk="1" latinLnBrk="0" hangingPunct="1">
-                        <a:defRPr sz="1800" b="1" kern="1200">
-                          <a:solidFill>
-                            <a:schemeClr val="lt1"/>
-                          </a:solidFill>
-                          <a:latin typeface="Calibri" panose="020F0502020204030204"/>
-                        </a:defRPr>
-                      </a:lvl3pPr>
-                      <a:lvl4pPr marL="1371600" algn="l" defTabSz="914400" rtl="0" eaLnBrk="1" latinLnBrk="0" hangingPunct="1">
-                        <a:defRPr sz="1800" b="1" kern="1200">
-                          <a:solidFill>
-                            <a:schemeClr val="lt1"/>
-                          </a:solidFill>
-                          <a:latin typeface="Calibri" panose="020F0502020204030204"/>
-                        </a:defRPr>
-                      </a:lvl4pPr>
-                      <a:lvl5pPr marL="1828800" algn="l" defTabSz="914400" rtl="0" eaLnBrk="1" latinLnBrk="0" hangingPunct="1">
-                        <a:defRPr sz="1800" b="1" kern="1200">
-                          <a:solidFill>
-                            <a:schemeClr val="lt1"/>
-                          </a:solidFill>
-                          <a:latin typeface="Calibri" panose="020F0502020204030204"/>
-                        </a:defRPr>
-                      </a:lvl5pPr>
-                      <a:lvl6pPr marL="2286000" algn="l" defTabSz="914400" rtl="0" eaLnBrk="1" latinLnBrk="0" hangingPunct="1">
-                        <a:defRPr sz="1800" b="1" kern="1200">
-                          <a:solidFill>
-                            <a:schemeClr val="lt1"/>
-                          </a:solidFill>
-                          <a:latin typeface="Calibri" panose="020F0502020204030204"/>
-                        </a:defRPr>
-                      </a:lvl6pPr>
-                      <a:lvl7pPr marL="2743200" algn="l" defTabSz="914400" rtl="0" eaLnBrk="1" latinLnBrk="0" hangingPunct="1">
-                        <a:defRPr sz="1800" b="1" kern="1200">
-                          <a:solidFill>
-                            <a:schemeClr val="lt1"/>
-                          </a:solidFill>
-                          <a:latin typeface="Calibri" panose="020F0502020204030204"/>
-                        </a:defRPr>
-                      </a:lvl7pPr>
-                      <a:lvl8pPr marL="3200400" algn="l" defTabSz="914400" rtl="0" eaLnBrk="1" latinLnBrk="0" hangingPunct="1">
-                        <a:defRPr sz="1800" b="1" kern="1200">
-                          <a:solidFill>
-                            <a:schemeClr val="lt1"/>
-                          </a:solidFill>
-                          <a:latin typeface="Calibri" panose="020F0502020204030204"/>
-                        </a:defRPr>
-                      </a:lvl8pPr>
-                      <a:lvl9pPr marL="3657600" algn="l" defTabSz="914400" rtl="0" eaLnBrk="1" latinLnBrk="0" hangingPunct="1">
-                        <a:defRPr sz="1800" b="1" kern="1200">
-                          <a:solidFill>
-                            <a:schemeClr val="lt1"/>
-                          </a:solidFill>
-                          <a:latin typeface="Calibri" panose="020F0502020204030204"/>
-                        </a:defRPr>
-                      </a:lvl9pPr>
-                    </a:lstStyle>
-                    <a:p>
-                      <a:pPr marL="0" marR="0" algn="ctr" defTabSz="914400" rtl="0" eaLnBrk="1" latinLnBrk="0" hangingPunct="1">
-                        <a:lnSpc>
-                          <a:spcPct val="107000"/>
-                        </a:lnSpc>
-                        <a:spcBef>
-                          <a:spcPts val="0"/>
-                        </a:spcBef>
-                        <a:spcAft>
-                          <a:spcPts val="0"/>
-                        </a:spcAft>
-                      </a:pPr>
-                      <a:r>
-                        <a:rPr lang="en-US" sz="800" kern="1200" dirty="0">
-                          <a:effectLst/>
-                        </a:rPr>
-                        <a:t>10:15 – 10:30</a:t>
-                      </a:r>
-                      <a:endParaRPr lang="en-US" sz="800" b="1" kern="1200" dirty="0">
-                        <a:solidFill>
-                          <a:schemeClr val="lt1"/>
-                        </a:solidFill>
-                        <a:effectLst/>
-                        <a:latin typeface="Calibri" panose="020F0502020204030204" pitchFamily="34" charset="0"/>
-                        <a:ea typeface="+mn-ea"/>
-                        <a:cs typeface="Calibri" panose="020F0502020204030204" pitchFamily="34" charset="0"/>
-                      </a:endParaRPr>
-                    </a:p>
-                  </a:txBody>
-                  <a:tcPr marL="45166" marR="45166" marT="11390" marB="11390">
-                    <a:solidFill>
-                      <a:srgbClr val="0070C0"/>
-                    </a:solidFill>
-                  </a:tcPr>
-                </a:tc>
-                <a:tc gridSpan="2">
-                  <a:txBody>
-                    <a:bodyPr/>
-                    <a:lstStyle>
-                      <a:lvl1pPr marL="0" algn="l" defTabSz="914400" rtl="0" eaLnBrk="1" latinLnBrk="0" hangingPunct="1">
-                        <a:defRPr sz="1800" kern="1200">
-                          <a:solidFill>
-                            <a:schemeClr val="dk1"/>
-                          </a:solidFill>
-                          <a:latin typeface="Calibri" panose="020F0502020204030204"/>
-                        </a:defRPr>
-                      </a:lvl1pPr>
-                      <a:lvl2pPr marL="457200" algn="l" defTabSz="914400" rtl="0" eaLnBrk="1" latinLnBrk="0" hangingPunct="1">
-                        <a:defRPr sz="1800" kern="1200">
-                          <a:solidFill>
-                            <a:schemeClr val="dk1"/>
-                          </a:solidFill>
-                          <a:latin typeface="Calibri" panose="020F0502020204030204"/>
-                        </a:defRPr>
-                      </a:lvl2pPr>
-                      <a:lvl3pPr marL="914400" algn="l" defTabSz="914400" rtl="0" eaLnBrk="1" latinLnBrk="0" hangingPunct="1">
-                        <a:defRPr sz="1800" kern="1200">
-                          <a:solidFill>
-                            <a:schemeClr val="dk1"/>
-                          </a:solidFill>
-                          <a:latin typeface="Calibri" panose="020F0502020204030204"/>
-                        </a:defRPr>
-                      </a:lvl3pPr>
-                      <a:lvl4pPr marL="1371600" algn="l" defTabSz="914400" rtl="0" eaLnBrk="1" latinLnBrk="0" hangingPunct="1">
-                        <a:defRPr sz="1800" kern="1200">
-                          <a:solidFill>
-                            <a:schemeClr val="dk1"/>
-                          </a:solidFill>
-                          <a:latin typeface="Calibri" panose="020F0502020204030204"/>
-                        </a:defRPr>
-                      </a:lvl4pPr>
-                      <a:lvl5pPr marL="1828800" algn="l" defTabSz="914400" rtl="0" eaLnBrk="1" latinLnBrk="0" hangingPunct="1">
-                        <a:defRPr sz="1800" kern="1200">
-                          <a:solidFill>
-                            <a:schemeClr val="dk1"/>
-                          </a:solidFill>
-                          <a:latin typeface="Calibri" panose="020F0502020204030204"/>
-                        </a:defRPr>
-                      </a:lvl5pPr>
-                      <a:lvl6pPr marL="2286000" algn="l" defTabSz="914400" rtl="0" eaLnBrk="1" latinLnBrk="0" hangingPunct="1">
-                        <a:defRPr sz="1800" kern="1200">
-                          <a:solidFill>
-                            <a:schemeClr val="dk1"/>
-                          </a:solidFill>
-                          <a:latin typeface="Calibri" panose="020F0502020204030204"/>
-                        </a:defRPr>
-                      </a:lvl6pPr>
-                      <a:lvl7pPr marL="2743200" algn="l" defTabSz="914400" rtl="0" eaLnBrk="1" latinLnBrk="0" hangingPunct="1">
-                        <a:defRPr sz="1800" kern="1200">
-                          <a:solidFill>
-                            <a:schemeClr val="dk1"/>
-                          </a:solidFill>
-                          <a:latin typeface="Calibri" panose="020F0502020204030204"/>
-                        </a:defRPr>
-                      </a:lvl7pPr>
-                      <a:lvl8pPr marL="3200400" algn="l" defTabSz="914400" rtl="0" eaLnBrk="1" latinLnBrk="0" hangingPunct="1">
-                        <a:defRPr sz="1800" kern="1200">
-                          <a:solidFill>
-                            <a:schemeClr val="dk1"/>
-                          </a:solidFill>
-                          <a:latin typeface="Calibri" panose="020F0502020204030204"/>
-                        </a:defRPr>
-                      </a:lvl8pPr>
-                      <a:lvl9pPr marL="3657600" algn="l" defTabSz="914400" rtl="0" eaLnBrk="1" latinLnBrk="0" hangingPunct="1">
-                        <a:defRPr sz="1800" kern="1200">
-                          <a:solidFill>
-                            <a:schemeClr val="dk1"/>
-                          </a:solidFill>
-                          <a:latin typeface="Calibri" panose="020F0502020204030204"/>
-                        </a:defRPr>
-                      </a:lvl9pPr>
-                    </a:lstStyle>
-                    <a:p>
-                      <a:pPr marL="0" marR="0" algn="ctr">
-                        <a:lnSpc>
-                          <a:spcPct val="107000"/>
-                        </a:lnSpc>
-                        <a:spcBef>
-                          <a:spcPts val="0"/>
-                        </a:spcBef>
-                        <a:spcAft>
-                          <a:spcPts val="0"/>
-                        </a:spcAft>
-                      </a:pPr>
-                      <a:r>
-                        <a:rPr lang="en-US" sz="900" kern="1200" dirty="0">
-                          <a:effectLst/>
-                        </a:rPr>
-                        <a:t>Break &amp; Networking with Microsoft</a:t>
-                      </a:r>
-                      <a:endParaRPr lang="en-US" sz="900" kern="1200" dirty="0">
-                        <a:solidFill>
-                          <a:schemeClr val="dk1"/>
-                        </a:solidFill>
-                        <a:effectLst/>
-                        <a:latin typeface="+mj-lt"/>
-                        <a:ea typeface="+mn-ea"/>
-                        <a:cs typeface="+mn-cs"/>
-                      </a:endParaRPr>
-                    </a:p>
-                  </a:txBody>
-                  <a:tcPr marL="45166" marR="45166" marT="11390" marB="11390">
-                    <a:solidFill>
-                      <a:srgbClr val="FFC000"/>
-                    </a:solidFill>
-                  </a:tcPr>
-                </a:tc>
-                <a:tc hMerge="1">
-                  <a:txBody>
-                    <a:bodyPr/>
-                    <a:lstStyle/>
-                    <a:p>
-                      <a:endParaRPr lang="en-US"/>
-                    </a:p>
-                  </a:txBody>
-                  <a:tcPr/>
-                </a:tc>
-                <a:extLst>
-                  <a:ext uri="{0D108BD9-81ED-4DB2-BD59-A6C34878D82A}">
-                    <a16:rowId xmlns:a16="http://schemas.microsoft.com/office/drawing/2014/main" val="3795867663"/>
-                  </a:ext>
-                </a:extLst>
-              </a:tr>
-              <a:tr h="192197">
-                <a:tc>
-                  <a:txBody>
-                    <a:bodyPr/>
-                    <a:lstStyle>
-                      <a:lvl1pPr marL="0" algn="l" defTabSz="914400" rtl="0" eaLnBrk="1" latinLnBrk="0" hangingPunct="1">
-                        <a:defRPr sz="1800" b="1" kern="1200">
-                          <a:solidFill>
-                            <a:schemeClr val="lt1"/>
-                          </a:solidFill>
-                          <a:latin typeface="Calibri" panose="020F0502020204030204"/>
-                        </a:defRPr>
-                      </a:lvl1pPr>
-                      <a:lvl2pPr marL="457200" algn="l" defTabSz="914400" rtl="0" eaLnBrk="1" latinLnBrk="0" hangingPunct="1">
-                        <a:defRPr sz="1800" b="1" kern="1200">
-                          <a:solidFill>
-                            <a:schemeClr val="lt1"/>
-                          </a:solidFill>
-                          <a:latin typeface="Calibri" panose="020F0502020204030204"/>
-                        </a:defRPr>
-                      </a:lvl2pPr>
-                      <a:lvl3pPr marL="914400" algn="l" defTabSz="914400" rtl="0" eaLnBrk="1" latinLnBrk="0" hangingPunct="1">
-                        <a:defRPr sz="1800" b="1" kern="1200">
-                          <a:solidFill>
-                            <a:schemeClr val="lt1"/>
-                          </a:solidFill>
-                          <a:latin typeface="Calibri" panose="020F0502020204030204"/>
-                        </a:defRPr>
-                      </a:lvl3pPr>
-                      <a:lvl4pPr marL="1371600" algn="l" defTabSz="914400" rtl="0" eaLnBrk="1" latinLnBrk="0" hangingPunct="1">
-                        <a:defRPr sz="1800" b="1" kern="1200">
-                          <a:solidFill>
-                            <a:schemeClr val="lt1"/>
-                          </a:solidFill>
-                          <a:latin typeface="Calibri" panose="020F0502020204030204"/>
-                        </a:defRPr>
-                      </a:lvl4pPr>
-                      <a:lvl5pPr marL="1828800" algn="l" defTabSz="914400" rtl="0" eaLnBrk="1" latinLnBrk="0" hangingPunct="1">
-                        <a:defRPr sz="1800" b="1" kern="1200">
-                          <a:solidFill>
-                            <a:schemeClr val="lt1"/>
-                          </a:solidFill>
-                          <a:latin typeface="Calibri" panose="020F0502020204030204"/>
-                        </a:defRPr>
-                      </a:lvl5pPr>
-                      <a:lvl6pPr marL="2286000" algn="l" defTabSz="914400" rtl="0" eaLnBrk="1" latinLnBrk="0" hangingPunct="1">
-                        <a:defRPr sz="1800" b="1" kern="1200">
-                          <a:solidFill>
-                            <a:schemeClr val="lt1"/>
-                          </a:solidFill>
-                          <a:latin typeface="Calibri" panose="020F0502020204030204"/>
-                        </a:defRPr>
-                      </a:lvl6pPr>
-                      <a:lvl7pPr marL="2743200" algn="l" defTabSz="914400" rtl="0" eaLnBrk="1" latinLnBrk="0" hangingPunct="1">
-                        <a:defRPr sz="1800" b="1" kern="1200">
-                          <a:solidFill>
-                            <a:schemeClr val="lt1"/>
-                          </a:solidFill>
-                          <a:latin typeface="Calibri" panose="020F0502020204030204"/>
-                        </a:defRPr>
-                      </a:lvl7pPr>
-                      <a:lvl8pPr marL="3200400" algn="l" defTabSz="914400" rtl="0" eaLnBrk="1" latinLnBrk="0" hangingPunct="1">
-                        <a:defRPr sz="1800" b="1" kern="1200">
-                          <a:solidFill>
-                            <a:schemeClr val="lt1"/>
-                          </a:solidFill>
-                          <a:latin typeface="Calibri" panose="020F0502020204030204"/>
-                        </a:defRPr>
-                      </a:lvl8pPr>
-                      <a:lvl9pPr marL="3657600" algn="l" defTabSz="914400" rtl="0" eaLnBrk="1" latinLnBrk="0" hangingPunct="1">
-                        <a:defRPr sz="1800" b="1" kern="1200">
-                          <a:solidFill>
-                            <a:schemeClr val="lt1"/>
-                          </a:solidFill>
-                          <a:latin typeface="Calibri" panose="020F0502020204030204"/>
-                        </a:defRPr>
-                      </a:lvl9pPr>
-                    </a:lstStyle>
-                    <a:p>
-                      <a:pPr marL="0" marR="0" algn="ctr" defTabSz="914400" rtl="0" eaLnBrk="1" latinLnBrk="0" hangingPunct="1">
-                        <a:lnSpc>
-                          <a:spcPct val="107000"/>
-                        </a:lnSpc>
-                        <a:spcBef>
-                          <a:spcPts val="0"/>
-                        </a:spcBef>
-                        <a:spcAft>
-                          <a:spcPts val="0"/>
-                        </a:spcAft>
-                      </a:pPr>
-                      <a:r>
-                        <a:rPr lang="en-US" sz="800" kern="1200" dirty="0">
-                          <a:effectLst/>
-                        </a:rPr>
-                        <a:t>10:30 – 12:00</a:t>
-                      </a:r>
-                      <a:endParaRPr lang="en-US" sz="800" b="1" kern="1200" dirty="0">
-                        <a:solidFill>
-                          <a:schemeClr val="lt1"/>
-                        </a:solidFill>
-                        <a:effectLst/>
-                        <a:latin typeface="Calibri" panose="020F0502020204030204" pitchFamily="34" charset="0"/>
-                        <a:ea typeface="+mn-ea"/>
-                        <a:cs typeface="Calibri" panose="020F0502020204030204" pitchFamily="34" charset="0"/>
-                      </a:endParaRPr>
-                    </a:p>
-                  </a:txBody>
-                  <a:tcPr marL="45166" marR="45166" marT="11390" marB="11390">
-                    <a:solidFill>
-                      <a:srgbClr val="0070C0"/>
-                    </a:solidFill>
-                  </a:tcPr>
-                </a:tc>
-                <a:tc>
-                  <a:txBody>
-                    <a:bodyPr/>
-                    <a:lstStyle>
-                      <a:lvl1pPr marL="0" algn="l" defTabSz="914400" rtl="0" eaLnBrk="1" latinLnBrk="0" hangingPunct="1">
-                        <a:defRPr sz="1800" kern="1200">
-                          <a:solidFill>
-                            <a:schemeClr val="dk1"/>
-                          </a:solidFill>
-                          <a:latin typeface="Calibri" panose="020F0502020204030204"/>
-                        </a:defRPr>
-                      </a:lvl1pPr>
-                      <a:lvl2pPr marL="457200" algn="l" defTabSz="914400" rtl="0" eaLnBrk="1" latinLnBrk="0" hangingPunct="1">
-                        <a:defRPr sz="1800" kern="1200">
-                          <a:solidFill>
-                            <a:schemeClr val="dk1"/>
-                          </a:solidFill>
-                          <a:latin typeface="Calibri" panose="020F0502020204030204"/>
-                        </a:defRPr>
-                      </a:lvl2pPr>
-                      <a:lvl3pPr marL="914400" algn="l" defTabSz="914400" rtl="0" eaLnBrk="1" latinLnBrk="0" hangingPunct="1">
-                        <a:defRPr sz="1800" kern="1200">
-                          <a:solidFill>
-                            <a:schemeClr val="dk1"/>
-                          </a:solidFill>
-                          <a:latin typeface="Calibri" panose="020F0502020204030204"/>
-                        </a:defRPr>
-                      </a:lvl3pPr>
-                      <a:lvl4pPr marL="1371600" algn="l" defTabSz="914400" rtl="0" eaLnBrk="1" latinLnBrk="0" hangingPunct="1">
-                        <a:defRPr sz="1800" kern="1200">
-                          <a:solidFill>
-                            <a:schemeClr val="dk1"/>
-                          </a:solidFill>
-                          <a:latin typeface="Calibri" panose="020F0502020204030204"/>
-                        </a:defRPr>
-                      </a:lvl4pPr>
-                      <a:lvl5pPr marL="1828800" algn="l" defTabSz="914400" rtl="0" eaLnBrk="1" latinLnBrk="0" hangingPunct="1">
-                        <a:defRPr sz="1800" kern="1200">
-                          <a:solidFill>
-                            <a:schemeClr val="dk1"/>
-                          </a:solidFill>
-                          <a:latin typeface="Calibri" panose="020F0502020204030204"/>
-                        </a:defRPr>
-                      </a:lvl5pPr>
-                      <a:lvl6pPr marL="2286000" algn="l" defTabSz="914400" rtl="0" eaLnBrk="1" latinLnBrk="0" hangingPunct="1">
-                        <a:defRPr sz="1800" kern="1200">
-                          <a:solidFill>
-                            <a:schemeClr val="dk1"/>
-                          </a:solidFill>
-                          <a:latin typeface="Calibri" panose="020F0502020204030204"/>
-                        </a:defRPr>
-                      </a:lvl6pPr>
-                      <a:lvl7pPr marL="2743200" algn="l" defTabSz="914400" rtl="0" eaLnBrk="1" latinLnBrk="0" hangingPunct="1">
-                        <a:defRPr sz="1800" kern="1200">
-                          <a:solidFill>
-                            <a:schemeClr val="dk1"/>
-                          </a:solidFill>
-                          <a:latin typeface="Calibri" panose="020F0502020204030204"/>
-                        </a:defRPr>
-                      </a:lvl7pPr>
-                      <a:lvl8pPr marL="3200400" algn="l" defTabSz="914400" rtl="0" eaLnBrk="1" latinLnBrk="0" hangingPunct="1">
-                        <a:defRPr sz="1800" kern="1200">
-                          <a:solidFill>
-                            <a:schemeClr val="dk1"/>
-                          </a:solidFill>
-                          <a:latin typeface="Calibri" panose="020F0502020204030204"/>
-                        </a:defRPr>
-                      </a:lvl8pPr>
-                      <a:lvl9pPr marL="3657600" algn="l" defTabSz="914400" rtl="0" eaLnBrk="1" latinLnBrk="0" hangingPunct="1">
-                        <a:defRPr sz="1800" kern="1200">
-                          <a:solidFill>
-                            <a:schemeClr val="dk1"/>
-                          </a:solidFill>
-                          <a:latin typeface="Calibri" panose="020F0502020204030204"/>
-                        </a:defRPr>
-                      </a:lvl9pPr>
-                    </a:lstStyle>
-                    <a:p>
-                      <a:pPr marL="0" marR="0">
-                        <a:lnSpc>
-                          <a:spcPct val="107000"/>
-                        </a:lnSpc>
-                        <a:spcBef>
-                          <a:spcPts val="0"/>
-                        </a:spcBef>
-                        <a:spcAft>
-                          <a:spcPts val="0"/>
-                        </a:spcAft>
-                      </a:pPr>
-                      <a:r>
-                        <a:rPr lang="en-US" sz="900" kern="1200" dirty="0">
-                          <a:effectLst/>
-                        </a:rPr>
-                        <a:t>Design Solutions using Platform Services, Part 1</a:t>
-                      </a:r>
-                      <a:endParaRPr lang="en-US" sz="900" kern="1200" dirty="0">
-                        <a:solidFill>
-                          <a:schemeClr val="dk1"/>
-                        </a:solidFill>
-                        <a:effectLst/>
-                        <a:latin typeface="+mj-lt"/>
-                        <a:ea typeface="+mn-ea"/>
-                        <a:cs typeface="+mn-cs"/>
-                      </a:endParaRPr>
-                    </a:p>
-                  </a:txBody>
-                  <a:tcPr marL="45166" marR="45166" marT="11390" marB="11390"/>
-                </a:tc>
-                <a:tc>
-                  <a:txBody>
-                    <a:bodyPr/>
-                    <a:lstStyle>
-                      <a:lvl1pPr marL="0" algn="l" defTabSz="914400" rtl="0" eaLnBrk="1" latinLnBrk="0" hangingPunct="1">
-                        <a:defRPr sz="1800" kern="1200">
-                          <a:solidFill>
-                            <a:schemeClr val="dk1"/>
-                          </a:solidFill>
-                          <a:latin typeface="Calibri" panose="020F0502020204030204"/>
-                        </a:defRPr>
-                      </a:lvl1pPr>
-                      <a:lvl2pPr marL="457200" algn="l" defTabSz="914400" rtl="0" eaLnBrk="1" latinLnBrk="0" hangingPunct="1">
-                        <a:defRPr sz="1800" kern="1200">
-                          <a:solidFill>
-                            <a:schemeClr val="dk1"/>
-                          </a:solidFill>
-                          <a:latin typeface="Calibri" panose="020F0502020204030204"/>
-                        </a:defRPr>
-                      </a:lvl2pPr>
-                      <a:lvl3pPr marL="914400" algn="l" defTabSz="914400" rtl="0" eaLnBrk="1" latinLnBrk="0" hangingPunct="1">
-                        <a:defRPr sz="1800" kern="1200">
-                          <a:solidFill>
-                            <a:schemeClr val="dk1"/>
-                          </a:solidFill>
-                          <a:latin typeface="Calibri" panose="020F0502020204030204"/>
-                        </a:defRPr>
-                      </a:lvl3pPr>
-                      <a:lvl4pPr marL="1371600" algn="l" defTabSz="914400" rtl="0" eaLnBrk="1" latinLnBrk="0" hangingPunct="1">
-                        <a:defRPr sz="1800" kern="1200">
-                          <a:solidFill>
-                            <a:schemeClr val="dk1"/>
-                          </a:solidFill>
-                          <a:latin typeface="Calibri" panose="020F0502020204030204"/>
-                        </a:defRPr>
-                      </a:lvl4pPr>
-                      <a:lvl5pPr marL="1828800" algn="l" defTabSz="914400" rtl="0" eaLnBrk="1" latinLnBrk="0" hangingPunct="1">
-                        <a:defRPr sz="1800" kern="1200">
-                          <a:solidFill>
-                            <a:schemeClr val="dk1"/>
-                          </a:solidFill>
-                          <a:latin typeface="Calibri" panose="020F0502020204030204"/>
-                        </a:defRPr>
-                      </a:lvl5pPr>
-                      <a:lvl6pPr marL="2286000" algn="l" defTabSz="914400" rtl="0" eaLnBrk="1" latinLnBrk="0" hangingPunct="1">
-                        <a:defRPr sz="1800" kern="1200">
-                          <a:solidFill>
-                            <a:schemeClr val="dk1"/>
-                          </a:solidFill>
-                          <a:latin typeface="Calibri" panose="020F0502020204030204"/>
-                        </a:defRPr>
-                      </a:lvl6pPr>
-                      <a:lvl7pPr marL="2743200" algn="l" defTabSz="914400" rtl="0" eaLnBrk="1" latinLnBrk="0" hangingPunct="1">
-                        <a:defRPr sz="1800" kern="1200">
-                          <a:solidFill>
-                            <a:schemeClr val="dk1"/>
-                          </a:solidFill>
-                          <a:latin typeface="Calibri" panose="020F0502020204030204"/>
-                        </a:defRPr>
-                      </a:lvl7pPr>
-                      <a:lvl8pPr marL="3200400" algn="l" defTabSz="914400" rtl="0" eaLnBrk="1" latinLnBrk="0" hangingPunct="1">
-                        <a:defRPr sz="1800" kern="1200">
-                          <a:solidFill>
-                            <a:schemeClr val="dk1"/>
-                          </a:solidFill>
-                          <a:latin typeface="Calibri" panose="020F0502020204030204"/>
-                        </a:defRPr>
-                      </a:lvl8pPr>
-                      <a:lvl9pPr marL="3657600" algn="l" defTabSz="914400" rtl="0" eaLnBrk="1" latinLnBrk="0" hangingPunct="1">
-                        <a:defRPr sz="1800" kern="1200">
-                          <a:solidFill>
-                            <a:schemeClr val="dk1"/>
-                          </a:solidFill>
-                          <a:latin typeface="Calibri" panose="020F0502020204030204"/>
-                        </a:defRPr>
-                      </a:lvl9pPr>
-                    </a:lstStyle>
-                    <a:p>
-                      <a:pPr marL="0" marR="0">
-                        <a:lnSpc>
-                          <a:spcPct val="107000"/>
-                        </a:lnSpc>
-                        <a:spcBef>
-                          <a:spcPts val="0"/>
-                        </a:spcBef>
-                        <a:spcAft>
-                          <a:spcPts val="0"/>
-                        </a:spcAft>
-                      </a:pPr>
-                      <a:r>
-                        <a:rPr lang="en-US" sz="900" kern="1200" dirty="0">
-                          <a:effectLst/>
-                        </a:rPr>
-                        <a:t>Coach</a:t>
-                      </a:r>
-                      <a:endParaRPr lang="en-US" sz="900" kern="1200" dirty="0">
-                        <a:solidFill>
-                          <a:schemeClr val="dk1"/>
-                        </a:solidFill>
-                        <a:effectLst/>
-                        <a:latin typeface="+mj-lt"/>
-                        <a:ea typeface="+mn-ea"/>
-                        <a:cs typeface="+mn-cs"/>
-                      </a:endParaRPr>
-                    </a:p>
-                  </a:txBody>
-                  <a:tcPr marL="45166" marR="45166" marT="11390" marB="11390"/>
-                </a:tc>
-                <a:extLst>
-                  <a:ext uri="{0D108BD9-81ED-4DB2-BD59-A6C34878D82A}">
-                    <a16:rowId xmlns:a16="http://schemas.microsoft.com/office/drawing/2014/main" val="543961611"/>
-                  </a:ext>
-                </a:extLst>
-              </a:tr>
-              <a:tr h="203341">
-                <a:tc>
-                  <a:txBody>
-                    <a:bodyPr/>
-                    <a:lstStyle>
-                      <a:lvl1pPr marL="0" algn="l" defTabSz="914400" rtl="0" eaLnBrk="1" latinLnBrk="0" hangingPunct="1">
-                        <a:defRPr sz="1800" b="1" kern="1200">
-                          <a:solidFill>
-                            <a:schemeClr val="lt1"/>
-                          </a:solidFill>
-                          <a:latin typeface="Calibri" panose="020F0502020204030204"/>
-                        </a:defRPr>
-                      </a:lvl1pPr>
-                      <a:lvl2pPr marL="457200" algn="l" defTabSz="914400" rtl="0" eaLnBrk="1" latinLnBrk="0" hangingPunct="1">
-                        <a:defRPr sz="1800" b="1" kern="1200">
-                          <a:solidFill>
-                            <a:schemeClr val="lt1"/>
-                          </a:solidFill>
-                          <a:latin typeface="Calibri" panose="020F0502020204030204"/>
-                        </a:defRPr>
-                      </a:lvl2pPr>
-                      <a:lvl3pPr marL="914400" algn="l" defTabSz="914400" rtl="0" eaLnBrk="1" latinLnBrk="0" hangingPunct="1">
-                        <a:defRPr sz="1800" b="1" kern="1200">
-                          <a:solidFill>
-                            <a:schemeClr val="lt1"/>
-                          </a:solidFill>
-                          <a:latin typeface="Calibri" panose="020F0502020204030204"/>
-                        </a:defRPr>
-                      </a:lvl3pPr>
-                      <a:lvl4pPr marL="1371600" algn="l" defTabSz="914400" rtl="0" eaLnBrk="1" latinLnBrk="0" hangingPunct="1">
-                        <a:defRPr sz="1800" b="1" kern="1200">
-                          <a:solidFill>
-                            <a:schemeClr val="lt1"/>
-                          </a:solidFill>
-                          <a:latin typeface="Calibri" panose="020F0502020204030204"/>
-                        </a:defRPr>
-                      </a:lvl4pPr>
-                      <a:lvl5pPr marL="1828800" algn="l" defTabSz="914400" rtl="0" eaLnBrk="1" latinLnBrk="0" hangingPunct="1">
-                        <a:defRPr sz="1800" b="1" kern="1200">
-                          <a:solidFill>
-                            <a:schemeClr val="lt1"/>
-                          </a:solidFill>
-                          <a:latin typeface="Calibri" panose="020F0502020204030204"/>
-                        </a:defRPr>
-                      </a:lvl5pPr>
-                      <a:lvl6pPr marL="2286000" algn="l" defTabSz="914400" rtl="0" eaLnBrk="1" latinLnBrk="0" hangingPunct="1">
-                        <a:defRPr sz="1800" b="1" kern="1200">
-                          <a:solidFill>
-                            <a:schemeClr val="lt1"/>
-                          </a:solidFill>
-                          <a:latin typeface="Calibri" panose="020F0502020204030204"/>
-                        </a:defRPr>
-                      </a:lvl6pPr>
-                      <a:lvl7pPr marL="2743200" algn="l" defTabSz="914400" rtl="0" eaLnBrk="1" latinLnBrk="0" hangingPunct="1">
-                        <a:defRPr sz="1800" b="1" kern="1200">
-                          <a:solidFill>
-                            <a:schemeClr val="lt1"/>
-                          </a:solidFill>
-                          <a:latin typeface="Calibri" panose="020F0502020204030204"/>
-                        </a:defRPr>
-                      </a:lvl7pPr>
-                      <a:lvl8pPr marL="3200400" algn="l" defTabSz="914400" rtl="0" eaLnBrk="1" latinLnBrk="0" hangingPunct="1">
-                        <a:defRPr sz="1800" b="1" kern="1200">
-                          <a:solidFill>
-                            <a:schemeClr val="lt1"/>
-                          </a:solidFill>
-                          <a:latin typeface="Calibri" panose="020F0502020204030204"/>
-                        </a:defRPr>
-                      </a:lvl8pPr>
-                      <a:lvl9pPr marL="3657600" algn="l" defTabSz="914400" rtl="0" eaLnBrk="1" latinLnBrk="0" hangingPunct="1">
-                        <a:defRPr sz="1800" b="1" kern="1200">
-                          <a:solidFill>
-                            <a:schemeClr val="lt1"/>
-                          </a:solidFill>
-                          <a:latin typeface="Calibri" panose="020F0502020204030204"/>
-                        </a:defRPr>
-                      </a:lvl9pPr>
-                    </a:lstStyle>
-                    <a:p>
-                      <a:pPr marL="0" marR="0" algn="ctr" defTabSz="914400" rtl="0" eaLnBrk="1" latinLnBrk="0" hangingPunct="1">
-                        <a:lnSpc>
-                          <a:spcPct val="107000"/>
-                        </a:lnSpc>
-                        <a:spcBef>
-                          <a:spcPts val="0"/>
-                        </a:spcBef>
-                        <a:spcAft>
-                          <a:spcPts val="0"/>
-                        </a:spcAft>
-                      </a:pPr>
-                      <a:r>
-                        <a:rPr lang="en-US" sz="800" kern="1200" dirty="0">
-                          <a:effectLst/>
-                        </a:rPr>
-                        <a:t>12:00 – 1:00</a:t>
-                      </a:r>
-                      <a:endParaRPr lang="en-US" sz="800" b="1" kern="1200" dirty="0">
-                        <a:solidFill>
-                          <a:schemeClr val="lt1"/>
-                        </a:solidFill>
-                        <a:effectLst/>
-                        <a:latin typeface="Calibri" panose="020F0502020204030204" pitchFamily="34" charset="0"/>
-                        <a:ea typeface="+mn-ea"/>
-                        <a:cs typeface="Calibri" panose="020F0502020204030204" pitchFamily="34" charset="0"/>
-                      </a:endParaRPr>
-                    </a:p>
-                  </a:txBody>
-                  <a:tcPr marL="45166" marR="45166" marT="11390" marB="11390">
-                    <a:solidFill>
-                      <a:srgbClr val="0070C0"/>
-                    </a:solidFill>
-                  </a:tcPr>
-                </a:tc>
-                <a:tc gridSpan="2">
-                  <a:txBody>
-                    <a:bodyPr/>
-                    <a:lstStyle>
-                      <a:lvl1pPr marL="0" algn="l" defTabSz="914400" rtl="0" eaLnBrk="1" latinLnBrk="0" hangingPunct="1">
-                        <a:defRPr sz="1800" kern="1200">
-                          <a:solidFill>
-                            <a:schemeClr val="dk1"/>
-                          </a:solidFill>
-                          <a:latin typeface="Calibri" panose="020F0502020204030204"/>
-                        </a:defRPr>
-                      </a:lvl1pPr>
-                      <a:lvl2pPr marL="457200" algn="l" defTabSz="914400" rtl="0" eaLnBrk="1" latinLnBrk="0" hangingPunct="1">
-                        <a:defRPr sz="1800" kern="1200">
-                          <a:solidFill>
-                            <a:schemeClr val="dk1"/>
-                          </a:solidFill>
-                          <a:latin typeface="Calibri" panose="020F0502020204030204"/>
-                        </a:defRPr>
-                      </a:lvl2pPr>
-                      <a:lvl3pPr marL="914400" algn="l" defTabSz="914400" rtl="0" eaLnBrk="1" latinLnBrk="0" hangingPunct="1">
-                        <a:defRPr sz="1800" kern="1200">
-                          <a:solidFill>
-                            <a:schemeClr val="dk1"/>
-                          </a:solidFill>
-                          <a:latin typeface="Calibri" panose="020F0502020204030204"/>
-                        </a:defRPr>
-                      </a:lvl3pPr>
-                      <a:lvl4pPr marL="1371600" algn="l" defTabSz="914400" rtl="0" eaLnBrk="1" latinLnBrk="0" hangingPunct="1">
-                        <a:defRPr sz="1800" kern="1200">
-                          <a:solidFill>
-                            <a:schemeClr val="dk1"/>
-                          </a:solidFill>
-                          <a:latin typeface="Calibri" panose="020F0502020204030204"/>
-                        </a:defRPr>
-                      </a:lvl4pPr>
-                      <a:lvl5pPr marL="1828800" algn="l" defTabSz="914400" rtl="0" eaLnBrk="1" latinLnBrk="0" hangingPunct="1">
-                        <a:defRPr sz="1800" kern="1200">
-                          <a:solidFill>
-                            <a:schemeClr val="dk1"/>
-                          </a:solidFill>
-                          <a:latin typeface="Calibri" panose="020F0502020204030204"/>
-                        </a:defRPr>
-                      </a:lvl5pPr>
-                      <a:lvl6pPr marL="2286000" algn="l" defTabSz="914400" rtl="0" eaLnBrk="1" latinLnBrk="0" hangingPunct="1">
-                        <a:defRPr sz="1800" kern="1200">
-                          <a:solidFill>
-                            <a:schemeClr val="dk1"/>
-                          </a:solidFill>
-                          <a:latin typeface="Calibri" panose="020F0502020204030204"/>
-                        </a:defRPr>
-                      </a:lvl6pPr>
-                      <a:lvl7pPr marL="2743200" algn="l" defTabSz="914400" rtl="0" eaLnBrk="1" latinLnBrk="0" hangingPunct="1">
-                        <a:defRPr sz="1800" kern="1200">
-                          <a:solidFill>
-                            <a:schemeClr val="dk1"/>
-                          </a:solidFill>
-                          <a:latin typeface="Calibri" panose="020F0502020204030204"/>
-                        </a:defRPr>
-                      </a:lvl7pPr>
-                      <a:lvl8pPr marL="3200400" algn="l" defTabSz="914400" rtl="0" eaLnBrk="1" latinLnBrk="0" hangingPunct="1">
-                        <a:defRPr sz="1800" kern="1200">
-                          <a:solidFill>
-                            <a:schemeClr val="dk1"/>
-                          </a:solidFill>
-                          <a:latin typeface="Calibri" panose="020F0502020204030204"/>
-                        </a:defRPr>
-                      </a:lvl8pPr>
-                      <a:lvl9pPr marL="3657600" algn="l" defTabSz="914400" rtl="0" eaLnBrk="1" latinLnBrk="0" hangingPunct="1">
-                        <a:defRPr sz="1800" kern="1200">
-                          <a:solidFill>
-                            <a:schemeClr val="dk1"/>
-                          </a:solidFill>
-                          <a:latin typeface="Calibri" panose="020F0502020204030204"/>
-                        </a:defRPr>
-                      </a:lvl9pPr>
-                    </a:lstStyle>
-                    <a:p>
-                      <a:pPr marL="0" marR="0" algn="ctr">
-                        <a:lnSpc>
-                          <a:spcPct val="107000"/>
-                        </a:lnSpc>
-                        <a:spcBef>
-                          <a:spcPts val="0"/>
-                        </a:spcBef>
-                        <a:spcAft>
-                          <a:spcPts val="0"/>
-                        </a:spcAft>
-                      </a:pPr>
-                      <a:r>
-                        <a:rPr lang="en-US" sz="900" kern="1200" dirty="0">
-                          <a:effectLst/>
-                        </a:rPr>
-                        <a:t>Lunch &amp; Networking &amp; Labs</a:t>
-                      </a:r>
-                      <a:endParaRPr lang="en-US" sz="900" kern="1200" dirty="0">
-                        <a:solidFill>
-                          <a:schemeClr val="dk1"/>
-                        </a:solidFill>
-                        <a:effectLst/>
-                        <a:latin typeface="+mj-lt"/>
-                        <a:ea typeface="+mn-ea"/>
-                        <a:cs typeface="+mn-cs"/>
-                      </a:endParaRPr>
-                    </a:p>
-                  </a:txBody>
-                  <a:tcPr marL="45166" marR="45166" marT="11390" marB="11390">
-                    <a:solidFill>
-                      <a:srgbClr val="FFC000"/>
-                    </a:solidFill>
-                  </a:tcPr>
-                </a:tc>
-                <a:tc hMerge="1">
-                  <a:txBody>
-                    <a:bodyPr/>
-                    <a:lstStyle/>
-                    <a:p>
-                      <a:endParaRPr lang="en-US"/>
-                    </a:p>
-                  </a:txBody>
-                  <a:tcPr/>
-                </a:tc>
-                <a:extLst>
-                  <a:ext uri="{0D108BD9-81ED-4DB2-BD59-A6C34878D82A}">
-                    <a16:rowId xmlns:a16="http://schemas.microsoft.com/office/drawing/2014/main" val="2334962994"/>
-                  </a:ext>
-                </a:extLst>
-              </a:tr>
-              <a:tr h="208139">
-                <a:tc>
-                  <a:txBody>
-                    <a:bodyPr/>
-                    <a:lstStyle>
-                      <a:lvl1pPr marL="0" algn="l" defTabSz="914400" rtl="0" eaLnBrk="1" latinLnBrk="0" hangingPunct="1">
-                        <a:defRPr sz="1800" b="1" kern="1200">
-                          <a:solidFill>
-                            <a:schemeClr val="lt1"/>
-                          </a:solidFill>
-                          <a:latin typeface="Calibri" panose="020F0502020204030204"/>
-                        </a:defRPr>
-                      </a:lvl1pPr>
-                      <a:lvl2pPr marL="457200" algn="l" defTabSz="914400" rtl="0" eaLnBrk="1" latinLnBrk="0" hangingPunct="1">
-                        <a:defRPr sz="1800" b="1" kern="1200">
-                          <a:solidFill>
-                            <a:schemeClr val="lt1"/>
-                          </a:solidFill>
-                          <a:latin typeface="Calibri" panose="020F0502020204030204"/>
-                        </a:defRPr>
-                      </a:lvl2pPr>
-                      <a:lvl3pPr marL="914400" algn="l" defTabSz="914400" rtl="0" eaLnBrk="1" latinLnBrk="0" hangingPunct="1">
-                        <a:defRPr sz="1800" b="1" kern="1200">
-                          <a:solidFill>
-                            <a:schemeClr val="lt1"/>
-                          </a:solidFill>
-                          <a:latin typeface="Calibri" panose="020F0502020204030204"/>
-                        </a:defRPr>
-                      </a:lvl3pPr>
-                      <a:lvl4pPr marL="1371600" algn="l" defTabSz="914400" rtl="0" eaLnBrk="1" latinLnBrk="0" hangingPunct="1">
-                        <a:defRPr sz="1800" b="1" kern="1200">
-                          <a:solidFill>
-                            <a:schemeClr val="lt1"/>
-                          </a:solidFill>
-                          <a:latin typeface="Calibri" panose="020F0502020204030204"/>
-                        </a:defRPr>
-                      </a:lvl4pPr>
-                      <a:lvl5pPr marL="1828800" algn="l" defTabSz="914400" rtl="0" eaLnBrk="1" latinLnBrk="0" hangingPunct="1">
-                        <a:defRPr sz="1800" b="1" kern="1200">
-                          <a:solidFill>
-                            <a:schemeClr val="lt1"/>
-                          </a:solidFill>
-                          <a:latin typeface="Calibri" panose="020F0502020204030204"/>
-                        </a:defRPr>
-                      </a:lvl5pPr>
-                      <a:lvl6pPr marL="2286000" algn="l" defTabSz="914400" rtl="0" eaLnBrk="1" latinLnBrk="0" hangingPunct="1">
-                        <a:defRPr sz="1800" b="1" kern="1200">
-                          <a:solidFill>
-                            <a:schemeClr val="lt1"/>
-                          </a:solidFill>
-                          <a:latin typeface="Calibri" panose="020F0502020204030204"/>
-                        </a:defRPr>
-                      </a:lvl6pPr>
-                      <a:lvl7pPr marL="2743200" algn="l" defTabSz="914400" rtl="0" eaLnBrk="1" latinLnBrk="0" hangingPunct="1">
-                        <a:defRPr sz="1800" b="1" kern="1200">
-                          <a:solidFill>
-                            <a:schemeClr val="lt1"/>
-                          </a:solidFill>
-                          <a:latin typeface="Calibri" panose="020F0502020204030204"/>
-                        </a:defRPr>
-                      </a:lvl7pPr>
-                      <a:lvl8pPr marL="3200400" algn="l" defTabSz="914400" rtl="0" eaLnBrk="1" latinLnBrk="0" hangingPunct="1">
-                        <a:defRPr sz="1800" b="1" kern="1200">
-                          <a:solidFill>
-                            <a:schemeClr val="lt1"/>
-                          </a:solidFill>
-                          <a:latin typeface="Calibri" panose="020F0502020204030204"/>
-                        </a:defRPr>
-                      </a:lvl8pPr>
-                      <a:lvl9pPr marL="3657600" algn="l" defTabSz="914400" rtl="0" eaLnBrk="1" latinLnBrk="0" hangingPunct="1">
-                        <a:defRPr sz="1800" b="1" kern="1200">
-                          <a:solidFill>
-                            <a:schemeClr val="lt1"/>
-                          </a:solidFill>
-                          <a:latin typeface="Calibri" panose="020F0502020204030204"/>
-                        </a:defRPr>
-                      </a:lvl9pPr>
-                    </a:lstStyle>
-                    <a:p>
-                      <a:pPr marL="0" marR="0" algn="ctr" defTabSz="914400" rtl="0" eaLnBrk="1" latinLnBrk="0" hangingPunct="1">
-                        <a:lnSpc>
-                          <a:spcPct val="107000"/>
-                        </a:lnSpc>
-                        <a:spcBef>
-                          <a:spcPts val="0"/>
-                        </a:spcBef>
-                        <a:spcAft>
-                          <a:spcPts val="0"/>
-                        </a:spcAft>
-                      </a:pPr>
-                      <a:r>
-                        <a:rPr lang="en-US" sz="800" kern="1200" dirty="0">
-                          <a:effectLst/>
-                        </a:rPr>
-                        <a:t>1:00 – 2:00</a:t>
-                      </a:r>
-                      <a:endParaRPr lang="en-US" sz="800" b="1" kern="1200" dirty="0">
-                        <a:solidFill>
-                          <a:schemeClr val="lt1"/>
-                        </a:solidFill>
-                        <a:effectLst/>
-                        <a:latin typeface="Calibri" panose="020F0502020204030204" pitchFamily="34" charset="0"/>
-                        <a:ea typeface="+mn-ea"/>
-                        <a:cs typeface="Calibri" panose="020F0502020204030204" pitchFamily="34" charset="0"/>
-                      </a:endParaRPr>
-                    </a:p>
-                  </a:txBody>
-                  <a:tcPr marL="45166" marR="45166" marT="11390" marB="11390">
-                    <a:solidFill>
-                      <a:srgbClr val="0070C0"/>
-                    </a:solidFill>
-                  </a:tcPr>
-                </a:tc>
-                <a:tc>
-                  <a:txBody>
-                    <a:bodyPr/>
-                    <a:lstStyle>
-                      <a:lvl1pPr marL="0" algn="l" defTabSz="914400" rtl="0" eaLnBrk="1" latinLnBrk="0" hangingPunct="1">
-                        <a:defRPr sz="1800" kern="1200">
-                          <a:solidFill>
-                            <a:schemeClr val="dk1"/>
-                          </a:solidFill>
-                          <a:latin typeface="Calibri" panose="020F0502020204030204"/>
-                        </a:defRPr>
-                      </a:lvl1pPr>
-                      <a:lvl2pPr marL="457200" algn="l" defTabSz="914400" rtl="0" eaLnBrk="1" latinLnBrk="0" hangingPunct="1">
-                        <a:defRPr sz="1800" kern="1200">
-                          <a:solidFill>
-                            <a:schemeClr val="dk1"/>
-                          </a:solidFill>
-                          <a:latin typeface="Calibri" panose="020F0502020204030204"/>
-                        </a:defRPr>
-                      </a:lvl2pPr>
-                      <a:lvl3pPr marL="914400" algn="l" defTabSz="914400" rtl="0" eaLnBrk="1" latinLnBrk="0" hangingPunct="1">
-                        <a:defRPr sz="1800" kern="1200">
-                          <a:solidFill>
-                            <a:schemeClr val="dk1"/>
-                          </a:solidFill>
-                          <a:latin typeface="Calibri" panose="020F0502020204030204"/>
-                        </a:defRPr>
-                      </a:lvl3pPr>
-                      <a:lvl4pPr marL="1371600" algn="l" defTabSz="914400" rtl="0" eaLnBrk="1" latinLnBrk="0" hangingPunct="1">
-                        <a:defRPr sz="1800" kern="1200">
-                          <a:solidFill>
-                            <a:schemeClr val="dk1"/>
-                          </a:solidFill>
-                          <a:latin typeface="Calibri" panose="020F0502020204030204"/>
-                        </a:defRPr>
-                      </a:lvl4pPr>
-                      <a:lvl5pPr marL="1828800" algn="l" defTabSz="914400" rtl="0" eaLnBrk="1" latinLnBrk="0" hangingPunct="1">
-                        <a:defRPr sz="1800" kern="1200">
-                          <a:solidFill>
-                            <a:schemeClr val="dk1"/>
-                          </a:solidFill>
-                          <a:latin typeface="Calibri" panose="020F0502020204030204"/>
-                        </a:defRPr>
-                      </a:lvl5pPr>
-                      <a:lvl6pPr marL="2286000" algn="l" defTabSz="914400" rtl="0" eaLnBrk="1" latinLnBrk="0" hangingPunct="1">
-                        <a:defRPr sz="1800" kern="1200">
-                          <a:solidFill>
-                            <a:schemeClr val="dk1"/>
-                          </a:solidFill>
-                          <a:latin typeface="Calibri" panose="020F0502020204030204"/>
-                        </a:defRPr>
-                      </a:lvl6pPr>
-                      <a:lvl7pPr marL="2743200" algn="l" defTabSz="914400" rtl="0" eaLnBrk="1" latinLnBrk="0" hangingPunct="1">
-                        <a:defRPr sz="1800" kern="1200">
-                          <a:solidFill>
-                            <a:schemeClr val="dk1"/>
-                          </a:solidFill>
-                          <a:latin typeface="Calibri" panose="020F0502020204030204"/>
-                        </a:defRPr>
-                      </a:lvl7pPr>
-                      <a:lvl8pPr marL="3200400" algn="l" defTabSz="914400" rtl="0" eaLnBrk="1" latinLnBrk="0" hangingPunct="1">
-                        <a:defRPr sz="1800" kern="1200">
-                          <a:solidFill>
-                            <a:schemeClr val="dk1"/>
-                          </a:solidFill>
-                          <a:latin typeface="Calibri" panose="020F0502020204030204"/>
-                        </a:defRPr>
-                      </a:lvl8pPr>
-                      <a:lvl9pPr marL="3657600" algn="l" defTabSz="914400" rtl="0" eaLnBrk="1" latinLnBrk="0" hangingPunct="1">
-                        <a:defRPr sz="1800" kern="1200">
-                          <a:solidFill>
-                            <a:schemeClr val="dk1"/>
-                          </a:solidFill>
-                          <a:latin typeface="Calibri" panose="020F0502020204030204"/>
-                        </a:defRPr>
-                      </a:lvl9pPr>
-                    </a:lstStyle>
-                    <a:p>
-                      <a:pPr marL="0" marR="0">
-                        <a:lnSpc>
-                          <a:spcPct val="107000"/>
-                        </a:lnSpc>
-                        <a:spcBef>
-                          <a:spcPts val="0"/>
-                        </a:spcBef>
-                        <a:spcAft>
-                          <a:spcPts val="0"/>
-                        </a:spcAft>
-                      </a:pPr>
-                      <a:r>
-                        <a:rPr lang="en-US" sz="900" kern="1200" dirty="0">
-                          <a:effectLst/>
-                        </a:rPr>
-                        <a:t>Design Solutions using Platform Services, Part 2</a:t>
-                      </a:r>
-                      <a:endParaRPr lang="en-US" sz="900" kern="1200" dirty="0">
-                        <a:solidFill>
-                          <a:schemeClr val="dk1"/>
-                        </a:solidFill>
-                        <a:effectLst/>
-                        <a:latin typeface="+mj-lt"/>
-                        <a:ea typeface="+mn-ea"/>
-                        <a:cs typeface="+mn-cs"/>
-                      </a:endParaRPr>
-                    </a:p>
-                  </a:txBody>
-                  <a:tcPr marL="45166" marR="45166" marT="11390" marB="11390"/>
-                </a:tc>
-                <a:tc>
-                  <a:txBody>
-                    <a:bodyPr/>
-                    <a:lstStyle>
-                      <a:lvl1pPr marL="0" algn="l" defTabSz="914400" rtl="0" eaLnBrk="1" latinLnBrk="0" hangingPunct="1">
-                        <a:defRPr sz="1800" kern="1200">
-                          <a:solidFill>
-                            <a:schemeClr val="dk1"/>
-                          </a:solidFill>
-                          <a:latin typeface="Calibri" panose="020F0502020204030204"/>
-                        </a:defRPr>
-                      </a:lvl1pPr>
-                      <a:lvl2pPr marL="457200" algn="l" defTabSz="914400" rtl="0" eaLnBrk="1" latinLnBrk="0" hangingPunct="1">
-                        <a:defRPr sz="1800" kern="1200">
-                          <a:solidFill>
-                            <a:schemeClr val="dk1"/>
-                          </a:solidFill>
-                          <a:latin typeface="Calibri" panose="020F0502020204030204"/>
-                        </a:defRPr>
-                      </a:lvl2pPr>
-                      <a:lvl3pPr marL="914400" algn="l" defTabSz="914400" rtl="0" eaLnBrk="1" latinLnBrk="0" hangingPunct="1">
-                        <a:defRPr sz="1800" kern="1200">
-                          <a:solidFill>
-                            <a:schemeClr val="dk1"/>
-                          </a:solidFill>
-                          <a:latin typeface="Calibri" panose="020F0502020204030204"/>
-                        </a:defRPr>
-                      </a:lvl3pPr>
-                      <a:lvl4pPr marL="1371600" algn="l" defTabSz="914400" rtl="0" eaLnBrk="1" latinLnBrk="0" hangingPunct="1">
-                        <a:defRPr sz="1800" kern="1200">
-                          <a:solidFill>
-                            <a:schemeClr val="dk1"/>
-                          </a:solidFill>
-                          <a:latin typeface="Calibri" panose="020F0502020204030204"/>
-                        </a:defRPr>
-                      </a:lvl4pPr>
-                      <a:lvl5pPr marL="1828800" algn="l" defTabSz="914400" rtl="0" eaLnBrk="1" latinLnBrk="0" hangingPunct="1">
-                        <a:defRPr sz="1800" kern="1200">
-                          <a:solidFill>
-                            <a:schemeClr val="dk1"/>
-                          </a:solidFill>
-                          <a:latin typeface="Calibri" panose="020F0502020204030204"/>
-                        </a:defRPr>
-                      </a:lvl5pPr>
-                      <a:lvl6pPr marL="2286000" algn="l" defTabSz="914400" rtl="0" eaLnBrk="1" latinLnBrk="0" hangingPunct="1">
-                        <a:defRPr sz="1800" kern="1200">
-                          <a:solidFill>
-                            <a:schemeClr val="dk1"/>
-                          </a:solidFill>
-                          <a:latin typeface="Calibri" panose="020F0502020204030204"/>
-                        </a:defRPr>
-                      </a:lvl6pPr>
-                      <a:lvl7pPr marL="2743200" algn="l" defTabSz="914400" rtl="0" eaLnBrk="1" latinLnBrk="0" hangingPunct="1">
-                        <a:defRPr sz="1800" kern="1200">
-                          <a:solidFill>
-                            <a:schemeClr val="dk1"/>
-                          </a:solidFill>
-                          <a:latin typeface="Calibri" panose="020F0502020204030204"/>
-                        </a:defRPr>
-                      </a:lvl7pPr>
-                      <a:lvl8pPr marL="3200400" algn="l" defTabSz="914400" rtl="0" eaLnBrk="1" latinLnBrk="0" hangingPunct="1">
-                        <a:defRPr sz="1800" kern="1200">
-                          <a:solidFill>
-                            <a:schemeClr val="dk1"/>
-                          </a:solidFill>
-                          <a:latin typeface="Calibri" panose="020F0502020204030204"/>
-                        </a:defRPr>
-                      </a:lvl8pPr>
-                      <a:lvl9pPr marL="3657600" algn="l" defTabSz="914400" rtl="0" eaLnBrk="1" latinLnBrk="0" hangingPunct="1">
-                        <a:defRPr sz="1800" kern="1200">
-                          <a:solidFill>
-                            <a:schemeClr val="dk1"/>
-                          </a:solidFill>
-                          <a:latin typeface="Calibri" panose="020F0502020204030204"/>
-                        </a:defRPr>
-                      </a:lvl9pPr>
-                    </a:lstStyle>
-                    <a:p>
-                      <a:pPr marL="0" marR="0">
-                        <a:lnSpc>
-                          <a:spcPct val="107000"/>
-                        </a:lnSpc>
-                        <a:spcBef>
-                          <a:spcPts val="0"/>
-                        </a:spcBef>
-                        <a:spcAft>
-                          <a:spcPts val="0"/>
-                        </a:spcAft>
-                      </a:pPr>
-                      <a:r>
-                        <a:rPr lang="en-US" sz="900" kern="1200" dirty="0">
-                          <a:effectLst/>
-                        </a:rPr>
-                        <a:t>Coach</a:t>
-                      </a:r>
-                      <a:endParaRPr lang="en-US" sz="900" kern="1200" dirty="0">
-                        <a:solidFill>
-                          <a:schemeClr val="dk1"/>
-                        </a:solidFill>
-                        <a:effectLst/>
-                        <a:latin typeface="+mj-lt"/>
-                        <a:ea typeface="+mn-ea"/>
-                        <a:cs typeface="+mn-cs"/>
-                      </a:endParaRPr>
-                    </a:p>
-                  </a:txBody>
-                  <a:tcPr marL="45166" marR="45166" marT="11390" marB="11390"/>
-                </a:tc>
-                <a:extLst>
-                  <a:ext uri="{0D108BD9-81ED-4DB2-BD59-A6C34878D82A}">
-                    <a16:rowId xmlns:a16="http://schemas.microsoft.com/office/drawing/2014/main" val="1301065520"/>
-                  </a:ext>
-                </a:extLst>
-              </a:tr>
-              <a:tr h="203341">
-                <a:tc>
-                  <a:txBody>
-                    <a:bodyPr/>
-                    <a:lstStyle>
-                      <a:lvl1pPr marL="0" algn="l" defTabSz="914400" rtl="0" eaLnBrk="1" latinLnBrk="0" hangingPunct="1">
-                        <a:defRPr sz="1800" b="1" kern="1200">
-                          <a:solidFill>
-                            <a:schemeClr val="lt1"/>
-                          </a:solidFill>
-                          <a:latin typeface="Calibri" panose="020F0502020204030204"/>
-                        </a:defRPr>
-                      </a:lvl1pPr>
-                      <a:lvl2pPr marL="457200" algn="l" defTabSz="914400" rtl="0" eaLnBrk="1" latinLnBrk="0" hangingPunct="1">
-                        <a:defRPr sz="1800" b="1" kern="1200">
-                          <a:solidFill>
-                            <a:schemeClr val="lt1"/>
-                          </a:solidFill>
-                          <a:latin typeface="Calibri" panose="020F0502020204030204"/>
-                        </a:defRPr>
-                      </a:lvl2pPr>
-                      <a:lvl3pPr marL="914400" algn="l" defTabSz="914400" rtl="0" eaLnBrk="1" latinLnBrk="0" hangingPunct="1">
-                        <a:defRPr sz="1800" b="1" kern="1200">
-                          <a:solidFill>
-                            <a:schemeClr val="lt1"/>
-                          </a:solidFill>
-                          <a:latin typeface="Calibri" panose="020F0502020204030204"/>
-                        </a:defRPr>
-                      </a:lvl3pPr>
-                      <a:lvl4pPr marL="1371600" algn="l" defTabSz="914400" rtl="0" eaLnBrk="1" latinLnBrk="0" hangingPunct="1">
-                        <a:defRPr sz="1800" b="1" kern="1200">
-                          <a:solidFill>
-                            <a:schemeClr val="lt1"/>
-                          </a:solidFill>
-                          <a:latin typeface="Calibri" panose="020F0502020204030204"/>
-                        </a:defRPr>
-                      </a:lvl4pPr>
-                      <a:lvl5pPr marL="1828800" algn="l" defTabSz="914400" rtl="0" eaLnBrk="1" latinLnBrk="0" hangingPunct="1">
-                        <a:defRPr sz="1800" b="1" kern="1200">
-                          <a:solidFill>
-                            <a:schemeClr val="lt1"/>
-                          </a:solidFill>
-                          <a:latin typeface="Calibri" panose="020F0502020204030204"/>
-                        </a:defRPr>
-                      </a:lvl5pPr>
-                      <a:lvl6pPr marL="2286000" algn="l" defTabSz="914400" rtl="0" eaLnBrk="1" latinLnBrk="0" hangingPunct="1">
-                        <a:defRPr sz="1800" b="1" kern="1200">
-                          <a:solidFill>
-                            <a:schemeClr val="lt1"/>
-                          </a:solidFill>
-                          <a:latin typeface="Calibri" panose="020F0502020204030204"/>
-                        </a:defRPr>
-                      </a:lvl6pPr>
-                      <a:lvl7pPr marL="2743200" algn="l" defTabSz="914400" rtl="0" eaLnBrk="1" latinLnBrk="0" hangingPunct="1">
-                        <a:defRPr sz="1800" b="1" kern="1200">
-                          <a:solidFill>
-                            <a:schemeClr val="lt1"/>
-                          </a:solidFill>
-                          <a:latin typeface="Calibri" panose="020F0502020204030204"/>
-                        </a:defRPr>
-                      </a:lvl7pPr>
-                      <a:lvl8pPr marL="3200400" algn="l" defTabSz="914400" rtl="0" eaLnBrk="1" latinLnBrk="0" hangingPunct="1">
-                        <a:defRPr sz="1800" b="1" kern="1200">
-                          <a:solidFill>
-                            <a:schemeClr val="lt1"/>
-                          </a:solidFill>
-                          <a:latin typeface="Calibri" panose="020F0502020204030204"/>
-                        </a:defRPr>
-                      </a:lvl8pPr>
-                      <a:lvl9pPr marL="3657600" algn="l" defTabSz="914400" rtl="0" eaLnBrk="1" latinLnBrk="0" hangingPunct="1">
-                        <a:defRPr sz="1800" b="1" kern="1200">
-                          <a:solidFill>
-                            <a:schemeClr val="lt1"/>
-                          </a:solidFill>
-                          <a:latin typeface="Calibri" panose="020F0502020204030204"/>
-                        </a:defRPr>
-                      </a:lvl9pPr>
-                    </a:lstStyle>
-                    <a:p>
-                      <a:pPr marL="0" marR="0" algn="ctr" defTabSz="914400" rtl="0" eaLnBrk="1" latinLnBrk="0" hangingPunct="1">
-                        <a:lnSpc>
-                          <a:spcPct val="107000"/>
-                        </a:lnSpc>
-                        <a:spcBef>
-                          <a:spcPts val="0"/>
-                        </a:spcBef>
-                        <a:spcAft>
-                          <a:spcPts val="0"/>
-                        </a:spcAft>
-                      </a:pPr>
-                      <a:r>
-                        <a:rPr lang="en-US" sz="800" kern="1200" dirty="0">
-                          <a:effectLst/>
-                        </a:rPr>
-                        <a:t>2:00 – 3:15</a:t>
-                      </a:r>
-                      <a:endParaRPr lang="en-US" sz="800" b="1" kern="1200" dirty="0">
-                        <a:solidFill>
-                          <a:schemeClr val="lt1"/>
-                        </a:solidFill>
-                        <a:effectLst/>
-                        <a:latin typeface="Calibri" panose="020F0502020204030204" pitchFamily="34" charset="0"/>
-                        <a:ea typeface="+mn-ea"/>
-                        <a:cs typeface="Calibri" panose="020F0502020204030204" pitchFamily="34" charset="0"/>
-                      </a:endParaRPr>
-                    </a:p>
-                  </a:txBody>
-                  <a:tcPr marL="45166" marR="45166" marT="11390" marB="11390">
-                    <a:solidFill>
-                      <a:srgbClr val="0070C0"/>
-                    </a:solidFill>
-                  </a:tcPr>
-                </a:tc>
-                <a:tc>
-                  <a:txBody>
-                    <a:bodyPr/>
-                    <a:lstStyle>
-                      <a:lvl1pPr marL="0" algn="l" defTabSz="914400" rtl="0" eaLnBrk="1" latinLnBrk="0" hangingPunct="1">
-                        <a:defRPr sz="1800" kern="1200">
-                          <a:solidFill>
-                            <a:schemeClr val="dk1"/>
-                          </a:solidFill>
-                          <a:latin typeface="Calibri" panose="020F0502020204030204"/>
-                        </a:defRPr>
-                      </a:lvl1pPr>
-                      <a:lvl2pPr marL="457200" algn="l" defTabSz="914400" rtl="0" eaLnBrk="1" latinLnBrk="0" hangingPunct="1">
-                        <a:defRPr sz="1800" kern="1200">
-                          <a:solidFill>
-                            <a:schemeClr val="dk1"/>
-                          </a:solidFill>
-                          <a:latin typeface="Calibri" panose="020F0502020204030204"/>
-                        </a:defRPr>
-                      </a:lvl2pPr>
-                      <a:lvl3pPr marL="914400" algn="l" defTabSz="914400" rtl="0" eaLnBrk="1" latinLnBrk="0" hangingPunct="1">
-                        <a:defRPr sz="1800" kern="1200">
-                          <a:solidFill>
-                            <a:schemeClr val="dk1"/>
-                          </a:solidFill>
-                          <a:latin typeface="Calibri" panose="020F0502020204030204"/>
-                        </a:defRPr>
-                      </a:lvl3pPr>
-                      <a:lvl4pPr marL="1371600" algn="l" defTabSz="914400" rtl="0" eaLnBrk="1" latinLnBrk="0" hangingPunct="1">
-                        <a:defRPr sz="1800" kern="1200">
-                          <a:solidFill>
-                            <a:schemeClr val="dk1"/>
-                          </a:solidFill>
-                          <a:latin typeface="Calibri" panose="020F0502020204030204"/>
-                        </a:defRPr>
-                      </a:lvl4pPr>
-                      <a:lvl5pPr marL="1828800" algn="l" defTabSz="914400" rtl="0" eaLnBrk="1" latinLnBrk="0" hangingPunct="1">
-                        <a:defRPr sz="1800" kern="1200">
-                          <a:solidFill>
-                            <a:schemeClr val="dk1"/>
-                          </a:solidFill>
-                          <a:latin typeface="Calibri" panose="020F0502020204030204"/>
-                        </a:defRPr>
-                      </a:lvl5pPr>
-                      <a:lvl6pPr marL="2286000" algn="l" defTabSz="914400" rtl="0" eaLnBrk="1" latinLnBrk="0" hangingPunct="1">
-                        <a:defRPr sz="1800" kern="1200">
-                          <a:solidFill>
-                            <a:schemeClr val="dk1"/>
-                          </a:solidFill>
-                          <a:latin typeface="Calibri" panose="020F0502020204030204"/>
-                        </a:defRPr>
-                      </a:lvl6pPr>
-                      <a:lvl7pPr marL="2743200" algn="l" defTabSz="914400" rtl="0" eaLnBrk="1" latinLnBrk="0" hangingPunct="1">
-                        <a:defRPr sz="1800" kern="1200">
-                          <a:solidFill>
-                            <a:schemeClr val="dk1"/>
-                          </a:solidFill>
-                          <a:latin typeface="Calibri" panose="020F0502020204030204"/>
-                        </a:defRPr>
-                      </a:lvl7pPr>
-                      <a:lvl8pPr marL="3200400" algn="l" defTabSz="914400" rtl="0" eaLnBrk="1" latinLnBrk="0" hangingPunct="1">
-                        <a:defRPr sz="1800" kern="1200">
-                          <a:solidFill>
-                            <a:schemeClr val="dk1"/>
-                          </a:solidFill>
-                          <a:latin typeface="Calibri" panose="020F0502020204030204"/>
-                        </a:defRPr>
-                      </a:lvl8pPr>
-                      <a:lvl9pPr marL="3657600" algn="l" defTabSz="914400" rtl="0" eaLnBrk="1" latinLnBrk="0" hangingPunct="1">
-                        <a:defRPr sz="1800" kern="1200">
-                          <a:solidFill>
-                            <a:schemeClr val="dk1"/>
-                          </a:solidFill>
-                          <a:latin typeface="Calibri" panose="020F0502020204030204"/>
-                        </a:defRPr>
-                      </a:lvl9pPr>
-                    </a:lstStyle>
-                    <a:p>
-                      <a:pPr marL="0" marR="0">
-                        <a:lnSpc>
-                          <a:spcPct val="107000"/>
-                        </a:lnSpc>
-                        <a:spcBef>
-                          <a:spcPts val="0"/>
-                        </a:spcBef>
-                        <a:spcAft>
-                          <a:spcPts val="0"/>
-                        </a:spcAft>
-                      </a:pPr>
-                      <a:r>
-                        <a:rPr lang="en-US" sz="900" kern="1200" dirty="0">
-                          <a:effectLst/>
-                        </a:rPr>
-                        <a:t>Design for Operations</a:t>
-                      </a:r>
-                      <a:endParaRPr lang="en-US" sz="900" kern="1200" dirty="0">
-                        <a:solidFill>
-                          <a:schemeClr val="dk1"/>
-                        </a:solidFill>
-                        <a:effectLst/>
-                        <a:latin typeface="+mj-lt"/>
-                        <a:ea typeface="+mn-ea"/>
-                        <a:cs typeface="+mn-cs"/>
-                      </a:endParaRPr>
-                    </a:p>
-                  </a:txBody>
-                  <a:tcPr marL="45166" marR="45166" marT="11390" marB="11390"/>
-                </a:tc>
-                <a:tc>
-                  <a:txBody>
-                    <a:bodyPr/>
-                    <a:lstStyle>
-                      <a:lvl1pPr marL="0" algn="l" defTabSz="914400" rtl="0" eaLnBrk="1" latinLnBrk="0" hangingPunct="1">
-                        <a:defRPr sz="1800" kern="1200">
-                          <a:solidFill>
-                            <a:schemeClr val="dk1"/>
-                          </a:solidFill>
-                          <a:latin typeface="Calibri" panose="020F0502020204030204"/>
-                        </a:defRPr>
-                      </a:lvl1pPr>
-                      <a:lvl2pPr marL="457200" algn="l" defTabSz="914400" rtl="0" eaLnBrk="1" latinLnBrk="0" hangingPunct="1">
-                        <a:defRPr sz="1800" kern="1200">
-                          <a:solidFill>
-                            <a:schemeClr val="dk1"/>
-                          </a:solidFill>
-                          <a:latin typeface="Calibri" panose="020F0502020204030204"/>
-                        </a:defRPr>
-                      </a:lvl2pPr>
-                      <a:lvl3pPr marL="914400" algn="l" defTabSz="914400" rtl="0" eaLnBrk="1" latinLnBrk="0" hangingPunct="1">
-                        <a:defRPr sz="1800" kern="1200">
-                          <a:solidFill>
-                            <a:schemeClr val="dk1"/>
-                          </a:solidFill>
-                          <a:latin typeface="Calibri" panose="020F0502020204030204"/>
-                        </a:defRPr>
-                      </a:lvl3pPr>
-                      <a:lvl4pPr marL="1371600" algn="l" defTabSz="914400" rtl="0" eaLnBrk="1" latinLnBrk="0" hangingPunct="1">
-                        <a:defRPr sz="1800" kern="1200">
-                          <a:solidFill>
-                            <a:schemeClr val="dk1"/>
-                          </a:solidFill>
-                          <a:latin typeface="Calibri" panose="020F0502020204030204"/>
-                        </a:defRPr>
-                      </a:lvl4pPr>
-                      <a:lvl5pPr marL="1828800" algn="l" defTabSz="914400" rtl="0" eaLnBrk="1" latinLnBrk="0" hangingPunct="1">
-                        <a:defRPr sz="1800" kern="1200">
-                          <a:solidFill>
-                            <a:schemeClr val="dk1"/>
-                          </a:solidFill>
-                          <a:latin typeface="Calibri" panose="020F0502020204030204"/>
-                        </a:defRPr>
-                      </a:lvl5pPr>
-                      <a:lvl6pPr marL="2286000" algn="l" defTabSz="914400" rtl="0" eaLnBrk="1" latinLnBrk="0" hangingPunct="1">
-                        <a:defRPr sz="1800" kern="1200">
-                          <a:solidFill>
-                            <a:schemeClr val="dk1"/>
-                          </a:solidFill>
-                          <a:latin typeface="Calibri" panose="020F0502020204030204"/>
-                        </a:defRPr>
-                      </a:lvl6pPr>
-                      <a:lvl7pPr marL="2743200" algn="l" defTabSz="914400" rtl="0" eaLnBrk="1" latinLnBrk="0" hangingPunct="1">
-                        <a:defRPr sz="1800" kern="1200">
-                          <a:solidFill>
-                            <a:schemeClr val="dk1"/>
-                          </a:solidFill>
-                          <a:latin typeface="Calibri" panose="020F0502020204030204"/>
-                        </a:defRPr>
-                      </a:lvl7pPr>
-                      <a:lvl8pPr marL="3200400" algn="l" defTabSz="914400" rtl="0" eaLnBrk="1" latinLnBrk="0" hangingPunct="1">
-                        <a:defRPr sz="1800" kern="1200">
-                          <a:solidFill>
-                            <a:schemeClr val="dk1"/>
-                          </a:solidFill>
-                          <a:latin typeface="Calibri" panose="020F0502020204030204"/>
-                        </a:defRPr>
-                      </a:lvl8pPr>
-                      <a:lvl9pPr marL="3657600" algn="l" defTabSz="914400" rtl="0" eaLnBrk="1" latinLnBrk="0" hangingPunct="1">
-                        <a:defRPr sz="1800" kern="1200">
-                          <a:solidFill>
-                            <a:schemeClr val="dk1"/>
-                          </a:solidFill>
-                          <a:latin typeface="Calibri" panose="020F0502020204030204"/>
-                        </a:defRPr>
-                      </a:lvl9pPr>
-                    </a:lstStyle>
-                    <a:p>
-                      <a:pPr marL="0" marR="0">
-                        <a:lnSpc>
-                          <a:spcPct val="107000"/>
-                        </a:lnSpc>
-                        <a:spcBef>
-                          <a:spcPts val="0"/>
-                        </a:spcBef>
-                        <a:spcAft>
-                          <a:spcPts val="0"/>
-                        </a:spcAft>
-                      </a:pPr>
-                      <a:r>
-                        <a:rPr lang="en-US" sz="900" kern="1200" dirty="0">
-                          <a:effectLst/>
-                        </a:rPr>
-                        <a:t>Patrick</a:t>
-                      </a:r>
-                      <a:endParaRPr lang="en-US" sz="900" kern="1200" dirty="0">
-                        <a:solidFill>
-                          <a:schemeClr val="dk1"/>
-                        </a:solidFill>
-                        <a:effectLst/>
-                        <a:latin typeface="+mj-lt"/>
-                        <a:ea typeface="+mn-ea"/>
-                        <a:cs typeface="+mn-cs"/>
-                      </a:endParaRPr>
-                    </a:p>
-                  </a:txBody>
-                  <a:tcPr marL="45166" marR="45166" marT="11390" marB="11390"/>
-                </a:tc>
-                <a:extLst>
-                  <a:ext uri="{0D108BD9-81ED-4DB2-BD59-A6C34878D82A}">
-                    <a16:rowId xmlns:a16="http://schemas.microsoft.com/office/drawing/2014/main" val="592646342"/>
-                  </a:ext>
-                </a:extLst>
-              </a:tr>
-              <a:tr h="203341">
-                <a:tc>
-                  <a:txBody>
-                    <a:bodyPr/>
-                    <a:lstStyle>
-                      <a:lvl1pPr marL="0" algn="l" defTabSz="914400" rtl="0" eaLnBrk="1" latinLnBrk="0" hangingPunct="1">
-                        <a:defRPr sz="1800" b="1" kern="1200">
-                          <a:solidFill>
-                            <a:schemeClr val="lt1"/>
-                          </a:solidFill>
-                          <a:latin typeface="Calibri" panose="020F0502020204030204"/>
-                        </a:defRPr>
-                      </a:lvl1pPr>
-                      <a:lvl2pPr marL="457200" algn="l" defTabSz="914400" rtl="0" eaLnBrk="1" latinLnBrk="0" hangingPunct="1">
-                        <a:defRPr sz="1800" b="1" kern="1200">
-                          <a:solidFill>
-                            <a:schemeClr val="lt1"/>
-                          </a:solidFill>
-                          <a:latin typeface="Calibri" panose="020F0502020204030204"/>
-                        </a:defRPr>
-                      </a:lvl2pPr>
-                      <a:lvl3pPr marL="914400" algn="l" defTabSz="914400" rtl="0" eaLnBrk="1" latinLnBrk="0" hangingPunct="1">
-                        <a:defRPr sz="1800" b="1" kern="1200">
-                          <a:solidFill>
-                            <a:schemeClr val="lt1"/>
-                          </a:solidFill>
-                          <a:latin typeface="Calibri" panose="020F0502020204030204"/>
-                        </a:defRPr>
-                      </a:lvl3pPr>
-                      <a:lvl4pPr marL="1371600" algn="l" defTabSz="914400" rtl="0" eaLnBrk="1" latinLnBrk="0" hangingPunct="1">
-                        <a:defRPr sz="1800" b="1" kern="1200">
-                          <a:solidFill>
-                            <a:schemeClr val="lt1"/>
-                          </a:solidFill>
-                          <a:latin typeface="Calibri" panose="020F0502020204030204"/>
-                        </a:defRPr>
-                      </a:lvl4pPr>
-                      <a:lvl5pPr marL="1828800" algn="l" defTabSz="914400" rtl="0" eaLnBrk="1" latinLnBrk="0" hangingPunct="1">
-                        <a:defRPr sz="1800" b="1" kern="1200">
-                          <a:solidFill>
-                            <a:schemeClr val="lt1"/>
-                          </a:solidFill>
-                          <a:latin typeface="Calibri" panose="020F0502020204030204"/>
-                        </a:defRPr>
-                      </a:lvl5pPr>
-                      <a:lvl6pPr marL="2286000" algn="l" defTabSz="914400" rtl="0" eaLnBrk="1" latinLnBrk="0" hangingPunct="1">
-                        <a:defRPr sz="1800" b="1" kern="1200">
-                          <a:solidFill>
-                            <a:schemeClr val="lt1"/>
-                          </a:solidFill>
-                          <a:latin typeface="Calibri" panose="020F0502020204030204"/>
-                        </a:defRPr>
-                      </a:lvl6pPr>
-                      <a:lvl7pPr marL="2743200" algn="l" defTabSz="914400" rtl="0" eaLnBrk="1" latinLnBrk="0" hangingPunct="1">
-                        <a:defRPr sz="1800" b="1" kern="1200">
-                          <a:solidFill>
-                            <a:schemeClr val="lt1"/>
-                          </a:solidFill>
-                          <a:latin typeface="Calibri" panose="020F0502020204030204"/>
-                        </a:defRPr>
-                      </a:lvl7pPr>
-                      <a:lvl8pPr marL="3200400" algn="l" defTabSz="914400" rtl="0" eaLnBrk="1" latinLnBrk="0" hangingPunct="1">
-                        <a:defRPr sz="1800" b="1" kern="1200">
-                          <a:solidFill>
-                            <a:schemeClr val="lt1"/>
-                          </a:solidFill>
-                          <a:latin typeface="Calibri" panose="020F0502020204030204"/>
-                        </a:defRPr>
-                      </a:lvl8pPr>
-                      <a:lvl9pPr marL="3657600" algn="l" defTabSz="914400" rtl="0" eaLnBrk="1" latinLnBrk="0" hangingPunct="1">
-                        <a:defRPr sz="1800" b="1" kern="1200">
-                          <a:solidFill>
-                            <a:schemeClr val="lt1"/>
-                          </a:solidFill>
-                          <a:latin typeface="Calibri" panose="020F0502020204030204"/>
-                        </a:defRPr>
-                      </a:lvl9pPr>
-                    </a:lstStyle>
-                    <a:p>
-                      <a:pPr marL="0" marR="0" algn="ctr" defTabSz="914400" rtl="0" eaLnBrk="1" latinLnBrk="0" hangingPunct="1">
-                        <a:lnSpc>
-                          <a:spcPct val="107000"/>
-                        </a:lnSpc>
-                        <a:spcBef>
-                          <a:spcPts val="0"/>
-                        </a:spcBef>
-                        <a:spcAft>
-                          <a:spcPts val="0"/>
-                        </a:spcAft>
-                      </a:pPr>
-                      <a:r>
-                        <a:rPr lang="en-US" sz="800" kern="1200" dirty="0">
-                          <a:effectLst/>
-                        </a:rPr>
-                        <a:t>3:15 – 3:30</a:t>
-                      </a:r>
-                      <a:endParaRPr lang="en-US" sz="800" b="1" kern="1200" dirty="0">
-                        <a:solidFill>
-                          <a:schemeClr val="lt1"/>
-                        </a:solidFill>
-                        <a:effectLst/>
-                        <a:latin typeface="Calibri" panose="020F0502020204030204" pitchFamily="34" charset="0"/>
-                        <a:ea typeface="+mn-ea"/>
-                        <a:cs typeface="Calibri" panose="020F0502020204030204" pitchFamily="34" charset="0"/>
-                      </a:endParaRPr>
-                    </a:p>
-                  </a:txBody>
-                  <a:tcPr marL="45166" marR="45166" marT="11390" marB="11390">
-                    <a:solidFill>
-                      <a:srgbClr val="0070C0"/>
-                    </a:solidFill>
-                  </a:tcPr>
-                </a:tc>
-                <a:tc gridSpan="2">
-                  <a:txBody>
-                    <a:bodyPr/>
-                    <a:lstStyle>
-                      <a:lvl1pPr marL="0" algn="l" defTabSz="914400" rtl="0" eaLnBrk="1" latinLnBrk="0" hangingPunct="1">
-                        <a:defRPr sz="1800" kern="1200">
-                          <a:solidFill>
-                            <a:schemeClr val="dk1"/>
-                          </a:solidFill>
-                          <a:latin typeface="Calibri" panose="020F0502020204030204"/>
-                        </a:defRPr>
-                      </a:lvl1pPr>
-                      <a:lvl2pPr marL="457200" algn="l" defTabSz="914400" rtl="0" eaLnBrk="1" latinLnBrk="0" hangingPunct="1">
-                        <a:defRPr sz="1800" kern="1200">
-                          <a:solidFill>
-                            <a:schemeClr val="dk1"/>
-                          </a:solidFill>
-                          <a:latin typeface="Calibri" panose="020F0502020204030204"/>
-                        </a:defRPr>
-                      </a:lvl2pPr>
-                      <a:lvl3pPr marL="914400" algn="l" defTabSz="914400" rtl="0" eaLnBrk="1" latinLnBrk="0" hangingPunct="1">
-                        <a:defRPr sz="1800" kern="1200">
-                          <a:solidFill>
-                            <a:schemeClr val="dk1"/>
-                          </a:solidFill>
-                          <a:latin typeface="Calibri" panose="020F0502020204030204"/>
-                        </a:defRPr>
-                      </a:lvl3pPr>
-                      <a:lvl4pPr marL="1371600" algn="l" defTabSz="914400" rtl="0" eaLnBrk="1" latinLnBrk="0" hangingPunct="1">
-                        <a:defRPr sz="1800" kern="1200">
-                          <a:solidFill>
-                            <a:schemeClr val="dk1"/>
-                          </a:solidFill>
-                          <a:latin typeface="Calibri" panose="020F0502020204030204"/>
-                        </a:defRPr>
-                      </a:lvl4pPr>
-                      <a:lvl5pPr marL="1828800" algn="l" defTabSz="914400" rtl="0" eaLnBrk="1" latinLnBrk="0" hangingPunct="1">
-                        <a:defRPr sz="1800" kern="1200">
-                          <a:solidFill>
-                            <a:schemeClr val="dk1"/>
-                          </a:solidFill>
-                          <a:latin typeface="Calibri" panose="020F0502020204030204"/>
-                        </a:defRPr>
-                      </a:lvl5pPr>
-                      <a:lvl6pPr marL="2286000" algn="l" defTabSz="914400" rtl="0" eaLnBrk="1" latinLnBrk="0" hangingPunct="1">
-                        <a:defRPr sz="1800" kern="1200">
-                          <a:solidFill>
-                            <a:schemeClr val="dk1"/>
-                          </a:solidFill>
-                          <a:latin typeface="Calibri" panose="020F0502020204030204"/>
-                        </a:defRPr>
-                      </a:lvl6pPr>
-                      <a:lvl7pPr marL="2743200" algn="l" defTabSz="914400" rtl="0" eaLnBrk="1" latinLnBrk="0" hangingPunct="1">
-                        <a:defRPr sz="1800" kern="1200">
-                          <a:solidFill>
-                            <a:schemeClr val="dk1"/>
-                          </a:solidFill>
-                          <a:latin typeface="Calibri" panose="020F0502020204030204"/>
-                        </a:defRPr>
-                      </a:lvl7pPr>
-                      <a:lvl8pPr marL="3200400" algn="l" defTabSz="914400" rtl="0" eaLnBrk="1" latinLnBrk="0" hangingPunct="1">
-                        <a:defRPr sz="1800" kern="1200">
-                          <a:solidFill>
-                            <a:schemeClr val="dk1"/>
-                          </a:solidFill>
-                          <a:latin typeface="Calibri" panose="020F0502020204030204"/>
-                        </a:defRPr>
-                      </a:lvl8pPr>
-                      <a:lvl9pPr marL="3657600" algn="l" defTabSz="914400" rtl="0" eaLnBrk="1" latinLnBrk="0" hangingPunct="1">
-                        <a:defRPr sz="1800" kern="1200">
-                          <a:solidFill>
-                            <a:schemeClr val="dk1"/>
-                          </a:solidFill>
-                          <a:latin typeface="Calibri" panose="020F0502020204030204"/>
-                        </a:defRPr>
-                      </a:lvl9pPr>
-                    </a:lstStyle>
-                    <a:p>
-                      <a:pPr marL="0" marR="0">
-                        <a:lnSpc>
-                          <a:spcPct val="107000"/>
-                        </a:lnSpc>
-                        <a:spcBef>
-                          <a:spcPts val="0"/>
-                        </a:spcBef>
-                        <a:spcAft>
-                          <a:spcPts val="0"/>
-                        </a:spcAft>
-                      </a:pPr>
-                      <a:r>
-                        <a:rPr lang="en-US" sz="900" kern="1200" dirty="0">
-                          <a:effectLst/>
-                        </a:rPr>
-                        <a:t>Break</a:t>
-                      </a:r>
-                      <a:endParaRPr lang="en-US" sz="900" kern="1200" dirty="0">
-                        <a:solidFill>
-                          <a:schemeClr val="dk1"/>
-                        </a:solidFill>
-                        <a:effectLst/>
-                        <a:latin typeface="+mj-lt"/>
-                        <a:ea typeface="+mn-ea"/>
-                        <a:cs typeface="+mn-cs"/>
-                      </a:endParaRPr>
-                    </a:p>
-                  </a:txBody>
-                  <a:tcPr marL="45166" marR="45166" marT="11390" marB="11390">
-                    <a:solidFill>
-                      <a:srgbClr val="FFC000"/>
-                    </a:solidFill>
-                  </a:tcPr>
-                </a:tc>
-                <a:tc hMerge="1">
-                  <a:txBody>
-                    <a:bodyPr/>
-                    <a:lstStyle/>
-                    <a:p>
-                      <a:endParaRPr lang="en-US"/>
-                    </a:p>
-                  </a:txBody>
-                  <a:tcPr/>
-                </a:tc>
-                <a:extLst>
-                  <a:ext uri="{0D108BD9-81ED-4DB2-BD59-A6C34878D82A}">
-                    <a16:rowId xmlns:a16="http://schemas.microsoft.com/office/drawing/2014/main" val="1077161772"/>
-                  </a:ext>
-                </a:extLst>
-              </a:tr>
-              <a:tr h="203341">
-                <a:tc>
-                  <a:txBody>
-                    <a:bodyPr/>
-                    <a:lstStyle>
-                      <a:lvl1pPr marL="0" algn="l" defTabSz="914400" rtl="0" eaLnBrk="1" latinLnBrk="0" hangingPunct="1">
-                        <a:defRPr sz="1800" b="1" kern="1200">
-                          <a:solidFill>
-                            <a:schemeClr val="lt1"/>
-                          </a:solidFill>
-                          <a:latin typeface="Calibri" panose="020F0502020204030204"/>
-                        </a:defRPr>
-                      </a:lvl1pPr>
-                      <a:lvl2pPr marL="457200" algn="l" defTabSz="914400" rtl="0" eaLnBrk="1" latinLnBrk="0" hangingPunct="1">
-                        <a:defRPr sz="1800" b="1" kern="1200">
-                          <a:solidFill>
-                            <a:schemeClr val="lt1"/>
-                          </a:solidFill>
-                          <a:latin typeface="Calibri" panose="020F0502020204030204"/>
-                        </a:defRPr>
-                      </a:lvl2pPr>
-                      <a:lvl3pPr marL="914400" algn="l" defTabSz="914400" rtl="0" eaLnBrk="1" latinLnBrk="0" hangingPunct="1">
-                        <a:defRPr sz="1800" b="1" kern="1200">
-                          <a:solidFill>
-                            <a:schemeClr val="lt1"/>
-                          </a:solidFill>
-                          <a:latin typeface="Calibri" panose="020F0502020204030204"/>
-                        </a:defRPr>
-                      </a:lvl3pPr>
-                      <a:lvl4pPr marL="1371600" algn="l" defTabSz="914400" rtl="0" eaLnBrk="1" latinLnBrk="0" hangingPunct="1">
-                        <a:defRPr sz="1800" b="1" kern="1200">
-                          <a:solidFill>
-                            <a:schemeClr val="lt1"/>
-                          </a:solidFill>
-                          <a:latin typeface="Calibri" panose="020F0502020204030204"/>
-                        </a:defRPr>
-                      </a:lvl4pPr>
-                      <a:lvl5pPr marL="1828800" algn="l" defTabSz="914400" rtl="0" eaLnBrk="1" latinLnBrk="0" hangingPunct="1">
-                        <a:defRPr sz="1800" b="1" kern="1200">
-                          <a:solidFill>
-                            <a:schemeClr val="lt1"/>
-                          </a:solidFill>
-                          <a:latin typeface="Calibri" panose="020F0502020204030204"/>
-                        </a:defRPr>
-                      </a:lvl5pPr>
-                      <a:lvl6pPr marL="2286000" algn="l" defTabSz="914400" rtl="0" eaLnBrk="1" latinLnBrk="0" hangingPunct="1">
-                        <a:defRPr sz="1800" b="1" kern="1200">
-                          <a:solidFill>
-                            <a:schemeClr val="lt1"/>
-                          </a:solidFill>
-                          <a:latin typeface="Calibri" panose="020F0502020204030204"/>
-                        </a:defRPr>
-                      </a:lvl6pPr>
-                      <a:lvl7pPr marL="2743200" algn="l" defTabSz="914400" rtl="0" eaLnBrk="1" latinLnBrk="0" hangingPunct="1">
-                        <a:defRPr sz="1800" b="1" kern="1200">
-                          <a:solidFill>
-                            <a:schemeClr val="lt1"/>
-                          </a:solidFill>
-                          <a:latin typeface="Calibri" panose="020F0502020204030204"/>
-                        </a:defRPr>
-                      </a:lvl7pPr>
-                      <a:lvl8pPr marL="3200400" algn="l" defTabSz="914400" rtl="0" eaLnBrk="1" latinLnBrk="0" hangingPunct="1">
-                        <a:defRPr sz="1800" b="1" kern="1200">
-                          <a:solidFill>
-                            <a:schemeClr val="lt1"/>
-                          </a:solidFill>
-                          <a:latin typeface="Calibri" panose="020F0502020204030204"/>
-                        </a:defRPr>
-                      </a:lvl8pPr>
-                      <a:lvl9pPr marL="3657600" algn="l" defTabSz="914400" rtl="0" eaLnBrk="1" latinLnBrk="0" hangingPunct="1">
-                        <a:defRPr sz="1800" b="1" kern="1200">
-                          <a:solidFill>
-                            <a:schemeClr val="lt1"/>
-                          </a:solidFill>
-                          <a:latin typeface="Calibri" panose="020F0502020204030204"/>
-                        </a:defRPr>
-                      </a:lvl9pPr>
-                    </a:lstStyle>
-                    <a:p>
-                      <a:pPr marL="0" marR="0" algn="ctr" defTabSz="914400" rtl="0" eaLnBrk="1" latinLnBrk="0" hangingPunct="1">
-                        <a:lnSpc>
-                          <a:spcPct val="107000"/>
-                        </a:lnSpc>
-                        <a:spcBef>
-                          <a:spcPts val="0"/>
-                        </a:spcBef>
-                        <a:spcAft>
-                          <a:spcPts val="0"/>
-                        </a:spcAft>
-                      </a:pPr>
-                      <a:r>
-                        <a:rPr lang="en-US" sz="800" kern="1200" dirty="0">
-                          <a:effectLst/>
-                        </a:rPr>
-                        <a:t>3:30 – 4:15</a:t>
-                      </a:r>
-                      <a:endParaRPr lang="en-US" sz="800" b="1" kern="1200" dirty="0">
-                        <a:solidFill>
-                          <a:schemeClr val="lt1"/>
-                        </a:solidFill>
-                        <a:effectLst/>
-                        <a:latin typeface="Calibri" panose="020F0502020204030204" pitchFamily="34" charset="0"/>
-                        <a:ea typeface="+mn-ea"/>
-                        <a:cs typeface="Calibri" panose="020F0502020204030204" pitchFamily="34" charset="0"/>
-                      </a:endParaRPr>
-                    </a:p>
-                  </a:txBody>
-                  <a:tcPr marL="45166" marR="45166" marT="11390" marB="11390">
-                    <a:solidFill>
-                      <a:srgbClr val="0070C0"/>
-                    </a:solidFill>
-                  </a:tcPr>
-                </a:tc>
-                <a:tc>
-                  <a:txBody>
-                    <a:bodyPr/>
-                    <a:lstStyle>
-                      <a:lvl1pPr marL="0" algn="l" defTabSz="914400" rtl="0" eaLnBrk="1" latinLnBrk="0" hangingPunct="1">
-                        <a:defRPr sz="1800" kern="1200">
-                          <a:solidFill>
-                            <a:schemeClr val="dk1"/>
-                          </a:solidFill>
-                          <a:latin typeface="Calibri" panose="020F0502020204030204"/>
-                        </a:defRPr>
-                      </a:lvl1pPr>
-                      <a:lvl2pPr marL="457200" algn="l" defTabSz="914400" rtl="0" eaLnBrk="1" latinLnBrk="0" hangingPunct="1">
-                        <a:defRPr sz="1800" kern="1200">
-                          <a:solidFill>
-                            <a:schemeClr val="dk1"/>
-                          </a:solidFill>
-                          <a:latin typeface="Calibri" panose="020F0502020204030204"/>
-                        </a:defRPr>
-                      </a:lvl2pPr>
-                      <a:lvl3pPr marL="914400" algn="l" defTabSz="914400" rtl="0" eaLnBrk="1" latinLnBrk="0" hangingPunct="1">
-                        <a:defRPr sz="1800" kern="1200">
-                          <a:solidFill>
-                            <a:schemeClr val="dk1"/>
-                          </a:solidFill>
-                          <a:latin typeface="Calibri" panose="020F0502020204030204"/>
-                        </a:defRPr>
-                      </a:lvl3pPr>
-                      <a:lvl4pPr marL="1371600" algn="l" defTabSz="914400" rtl="0" eaLnBrk="1" latinLnBrk="0" hangingPunct="1">
-                        <a:defRPr sz="1800" kern="1200">
-                          <a:solidFill>
-                            <a:schemeClr val="dk1"/>
-                          </a:solidFill>
-                          <a:latin typeface="Calibri" panose="020F0502020204030204"/>
-                        </a:defRPr>
-                      </a:lvl4pPr>
-                      <a:lvl5pPr marL="1828800" algn="l" defTabSz="914400" rtl="0" eaLnBrk="1" latinLnBrk="0" hangingPunct="1">
-                        <a:defRPr sz="1800" kern="1200">
-                          <a:solidFill>
-                            <a:schemeClr val="dk1"/>
-                          </a:solidFill>
-                          <a:latin typeface="Calibri" panose="020F0502020204030204"/>
-                        </a:defRPr>
-                      </a:lvl5pPr>
-                      <a:lvl6pPr marL="2286000" algn="l" defTabSz="914400" rtl="0" eaLnBrk="1" latinLnBrk="0" hangingPunct="1">
-                        <a:defRPr sz="1800" kern="1200">
-                          <a:solidFill>
-                            <a:schemeClr val="dk1"/>
-                          </a:solidFill>
-                          <a:latin typeface="Calibri" panose="020F0502020204030204"/>
-                        </a:defRPr>
-                      </a:lvl6pPr>
-                      <a:lvl7pPr marL="2743200" algn="l" defTabSz="914400" rtl="0" eaLnBrk="1" latinLnBrk="0" hangingPunct="1">
-                        <a:defRPr sz="1800" kern="1200">
-                          <a:solidFill>
-                            <a:schemeClr val="dk1"/>
-                          </a:solidFill>
-                          <a:latin typeface="Calibri" panose="020F0502020204030204"/>
-                        </a:defRPr>
-                      </a:lvl7pPr>
-                      <a:lvl8pPr marL="3200400" algn="l" defTabSz="914400" rtl="0" eaLnBrk="1" latinLnBrk="0" hangingPunct="1">
-                        <a:defRPr sz="1800" kern="1200">
-                          <a:solidFill>
-                            <a:schemeClr val="dk1"/>
-                          </a:solidFill>
-                          <a:latin typeface="Calibri" panose="020F0502020204030204"/>
-                        </a:defRPr>
-                      </a:lvl8pPr>
-                      <a:lvl9pPr marL="3657600" algn="l" defTabSz="914400" rtl="0" eaLnBrk="1" latinLnBrk="0" hangingPunct="1">
-                        <a:defRPr sz="1800" kern="1200">
-                          <a:solidFill>
-                            <a:schemeClr val="dk1"/>
-                          </a:solidFill>
-                          <a:latin typeface="Calibri" panose="020F0502020204030204"/>
-                        </a:defRPr>
-                      </a:lvl9pPr>
-                    </a:lstStyle>
-                    <a:p>
-                      <a:pPr marL="0" marR="0">
-                        <a:lnSpc>
-                          <a:spcPct val="107000"/>
-                        </a:lnSpc>
-                        <a:spcBef>
-                          <a:spcPts val="0"/>
-                        </a:spcBef>
-                        <a:spcAft>
-                          <a:spcPts val="0"/>
-                        </a:spcAft>
-                      </a:pPr>
-                      <a:r>
-                        <a:rPr lang="en-US" sz="900" kern="1200" dirty="0">
-                          <a:effectLst/>
-                        </a:rPr>
-                        <a:t>Making it Real: Whiteboarding</a:t>
-                      </a:r>
-                      <a:endParaRPr lang="en-US" sz="900" kern="1200" dirty="0">
-                        <a:solidFill>
-                          <a:schemeClr val="dk1"/>
-                        </a:solidFill>
-                        <a:effectLst/>
-                        <a:latin typeface="+mj-lt"/>
-                        <a:ea typeface="+mn-ea"/>
-                        <a:cs typeface="+mn-cs"/>
-                      </a:endParaRPr>
-                    </a:p>
-                  </a:txBody>
-                  <a:tcPr marL="45166" marR="45166" marT="11390" marB="11390">
-                    <a:solidFill>
-                      <a:srgbClr val="92D050"/>
-                    </a:solidFill>
-                  </a:tcPr>
-                </a:tc>
-                <a:tc>
-                  <a:txBody>
-                    <a:bodyPr/>
-                    <a:lstStyle>
-                      <a:lvl1pPr marL="0" algn="l" defTabSz="914400" rtl="0" eaLnBrk="1" latinLnBrk="0" hangingPunct="1">
-                        <a:defRPr sz="1800" kern="1200">
-                          <a:solidFill>
-                            <a:schemeClr val="dk1"/>
-                          </a:solidFill>
-                          <a:latin typeface="Calibri" panose="020F0502020204030204"/>
-                        </a:defRPr>
-                      </a:lvl1pPr>
-                      <a:lvl2pPr marL="457200" algn="l" defTabSz="914400" rtl="0" eaLnBrk="1" latinLnBrk="0" hangingPunct="1">
-                        <a:defRPr sz="1800" kern="1200">
-                          <a:solidFill>
-                            <a:schemeClr val="dk1"/>
-                          </a:solidFill>
-                          <a:latin typeface="Calibri" panose="020F0502020204030204"/>
-                        </a:defRPr>
-                      </a:lvl2pPr>
-                      <a:lvl3pPr marL="914400" algn="l" defTabSz="914400" rtl="0" eaLnBrk="1" latinLnBrk="0" hangingPunct="1">
-                        <a:defRPr sz="1800" kern="1200">
-                          <a:solidFill>
-                            <a:schemeClr val="dk1"/>
-                          </a:solidFill>
-                          <a:latin typeface="Calibri" panose="020F0502020204030204"/>
-                        </a:defRPr>
-                      </a:lvl3pPr>
-                      <a:lvl4pPr marL="1371600" algn="l" defTabSz="914400" rtl="0" eaLnBrk="1" latinLnBrk="0" hangingPunct="1">
-                        <a:defRPr sz="1800" kern="1200">
-                          <a:solidFill>
-                            <a:schemeClr val="dk1"/>
-                          </a:solidFill>
-                          <a:latin typeface="Calibri" panose="020F0502020204030204"/>
-                        </a:defRPr>
-                      </a:lvl4pPr>
-                      <a:lvl5pPr marL="1828800" algn="l" defTabSz="914400" rtl="0" eaLnBrk="1" latinLnBrk="0" hangingPunct="1">
-                        <a:defRPr sz="1800" kern="1200">
-                          <a:solidFill>
-                            <a:schemeClr val="dk1"/>
-                          </a:solidFill>
-                          <a:latin typeface="Calibri" panose="020F0502020204030204"/>
-                        </a:defRPr>
-                      </a:lvl5pPr>
-                      <a:lvl6pPr marL="2286000" algn="l" defTabSz="914400" rtl="0" eaLnBrk="1" latinLnBrk="0" hangingPunct="1">
-                        <a:defRPr sz="1800" kern="1200">
-                          <a:solidFill>
-                            <a:schemeClr val="dk1"/>
-                          </a:solidFill>
-                          <a:latin typeface="Calibri" panose="020F0502020204030204"/>
-                        </a:defRPr>
-                      </a:lvl6pPr>
-                      <a:lvl7pPr marL="2743200" algn="l" defTabSz="914400" rtl="0" eaLnBrk="1" latinLnBrk="0" hangingPunct="1">
-                        <a:defRPr sz="1800" kern="1200">
-                          <a:solidFill>
-                            <a:schemeClr val="dk1"/>
-                          </a:solidFill>
-                          <a:latin typeface="Calibri" panose="020F0502020204030204"/>
-                        </a:defRPr>
-                      </a:lvl7pPr>
-                      <a:lvl8pPr marL="3200400" algn="l" defTabSz="914400" rtl="0" eaLnBrk="1" latinLnBrk="0" hangingPunct="1">
-                        <a:defRPr sz="1800" kern="1200">
-                          <a:solidFill>
-                            <a:schemeClr val="dk1"/>
-                          </a:solidFill>
-                          <a:latin typeface="Calibri" panose="020F0502020204030204"/>
-                        </a:defRPr>
-                      </a:lvl8pPr>
-                      <a:lvl9pPr marL="3657600" algn="l" defTabSz="914400" rtl="0" eaLnBrk="1" latinLnBrk="0" hangingPunct="1">
-                        <a:defRPr sz="1800" kern="1200">
-                          <a:solidFill>
-                            <a:schemeClr val="dk1"/>
-                          </a:solidFill>
-                          <a:latin typeface="Calibri" panose="020F0502020204030204"/>
-                        </a:defRPr>
-                      </a:lvl9pPr>
-                    </a:lstStyle>
-                    <a:p>
-                      <a:pPr marL="0" marR="0">
-                        <a:lnSpc>
-                          <a:spcPct val="107000"/>
-                        </a:lnSpc>
-                        <a:spcBef>
-                          <a:spcPts val="0"/>
-                        </a:spcBef>
-                        <a:spcAft>
-                          <a:spcPts val="0"/>
-                        </a:spcAft>
-                      </a:pPr>
-                      <a:r>
-                        <a:rPr lang="en-US" sz="900" kern="1200" dirty="0">
-                          <a:solidFill>
-                            <a:schemeClr val="dk1"/>
-                          </a:solidFill>
-                          <a:effectLst/>
-                          <a:latin typeface="+mj-lt"/>
-                          <a:ea typeface="+mn-ea"/>
-                          <a:cs typeface="+mn-cs"/>
-                        </a:rPr>
-                        <a:t>All</a:t>
-                      </a:r>
-                    </a:p>
-                  </a:txBody>
-                  <a:tcPr marL="45166" marR="45166" marT="11390" marB="11390"/>
-                </a:tc>
-                <a:extLst>
-                  <a:ext uri="{0D108BD9-81ED-4DB2-BD59-A6C34878D82A}">
-                    <a16:rowId xmlns:a16="http://schemas.microsoft.com/office/drawing/2014/main" val="2309675962"/>
-                  </a:ext>
-                </a:extLst>
-              </a:tr>
-              <a:tr h="316340">
-                <a:tc>
-                  <a:txBody>
-                    <a:bodyPr/>
-                    <a:lstStyle>
-                      <a:lvl1pPr marL="0" algn="l" defTabSz="914400" rtl="0" eaLnBrk="1" latinLnBrk="0" hangingPunct="1">
-                        <a:defRPr sz="1800" b="1" kern="1200">
-                          <a:solidFill>
-                            <a:schemeClr val="lt1"/>
-                          </a:solidFill>
-                          <a:latin typeface="Calibri" panose="020F0502020204030204"/>
-                        </a:defRPr>
-                      </a:lvl1pPr>
-                      <a:lvl2pPr marL="457200" algn="l" defTabSz="914400" rtl="0" eaLnBrk="1" latinLnBrk="0" hangingPunct="1">
-                        <a:defRPr sz="1800" b="1" kern="1200">
-                          <a:solidFill>
-                            <a:schemeClr val="lt1"/>
-                          </a:solidFill>
-                          <a:latin typeface="Calibri" panose="020F0502020204030204"/>
-                        </a:defRPr>
-                      </a:lvl2pPr>
-                      <a:lvl3pPr marL="914400" algn="l" defTabSz="914400" rtl="0" eaLnBrk="1" latinLnBrk="0" hangingPunct="1">
-                        <a:defRPr sz="1800" b="1" kern="1200">
-                          <a:solidFill>
-                            <a:schemeClr val="lt1"/>
-                          </a:solidFill>
-                          <a:latin typeface="Calibri" panose="020F0502020204030204"/>
-                        </a:defRPr>
-                      </a:lvl3pPr>
-                      <a:lvl4pPr marL="1371600" algn="l" defTabSz="914400" rtl="0" eaLnBrk="1" latinLnBrk="0" hangingPunct="1">
-                        <a:defRPr sz="1800" b="1" kern="1200">
-                          <a:solidFill>
-                            <a:schemeClr val="lt1"/>
-                          </a:solidFill>
-                          <a:latin typeface="Calibri" panose="020F0502020204030204"/>
-                        </a:defRPr>
-                      </a:lvl4pPr>
-                      <a:lvl5pPr marL="1828800" algn="l" defTabSz="914400" rtl="0" eaLnBrk="1" latinLnBrk="0" hangingPunct="1">
-                        <a:defRPr sz="1800" b="1" kern="1200">
-                          <a:solidFill>
-                            <a:schemeClr val="lt1"/>
-                          </a:solidFill>
-                          <a:latin typeface="Calibri" panose="020F0502020204030204"/>
-                        </a:defRPr>
-                      </a:lvl5pPr>
-                      <a:lvl6pPr marL="2286000" algn="l" defTabSz="914400" rtl="0" eaLnBrk="1" latinLnBrk="0" hangingPunct="1">
-                        <a:defRPr sz="1800" b="1" kern="1200">
-                          <a:solidFill>
-                            <a:schemeClr val="lt1"/>
-                          </a:solidFill>
-                          <a:latin typeface="Calibri" panose="020F0502020204030204"/>
-                        </a:defRPr>
-                      </a:lvl6pPr>
-                      <a:lvl7pPr marL="2743200" algn="l" defTabSz="914400" rtl="0" eaLnBrk="1" latinLnBrk="0" hangingPunct="1">
-                        <a:defRPr sz="1800" b="1" kern="1200">
-                          <a:solidFill>
-                            <a:schemeClr val="lt1"/>
-                          </a:solidFill>
-                          <a:latin typeface="Calibri" panose="020F0502020204030204"/>
-                        </a:defRPr>
-                      </a:lvl7pPr>
-                      <a:lvl8pPr marL="3200400" algn="l" defTabSz="914400" rtl="0" eaLnBrk="1" latinLnBrk="0" hangingPunct="1">
-                        <a:defRPr sz="1800" b="1" kern="1200">
-                          <a:solidFill>
-                            <a:schemeClr val="lt1"/>
-                          </a:solidFill>
-                          <a:latin typeface="Calibri" panose="020F0502020204030204"/>
-                        </a:defRPr>
-                      </a:lvl8pPr>
-                      <a:lvl9pPr marL="3657600" algn="l" defTabSz="914400" rtl="0" eaLnBrk="1" latinLnBrk="0" hangingPunct="1">
-                        <a:defRPr sz="1800" b="1" kern="1200">
-                          <a:solidFill>
-                            <a:schemeClr val="lt1"/>
-                          </a:solidFill>
-                          <a:latin typeface="Calibri" panose="020F0502020204030204"/>
-                        </a:defRPr>
-                      </a:lvl9pPr>
-                    </a:lstStyle>
-                    <a:p>
-                      <a:pPr marL="0" marR="0" algn="ctr" defTabSz="914400" rtl="0" eaLnBrk="1" latinLnBrk="0" hangingPunct="1">
-                        <a:lnSpc>
-                          <a:spcPct val="107000"/>
-                        </a:lnSpc>
-                        <a:spcBef>
-                          <a:spcPts val="0"/>
-                        </a:spcBef>
-                        <a:spcAft>
-                          <a:spcPts val="0"/>
-                        </a:spcAft>
-                      </a:pPr>
-                      <a:r>
-                        <a:rPr lang="en-US" sz="800" kern="1200" dirty="0">
-                          <a:effectLst/>
-                        </a:rPr>
-                        <a:t>4:15 – 4:45</a:t>
-                      </a:r>
-                      <a:endParaRPr lang="en-US" sz="800" b="1" kern="1200" dirty="0">
-                        <a:solidFill>
-                          <a:schemeClr val="lt1"/>
-                        </a:solidFill>
-                        <a:effectLst/>
-                        <a:latin typeface="Calibri" panose="020F0502020204030204" pitchFamily="34" charset="0"/>
-                        <a:ea typeface="+mn-ea"/>
-                        <a:cs typeface="Calibri" panose="020F0502020204030204" pitchFamily="34" charset="0"/>
-                      </a:endParaRPr>
-                    </a:p>
-                  </a:txBody>
-                  <a:tcPr marL="45166" marR="45166" marT="11390" marB="11390">
-                    <a:solidFill>
-                      <a:srgbClr val="0070C0"/>
-                    </a:solidFill>
-                  </a:tcPr>
-                </a:tc>
-                <a:tc>
-                  <a:txBody>
-                    <a:bodyPr/>
-                    <a:lstStyle>
-                      <a:lvl1pPr marL="0" algn="l" defTabSz="914400" rtl="0" eaLnBrk="1" latinLnBrk="0" hangingPunct="1">
-                        <a:defRPr sz="1800" kern="1200">
-                          <a:solidFill>
-                            <a:schemeClr val="dk1"/>
-                          </a:solidFill>
-                          <a:latin typeface="Calibri" panose="020F0502020204030204"/>
-                        </a:defRPr>
-                      </a:lvl1pPr>
-                      <a:lvl2pPr marL="457200" algn="l" defTabSz="914400" rtl="0" eaLnBrk="1" latinLnBrk="0" hangingPunct="1">
-                        <a:defRPr sz="1800" kern="1200">
-                          <a:solidFill>
-                            <a:schemeClr val="dk1"/>
-                          </a:solidFill>
-                          <a:latin typeface="Calibri" panose="020F0502020204030204"/>
-                        </a:defRPr>
-                      </a:lvl2pPr>
-                      <a:lvl3pPr marL="914400" algn="l" defTabSz="914400" rtl="0" eaLnBrk="1" latinLnBrk="0" hangingPunct="1">
-                        <a:defRPr sz="1800" kern="1200">
-                          <a:solidFill>
-                            <a:schemeClr val="dk1"/>
-                          </a:solidFill>
-                          <a:latin typeface="Calibri" panose="020F0502020204030204"/>
-                        </a:defRPr>
-                      </a:lvl3pPr>
-                      <a:lvl4pPr marL="1371600" algn="l" defTabSz="914400" rtl="0" eaLnBrk="1" latinLnBrk="0" hangingPunct="1">
-                        <a:defRPr sz="1800" kern="1200">
-                          <a:solidFill>
-                            <a:schemeClr val="dk1"/>
-                          </a:solidFill>
-                          <a:latin typeface="Calibri" panose="020F0502020204030204"/>
-                        </a:defRPr>
-                      </a:lvl4pPr>
-                      <a:lvl5pPr marL="1828800" algn="l" defTabSz="914400" rtl="0" eaLnBrk="1" latinLnBrk="0" hangingPunct="1">
-                        <a:defRPr sz="1800" kern="1200">
-                          <a:solidFill>
-                            <a:schemeClr val="dk1"/>
-                          </a:solidFill>
-                          <a:latin typeface="Calibri" panose="020F0502020204030204"/>
-                        </a:defRPr>
-                      </a:lvl5pPr>
-                      <a:lvl6pPr marL="2286000" algn="l" defTabSz="914400" rtl="0" eaLnBrk="1" latinLnBrk="0" hangingPunct="1">
-                        <a:defRPr sz="1800" kern="1200">
-                          <a:solidFill>
-                            <a:schemeClr val="dk1"/>
-                          </a:solidFill>
-                          <a:latin typeface="Calibri" panose="020F0502020204030204"/>
-                        </a:defRPr>
-                      </a:lvl6pPr>
-                      <a:lvl7pPr marL="2743200" algn="l" defTabSz="914400" rtl="0" eaLnBrk="1" latinLnBrk="0" hangingPunct="1">
-                        <a:defRPr sz="1800" kern="1200">
-                          <a:solidFill>
-                            <a:schemeClr val="dk1"/>
-                          </a:solidFill>
-                          <a:latin typeface="Calibri" panose="020F0502020204030204"/>
-                        </a:defRPr>
-                      </a:lvl7pPr>
-                      <a:lvl8pPr marL="3200400" algn="l" defTabSz="914400" rtl="0" eaLnBrk="1" latinLnBrk="0" hangingPunct="1">
-                        <a:defRPr sz="1800" kern="1200">
-                          <a:solidFill>
-                            <a:schemeClr val="dk1"/>
-                          </a:solidFill>
-                          <a:latin typeface="Calibri" panose="020F0502020204030204"/>
-                        </a:defRPr>
-                      </a:lvl8pPr>
-                      <a:lvl9pPr marL="3657600" algn="l" defTabSz="914400" rtl="0" eaLnBrk="1" latinLnBrk="0" hangingPunct="1">
-                        <a:defRPr sz="1800" kern="1200">
-                          <a:solidFill>
-                            <a:schemeClr val="dk1"/>
-                          </a:solidFill>
-                          <a:latin typeface="Calibri" panose="020F0502020204030204"/>
-                        </a:defRPr>
-                      </a:lvl9pPr>
-                    </a:lstStyle>
-                    <a:p>
-                      <a:pPr marL="0" marR="0">
-                        <a:lnSpc>
-                          <a:spcPct val="107000"/>
-                        </a:lnSpc>
-                        <a:spcBef>
-                          <a:spcPts val="0"/>
-                        </a:spcBef>
-                        <a:spcAft>
-                          <a:spcPts val="0"/>
-                        </a:spcAft>
-                      </a:pPr>
-                      <a:r>
-                        <a:rPr lang="en-US" sz="900" kern="1200" dirty="0">
-                          <a:effectLst/>
-                        </a:rPr>
-                        <a:t>Making it Real: Architecting Real World Solutions – Whiteboarding</a:t>
-                      </a:r>
-                      <a:endParaRPr lang="en-US" sz="900" kern="1200" dirty="0">
-                        <a:solidFill>
-                          <a:schemeClr val="dk1"/>
-                        </a:solidFill>
-                        <a:effectLst/>
-                        <a:latin typeface="+mj-lt"/>
-                        <a:ea typeface="+mn-ea"/>
-                        <a:cs typeface="+mn-cs"/>
-                      </a:endParaRPr>
-                    </a:p>
-                  </a:txBody>
-                  <a:tcPr marL="45166" marR="45166" marT="11390" marB="11390">
-                    <a:solidFill>
-                      <a:srgbClr val="92D050"/>
-                    </a:solidFill>
-                  </a:tcPr>
-                </a:tc>
-                <a:tc>
-                  <a:txBody>
-                    <a:bodyPr/>
-                    <a:lstStyle>
-                      <a:lvl1pPr marL="0" algn="l" defTabSz="914400" rtl="0" eaLnBrk="1" latinLnBrk="0" hangingPunct="1">
-                        <a:defRPr sz="1800" kern="1200">
-                          <a:solidFill>
-                            <a:schemeClr val="dk1"/>
-                          </a:solidFill>
-                          <a:latin typeface="Calibri" panose="020F0502020204030204"/>
-                        </a:defRPr>
-                      </a:lvl1pPr>
-                      <a:lvl2pPr marL="457200" algn="l" defTabSz="914400" rtl="0" eaLnBrk="1" latinLnBrk="0" hangingPunct="1">
-                        <a:defRPr sz="1800" kern="1200">
-                          <a:solidFill>
-                            <a:schemeClr val="dk1"/>
-                          </a:solidFill>
-                          <a:latin typeface="Calibri" panose="020F0502020204030204"/>
-                        </a:defRPr>
-                      </a:lvl2pPr>
-                      <a:lvl3pPr marL="914400" algn="l" defTabSz="914400" rtl="0" eaLnBrk="1" latinLnBrk="0" hangingPunct="1">
-                        <a:defRPr sz="1800" kern="1200">
-                          <a:solidFill>
-                            <a:schemeClr val="dk1"/>
-                          </a:solidFill>
-                          <a:latin typeface="Calibri" panose="020F0502020204030204"/>
-                        </a:defRPr>
-                      </a:lvl3pPr>
-                      <a:lvl4pPr marL="1371600" algn="l" defTabSz="914400" rtl="0" eaLnBrk="1" latinLnBrk="0" hangingPunct="1">
-                        <a:defRPr sz="1800" kern="1200">
-                          <a:solidFill>
-                            <a:schemeClr val="dk1"/>
-                          </a:solidFill>
-                          <a:latin typeface="Calibri" panose="020F0502020204030204"/>
-                        </a:defRPr>
-                      </a:lvl4pPr>
-                      <a:lvl5pPr marL="1828800" algn="l" defTabSz="914400" rtl="0" eaLnBrk="1" latinLnBrk="0" hangingPunct="1">
-                        <a:defRPr sz="1800" kern="1200">
-                          <a:solidFill>
-                            <a:schemeClr val="dk1"/>
-                          </a:solidFill>
-                          <a:latin typeface="Calibri" panose="020F0502020204030204"/>
-                        </a:defRPr>
-                      </a:lvl5pPr>
-                      <a:lvl6pPr marL="2286000" algn="l" defTabSz="914400" rtl="0" eaLnBrk="1" latinLnBrk="0" hangingPunct="1">
-                        <a:defRPr sz="1800" kern="1200">
-                          <a:solidFill>
-                            <a:schemeClr val="dk1"/>
-                          </a:solidFill>
-                          <a:latin typeface="Calibri" panose="020F0502020204030204"/>
-                        </a:defRPr>
-                      </a:lvl6pPr>
-                      <a:lvl7pPr marL="2743200" algn="l" defTabSz="914400" rtl="0" eaLnBrk="1" latinLnBrk="0" hangingPunct="1">
-                        <a:defRPr sz="1800" kern="1200">
-                          <a:solidFill>
-                            <a:schemeClr val="dk1"/>
-                          </a:solidFill>
-                          <a:latin typeface="Calibri" panose="020F0502020204030204"/>
-                        </a:defRPr>
-                      </a:lvl7pPr>
-                      <a:lvl8pPr marL="3200400" algn="l" defTabSz="914400" rtl="0" eaLnBrk="1" latinLnBrk="0" hangingPunct="1">
-                        <a:defRPr sz="1800" kern="1200">
-                          <a:solidFill>
-                            <a:schemeClr val="dk1"/>
-                          </a:solidFill>
-                          <a:latin typeface="Calibri" panose="020F0502020204030204"/>
-                        </a:defRPr>
-                      </a:lvl8pPr>
-                      <a:lvl9pPr marL="3657600" algn="l" defTabSz="914400" rtl="0" eaLnBrk="1" latinLnBrk="0" hangingPunct="1">
-                        <a:defRPr sz="1800" kern="1200">
-                          <a:solidFill>
-                            <a:schemeClr val="dk1"/>
-                          </a:solidFill>
-                          <a:latin typeface="Calibri" panose="020F0502020204030204"/>
-                        </a:defRPr>
-                      </a:lvl9pPr>
-                    </a:lstStyle>
-                    <a:p>
-                      <a:pPr marL="0" marR="0">
-                        <a:lnSpc>
-                          <a:spcPct val="107000"/>
-                        </a:lnSpc>
-                        <a:spcBef>
-                          <a:spcPts val="0"/>
-                        </a:spcBef>
-                        <a:spcAft>
-                          <a:spcPts val="0"/>
-                        </a:spcAft>
-                      </a:pPr>
-                      <a:r>
-                        <a:rPr lang="en-US" sz="900" kern="1200" dirty="0">
-                          <a:solidFill>
-                            <a:schemeClr val="dk1"/>
-                          </a:solidFill>
-                          <a:effectLst/>
-                          <a:latin typeface="+mj-lt"/>
-                          <a:ea typeface="+mn-ea"/>
-                          <a:cs typeface="+mn-cs"/>
-                        </a:rPr>
-                        <a:t>All</a:t>
-                      </a:r>
-                    </a:p>
-                  </a:txBody>
-                  <a:tcPr marL="45166" marR="45166" marT="11390" marB="11390"/>
-                </a:tc>
-                <a:extLst>
-                  <a:ext uri="{0D108BD9-81ED-4DB2-BD59-A6C34878D82A}">
-                    <a16:rowId xmlns:a16="http://schemas.microsoft.com/office/drawing/2014/main" val="4216081526"/>
-                  </a:ext>
-                </a:extLst>
-              </a:tr>
-              <a:tr h="203341">
-                <a:tc>
-                  <a:txBody>
-                    <a:bodyPr/>
-                    <a:lstStyle/>
-                    <a:p>
-                      <a:pPr marL="0" marR="0" algn="ctr" defTabSz="914400" rtl="0" eaLnBrk="1" latinLnBrk="0" hangingPunct="1">
-                        <a:lnSpc>
-                          <a:spcPct val="107000"/>
-                        </a:lnSpc>
-                        <a:spcBef>
-                          <a:spcPts val="0"/>
-                        </a:spcBef>
-                        <a:spcAft>
-                          <a:spcPts val="0"/>
-                        </a:spcAft>
-                      </a:pPr>
-                      <a:r>
-                        <a:rPr lang="en-US" sz="900" b="1" kern="1200" dirty="0">
-                          <a:solidFill>
-                            <a:schemeClr val="lt1"/>
-                          </a:solidFill>
-                          <a:effectLst/>
-                          <a:latin typeface="Calibri" panose="020F0502020204030204" pitchFamily="34" charset="0"/>
-                          <a:ea typeface="+mn-ea"/>
-                          <a:cs typeface="Calibri" panose="020F0502020204030204" pitchFamily="34" charset="0"/>
-                        </a:rPr>
-                        <a:t>4:45-5:00</a:t>
-                      </a:r>
-                    </a:p>
-                  </a:txBody>
-                  <a:tcPr marL="45166" marR="45166" marT="11390" marB="11390">
-                    <a:solidFill>
-                      <a:srgbClr val="0070C0"/>
-                    </a:solidFill>
-                  </a:tcPr>
-                </a:tc>
-                <a:tc>
-                  <a:txBody>
-                    <a:bodyPr/>
-                    <a:lstStyle/>
-                    <a:p>
-                      <a:pPr marL="0" marR="0" algn="l" defTabSz="914400" rtl="0" eaLnBrk="1" latinLnBrk="0" hangingPunct="1">
-                        <a:lnSpc>
-                          <a:spcPct val="107000"/>
-                        </a:lnSpc>
-                        <a:spcBef>
-                          <a:spcPts val="0"/>
-                        </a:spcBef>
-                        <a:spcAft>
-                          <a:spcPts val="0"/>
-                        </a:spcAft>
-                      </a:pPr>
-                      <a:r>
-                        <a:rPr lang="en-US" sz="900" kern="1200" dirty="0">
-                          <a:solidFill>
-                            <a:schemeClr val="dk1"/>
-                          </a:solidFill>
-                          <a:effectLst/>
-                          <a:latin typeface="Calibri" panose="020F0502020204030204" pitchFamily="34" charset="0"/>
-                          <a:ea typeface="+mn-ea"/>
-                          <a:cs typeface="Calibri" panose="020F0502020204030204" pitchFamily="34" charset="0"/>
-                        </a:rPr>
-                        <a:t>Wrap-Up/Closing Next Steps and Homework (Labs)</a:t>
-                      </a:r>
-                    </a:p>
-                  </a:txBody>
-                  <a:tcPr marL="45166" marR="45166" marT="11390" marB="11390">
-                    <a:solidFill>
-                      <a:srgbClr val="D8DEE7"/>
-                    </a:solidFill>
-                  </a:tcPr>
-                </a:tc>
-                <a:tc>
-                  <a:txBody>
-                    <a:bodyPr/>
-                    <a:lstStyle/>
-                    <a:p>
-                      <a:pPr marL="0" marR="0">
-                        <a:lnSpc>
-                          <a:spcPct val="107000"/>
-                        </a:lnSpc>
-                        <a:spcBef>
-                          <a:spcPts val="0"/>
-                        </a:spcBef>
-                        <a:spcAft>
-                          <a:spcPts val="0"/>
-                        </a:spcAft>
-                      </a:pPr>
-                      <a:endParaRPr lang="en-US" sz="900" kern="1200" dirty="0">
-                        <a:solidFill>
-                          <a:schemeClr val="dk1"/>
-                        </a:solidFill>
-                        <a:effectLst/>
-                        <a:latin typeface="+mj-lt"/>
-                        <a:ea typeface="+mn-ea"/>
-                        <a:cs typeface="+mn-cs"/>
-                      </a:endParaRPr>
-                    </a:p>
-                  </a:txBody>
-                  <a:tcPr marL="45166" marR="45166" marT="11390" marB="11390"/>
-                </a:tc>
-                <a:extLst>
-                  <a:ext uri="{0D108BD9-81ED-4DB2-BD59-A6C34878D82A}">
-                    <a16:rowId xmlns:a16="http://schemas.microsoft.com/office/drawing/2014/main" val="1149476677"/>
-                  </a:ext>
-                </a:extLst>
-              </a:tr>
-            </a:tbl>
-          </a:graphicData>
-        </a:graphic>
-      </p:graphicFrame>
-      <p:sp>
-        <p:nvSpPr>
-          <p:cNvPr id="4" name="Rectangle 3">
-            <a:extLst>
-              <a:ext uri="{FF2B5EF4-FFF2-40B4-BE49-F238E27FC236}">
-                <a16:creationId xmlns:a16="http://schemas.microsoft.com/office/drawing/2014/main" id="{466DB7E9-4989-4BA8-AC4F-EBA688DE4992}"/>
-              </a:ext>
-            </a:extLst>
-          </p:cNvPr>
-          <p:cNvSpPr/>
-          <p:nvPr/>
-        </p:nvSpPr>
-        <p:spPr>
-          <a:xfrm>
-            <a:off x="6785812" y="1946485"/>
-            <a:ext cx="2266172" cy="276999"/>
-          </a:xfrm>
-          <a:prstGeom prst="rect">
-            <a:avLst/>
-          </a:prstGeom>
-        </p:spPr>
-        <p:txBody>
-          <a:bodyPr wrap="square">
-            <a:spAutoFit/>
-          </a:bodyPr>
-          <a:lstStyle/>
-          <a:p>
-            <a:r>
-              <a:rPr lang="en-US" sz="600" dirty="0"/>
-              <a:t>Microsoft Office - 5 Wayside Rd, Burlington, MA</a:t>
-            </a:r>
-          </a:p>
-          <a:p>
-            <a:r>
-              <a:rPr lang="en-US" sz="600" dirty="0"/>
-              <a:t>1st Floor – Washington/Jefferson</a:t>
-            </a:r>
+            <a:endParaRPr lang="en-US"/>
           </a:p>
         </p:txBody>
       </p:sp>
     </p:spTree>
     <p:extLst>
       <p:ext uri="{BB962C8B-B14F-4D97-AF65-F5344CB8AC3E}">
-        <p14:creationId xmlns:p14="http://schemas.microsoft.com/office/powerpoint/2010/main" val="1087970840"/>
+        <p14:creationId xmlns:p14="http://schemas.microsoft.com/office/powerpoint/2010/main" val="1880287371"/>
       </p:ext>
     </p:extLst>
   </p:cSld>
@@ -17808,207 +10685,6 @@
       </p:grpSpPr>
       <p:sp>
         <p:nvSpPr>
-          <p:cNvPr id="2" name="Title 1">
-            <a:extLst>
-              <a:ext uri="{FF2B5EF4-FFF2-40B4-BE49-F238E27FC236}">
-                <a16:creationId xmlns:a16="http://schemas.microsoft.com/office/drawing/2014/main" id="{CDFD4CD9-4330-4B7F-B215-A7BED91ED4D2}"/>
-              </a:ext>
-            </a:extLst>
-          </p:cNvPr>
-          <p:cNvSpPr>
-            <a:spLocks noGrp="1"/>
-          </p:cNvSpPr>
-          <p:nvPr>
-            <p:ph type="ctrTitle" sz="quarter"/>
-          </p:nvPr>
-        </p:nvSpPr>
-        <p:spPr/>
-        <p:txBody>
-          <a:bodyPr/>
-          <a:lstStyle/>
-          <a:p>
-            <a:r>
-              <a:rPr lang="en-US" sz="1500" dirty="0">
-                <a:solidFill>
-                  <a:srgbClr val="FFFFFF"/>
-                </a:solidFill>
-              </a:rPr>
-              <a:t>Exam</a:t>
-            </a:r>
-            <a:r>
-              <a:rPr lang="en-US" sz="2700" dirty="0">
-                <a:solidFill>
-                  <a:srgbClr val="FFFFFF"/>
-                </a:solidFill>
-              </a:rPr>
-              <a:t> 70-535 Architecting Microsoft Azure Solutions</a:t>
-            </a:r>
-            <a:br>
-              <a:rPr lang="en-US" sz="2700" dirty="0">
-                <a:solidFill>
-                  <a:srgbClr val="FFFFFF"/>
-                </a:solidFill>
-              </a:rPr>
-            </a:br>
-            <a:r>
-              <a:rPr lang="en-US" sz="1800" dirty="0">
-                <a:solidFill>
-                  <a:srgbClr val="FFFFFF"/>
-                </a:solidFill>
-              </a:rPr>
-              <a:t>Data &amp; Cloud Skill Up Workshop - Azure Fundamentals </a:t>
-            </a:r>
-            <a:endParaRPr lang="en-US" dirty="0"/>
-          </a:p>
-        </p:txBody>
-      </p:sp>
-      <p:sp>
-        <p:nvSpPr>
-          <p:cNvPr id="3" name="Subtitle 2">
-            <a:extLst>
-              <a:ext uri="{FF2B5EF4-FFF2-40B4-BE49-F238E27FC236}">
-                <a16:creationId xmlns:a16="http://schemas.microsoft.com/office/drawing/2014/main" id="{A4C07415-3D36-4383-9226-03906D63414E}"/>
-              </a:ext>
-            </a:extLst>
-          </p:cNvPr>
-          <p:cNvSpPr>
-            <a:spLocks noGrp="1"/>
-          </p:cNvSpPr>
-          <p:nvPr>
-            <p:ph type="subTitle" sz="quarter" idx="1"/>
-          </p:nvPr>
-        </p:nvSpPr>
-        <p:spPr/>
-        <p:txBody>
-          <a:bodyPr/>
-          <a:lstStyle/>
-          <a:p>
-            <a:r>
-              <a:rPr lang="en-US" dirty="0">
-                <a:solidFill>
-                  <a:srgbClr val="FFC000"/>
-                </a:solidFill>
-              </a:rPr>
-              <a:t>Design Compute Infrastructure (20-25%)</a:t>
-            </a:r>
-          </a:p>
-          <a:p>
-            <a:r>
-              <a:rPr lang="en-US" dirty="0"/>
-              <a:t>Design Data Implementation (15-20%)</a:t>
-            </a:r>
-          </a:p>
-          <a:p>
-            <a:r>
-              <a:rPr lang="en-US" dirty="0"/>
-              <a:t>Design Networking Implementation (15-20%)</a:t>
-            </a:r>
-          </a:p>
-          <a:p>
-            <a:r>
-              <a:rPr lang="en-US" dirty="0"/>
-              <a:t>Design Security and Identity Solutions (20-25%)</a:t>
-            </a:r>
-          </a:p>
-          <a:p>
-            <a:r>
-              <a:rPr lang="en-US" dirty="0"/>
-              <a:t>Design Solutions by using Platform Services (10-15%)</a:t>
-            </a:r>
-          </a:p>
-          <a:p>
-            <a:r>
-              <a:rPr lang="en-US" dirty="0"/>
-              <a:t>Design for Operations (10-15%)</a:t>
-            </a:r>
-          </a:p>
-          <a:p>
-            <a:endParaRPr lang="en-US" dirty="0"/>
-          </a:p>
-        </p:txBody>
-      </p:sp>
-      <p:sp>
-        <p:nvSpPr>
-          <p:cNvPr id="6" name="Text Placeholder 5">
-            <a:extLst>
-              <a:ext uri="{FF2B5EF4-FFF2-40B4-BE49-F238E27FC236}">
-                <a16:creationId xmlns:a16="http://schemas.microsoft.com/office/drawing/2014/main" id="{FD83C38F-72C4-4C08-A352-C7000E3A0429}"/>
-              </a:ext>
-            </a:extLst>
-          </p:cNvPr>
-          <p:cNvSpPr>
-            <a:spLocks noGrp="1"/>
-          </p:cNvSpPr>
-          <p:nvPr>
-            <p:ph type="body" sz="quarter" idx="10"/>
-          </p:nvPr>
-        </p:nvSpPr>
-        <p:spPr/>
-        <p:txBody>
-          <a:bodyPr/>
-          <a:lstStyle/>
-          <a:p>
-            <a:endParaRPr lang="en-US"/>
-          </a:p>
-        </p:txBody>
-      </p:sp>
-      <p:sp>
-        <p:nvSpPr>
-          <p:cNvPr id="7" name="Text Placeholder 6">
-            <a:extLst>
-              <a:ext uri="{FF2B5EF4-FFF2-40B4-BE49-F238E27FC236}">
-                <a16:creationId xmlns:a16="http://schemas.microsoft.com/office/drawing/2014/main" id="{B845847F-EDDE-4C9F-B995-15A2FDE0FFE9}"/>
-              </a:ext>
-            </a:extLst>
-          </p:cNvPr>
-          <p:cNvSpPr>
-            <a:spLocks noGrp="1"/>
-          </p:cNvSpPr>
-          <p:nvPr>
-            <p:ph type="body" sz="quarter" idx="11"/>
-          </p:nvPr>
-        </p:nvSpPr>
-        <p:spPr/>
-        <p:txBody>
-          <a:bodyPr/>
-          <a:lstStyle/>
-          <a:p>
-            <a:endParaRPr lang="en-US"/>
-          </a:p>
-        </p:txBody>
-      </p:sp>
-    </p:spTree>
-    <p:extLst>
-      <p:ext uri="{BB962C8B-B14F-4D97-AF65-F5344CB8AC3E}">
-        <p14:creationId xmlns:p14="http://schemas.microsoft.com/office/powerpoint/2010/main" val="1880287371"/>
-      </p:ext>
-    </p:extLst>
-  </p:cSld>
-  <p:clrMapOvr>
-    <a:masterClrMapping/>
-  </p:clrMapOvr>
-</p:sld>
-</file>
-
-<file path=ppt/slides/slide3.xml><?xml version="1.0" encoding="utf-8"?>
-<p:sld xmlns:a="http://schemas.openxmlformats.org/drawingml/2006/main" xmlns:r="http://schemas.openxmlformats.org/officeDocument/2006/relationships" xmlns:p="http://schemas.openxmlformats.org/presentationml/2006/main">
-  <p:cSld>
-    <p:spTree>
-      <p:nvGrpSpPr>
-        <p:cNvPr id="1" name=""/>
-        <p:cNvGrpSpPr/>
-        <p:nvPr/>
-      </p:nvGrpSpPr>
-      <p:grpSpPr>
-        <a:xfrm>
-          <a:off x="0" y="0"/>
-          <a:ext cx="0" cy="0"/>
-          <a:chOff x="0" y="0"/>
-          <a:chExt cx="0" cy="0"/>
-        </a:xfrm>
-      </p:grpSpPr>
-      <p:sp>
-        <p:nvSpPr>
           <p:cNvPr id="5" name="Title 4">
             <a:extLst>
               <a:ext uri="{FF2B5EF4-FFF2-40B4-BE49-F238E27FC236}">
@@ -18258,7 +10934,7 @@
 </p:sld>
 </file>
 
-<file path=ppt/slides/slide4.xml><?xml version="1.0" encoding="utf-8"?>
+<file path=ppt/slides/slide3.xml><?xml version="1.0" encoding="utf-8"?>
 <p:sld xmlns:a="http://schemas.openxmlformats.org/drawingml/2006/main" xmlns:r="http://schemas.openxmlformats.org/officeDocument/2006/relationships" xmlns:p="http://schemas.openxmlformats.org/presentationml/2006/main" show="0">
   <p:cSld>
     <p:spTree>
@@ -18504,7 +11180,7 @@
 </p:sld>
 </file>
 
-<file path=ppt/slides/slide5.xml><?xml version="1.0" encoding="utf-8"?>
+<file path=ppt/slides/slide4.xml><?xml version="1.0" encoding="utf-8"?>
 <p:sld xmlns:a="http://schemas.openxmlformats.org/drawingml/2006/main" xmlns:r="http://schemas.openxmlformats.org/officeDocument/2006/relationships" xmlns:p="http://schemas.openxmlformats.org/presentationml/2006/main">
   <p:cSld>
     <p:spTree>
